--- a/2016-10-24 Teensy Audio USB/Figures for Blog/Figures.pptx
+++ b/2016-10-24 Teensy Audio USB/Figures for Blog/Figures.pptx
@@ -5,16 +5,19 @@
     <p:sldMasterId id="2147483648" r:id="rId1"/>
   </p:sldMasterIdLst>
   <p:sldIdLst>
-    <p:sldId id="264" r:id="rId2"/>
-    <p:sldId id="265" r:id="rId3"/>
-    <p:sldId id="268" r:id="rId4"/>
-    <p:sldId id="256" r:id="rId5"/>
-    <p:sldId id="258" r:id="rId6"/>
-    <p:sldId id="259" r:id="rId7"/>
-    <p:sldId id="260" r:id="rId8"/>
-    <p:sldId id="261" r:id="rId9"/>
-    <p:sldId id="262" r:id="rId10"/>
-    <p:sldId id="263" r:id="rId11"/>
+    <p:sldId id="272" r:id="rId2"/>
+    <p:sldId id="273" r:id="rId3"/>
+    <p:sldId id="274" r:id="rId4"/>
+    <p:sldId id="277" r:id="rId5"/>
+    <p:sldId id="279" r:id="rId6"/>
+    <p:sldId id="280" r:id="rId7"/>
+    <p:sldId id="283" r:id="rId8"/>
+    <p:sldId id="281" r:id="rId9"/>
+    <p:sldId id="276" r:id="rId10"/>
+    <p:sldId id="282" r:id="rId11"/>
+    <p:sldId id="278" r:id="rId12"/>
+    <p:sldId id="270" r:id="rId13"/>
+    <p:sldId id="263" r:id="rId14"/>
   </p:sldIdLst>
   <p:sldSz cx="9144000" cy="6858000" type="screen4x3"/>
   <p:notesSz cx="6858000" cy="9144000"/>
@@ -298,7 +301,7 @@
             <a:fld id="{1D8BD707-D9CF-40AE-B4C6-C98DA3205C09}" type="datetimeFigureOut">
               <a:rPr lang="en-US" smtClean="0"/>
               <a:pPr/>
-              <a:t>10/23/2016</a:t>
+              <a:t>10/24/2016</a:t>
             </a:fld>
             <a:endParaRPr lang="en-US"/>
           </a:p>
@@ -465,7 +468,7 @@
             <a:fld id="{1D8BD707-D9CF-40AE-B4C6-C98DA3205C09}" type="datetimeFigureOut">
               <a:rPr lang="en-US" smtClean="0"/>
               <a:pPr/>
-              <a:t>10/23/2016</a:t>
+              <a:t>10/24/2016</a:t>
             </a:fld>
             <a:endParaRPr lang="en-US"/>
           </a:p>
@@ -642,7 +645,7 @@
             <a:fld id="{1D8BD707-D9CF-40AE-B4C6-C98DA3205C09}" type="datetimeFigureOut">
               <a:rPr lang="en-US" smtClean="0"/>
               <a:pPr/>
-              <a:t>10/23/2016</a:t>
+              <a:t>10/24/2016</a:t>
             </a:fld>
             <a:endParaRPr lang="en-US"/>
           </a:p>
@@ -809,7 +812,7 @@
             <a:fld id="{1D8BD707-D9CF-40AE-B4C6-C98DA3205C09}" type="datetimeFigureOut">
               <a:rPr lang="en-US" smtClean="0"/>
               <a:pPr/>
-              <a:t>10/23/2016</a:t>
+              <a:t>10/24/2016</a:t>
             </a:fld>
             <a:endParaRPr lang="en-US"/>
           </a:p>
@@ -1052,7 +1055,7 @@
             <a:fld id="{1D8BD707-D9CF-40AE-B4C6-C98DA3205C09}" type="datetimeFigureOut">
               <a:rPr lang="en-US" smtClean="0"/>
               <a:pPr/>
-              <a:t>10/23/2016</a:t>
+              <a:t>10/24/2016</a:t>
             </a:fld>
             <a:endParaRPr lang="en-US"/>
           </a:p>
@@ -1337,7 +1340,7 @@
             <a:fld id="{1D8BD707-D9CF-40AE-B4C6-C98DA3205C09}" type="datetimeFigureOut">
               <a:rPr lang="en-US" smtClean="0"/>
               <a:pPr/>
-              <a:t>10/23/2016</a:t>
+              <a:t>10/24/2016</a:t>
             </a:fld>
             <a:endParaRPr lang="en-US"/>
           </a:p>
@@ -1756,7 +1759,7 @@
             <a:fld id="{1D8BD707-D9CF-40AE-B4C6-C98DA3205C09}" type="datetimeFigureOut">
               <a:rPr lang="en-US" smtClean="0"/>
               <a:pPr/>
-              <a:t>10/23/2016</a:t>
+              <a:t>10/24/2016</a:t>
             </a:fld>
             <a:endParaRPr lang="en-US"/>
           </a:p>
@@ -1871,7 +1874,7 @@
             <a:fld id="{1D8BD707-D9CF-40AE-B4C6-C98DA3205C09}" type="datetimeFigureOut">
               <a:rPr lang="en-US" smtClean="0"/>
               <a:pPr/>
-              <a:t>10/23/2016</a:t>
+              <a:t>10/24/2016</a:t>
             </a:fld>
             <a:endParaRPr lang="en-US"/>
           </a:p>
@@ -1963,7 +1966,7 @@
             <a:fld id="{1D8BD707-D9CF-40AE-B4C6-C98DA3205C09}" type="datetimeFigureOut">
               <a:rPr lang="en-US" smtClean="0"/>
               <a:pPr/>
-              <a:t>10/23/2016</a:t>
+              <a:t>10/24/2016</a:t>
             </a:fld>
             <a:endParaRPr lang="en-US"/>
           </a:p>
@@ -2237,7 +2240,7 @@
             <a:fld id="{1D8BD707-D9CF-40AE-B4C6-C98DA3205C09}" type="datetimeFigureOut">
               <a:rPr lang="en-US" smtClean="0"/>
               <a:pPr/>
-              <a:t>10/23/2016</a:t>
+              <a:t>10/24/2016</a:t>
             </a:fld>
             <a:endParaRPr lang="en-US"/>
           </a:p>
@@ -2487,7 +2490,7 @@
             <a:fld id="{1D8BD707-D9CF-40AE-B4C6-C98DA3205C09}" type="datetimeFigureOut">
               <a:rPr lang="en-US" smtClean="0"/>
               <a:pPr/>
-              <a:t>10/23/2016</a:t>
+              <a:t>10/24/2016</a:t>
             </a:fld>
             <a:endParaRPr lang="en-US"/>
           </a:p>
@@ -2697,7 +2700,7 @@
             <a:fld id="{1D8BD707-D9CF-40AE-B4C6-C98DA3205C09}" type="datetimeFigureOut">
               <a:rPr lang="en-US" smtClean="0"/>
               <a:pPr/>
-              <a:t>10/23/2016</a:t>
+              <a:t>10/24/2016</a:t>
             </a:fld>
             <a:endParaRPr lang="en-US"/>
           </a:p>
@@ -3076,15 +3079,902 @@
         </p:nvGrpSpPr>
         <p:grpSpPr>
           <a:xfrm>
-            <a:off x="762000" y="719132"/>
-            <a:ext cx="6400800" cy="4081468"/>
-            <a:chOff x="762000" y="719132"/>
-            <a:chExt cx="6400800" cy="4081468"/>
+            <a:off x="1855450" y="1656273"/>
+            <a:ext cx="5154950" cy="3379283"/>
+            <a:chOff x="2812810" y="1656273"/>
+            <a:chExt cx="5154950" cy="3379283"/>
           </a:xfrm>
         </p:grpSpPr>
         <p:pic>
           <p:nvPicPr>
-            <p:cNvPr id="1029" name="Picture 5"/>
+            <p:cNvPr id="2050" name="Picture 2" descr="C:\Users\wea\Desktop\2016-10-24 Teensy USB Audio\IMG_6833.JPG"/>
+            <p:cNvPicPr>
+              <a:picLocks noChangeAspect="1" noChangeArrowheads="1"/>
+            </p:cNvPicPr>
+            <p:nvPr/>
+          </p:nvPicPr>
+          <p:blipFill rotWithShape="1">
+            <a:blip r:embed="rId2">
+              <a:extLst>
+                <a:ext uri="{28A0092B-C50C-407E-A947-70E740481C1C}">
+                  <a14:useLocalDpi xmlns:a14="http://schemas.microsoft.com/office/drawing/2010/main" val="0"/>
+                </a:ext>
+              </a:extLst>
+            </a:blip>
+            <a:srcRect l="2483" t="2586" r="102" b="4739"/>
+            <a:stretch/>
+          </p:blipFill>
+          <p:spPr bwMode="auto">
+            <a:xfrm>
+              <a:off x="2812810" y="1656273"/>
+              <a:ext cx="5067762" cy="3220528"/>
+            </a:xfrm>
+            <a:prstGeom prst="rect">
+              <a:avLst/>
+            </a:prstGeom>
+            <a:noFill/>
+            <a:extLst>
+              <a:ext uri="{909E8E84-426E-40DD-AFC4-6F175D3DCCD1}">
+                <a14:hiddenFill xmlns:a14="http://schemas.microsoft.com/office/drawing/2010/main">
+                  <a:solidFill>
+                    <a:srgbClr val="FFFFFF"/>
+                  </a:solidFill>
+                </a14:hiddenFill>
+              </a:ext>
+            </a:extLst>
+          </p:spPr>
+        </p:pic>
+        <p:sp>
+          <p:nvSpPr>
+            <p:cNvPr id="3" name="TextBox 2"/>
+            <p:cNvSpPr txBox="1"/>
+            <p:nvPr/>
+          </p:nvSpPr>
+          <p:spPr>
+            <a:xfrm rot="814426">
+              <a:off x="3831691" y="2006002"/>
+              <a:ext cx="4136069" cy="769441"/>
+            </a:xfrm>
+            <a:prstGeom prst="rect">
+              <a:avLst/>
+            </a:prstGeom>
+            <a:noFill/>
+          </p:spPr>
+          <p:txBody>
+            <a:bodyPr wrap="none" rtlCol="0">
+              <a:spAutoFit/>
+            </a:bodyPr>
+            <a:lstStyle/>
+            <a:p>
+              <a:pPr algn="ctr"/>
+              <a:r>
+                <a:rPr lang="en-US" sz="4400" b="1" spc="-150" dirty="0" smtClean="0">
+                  <a:solidFill>
+                    <a:srgbClr val="FFFF00"/>
+                  </a:solidFill>
+                  <a:effectLst>
+                    <a:outerShdw blurRad="38100" dist="38100" dir="2700000" algn="tl">
+                      <a:srgbClr val="000000">
+                        <a:alpha val="43137"/>
+                      </a:srgbClr>
+                    </a:outerShdw>
+                  </a:effectLst>
+                </a:rPr>
+                <a:t>No Audio Cables…</a:t>
+              </a:r>
+              <a:endParaRPr lang="en-US" sz="4400" b="1" spc="-150" dirty="0">
+                <a:solidFill>
+                  <a:srgbClr val="FFFF00"/>
+                </a:solidFill>
+                <a:effectLst>
+                  <a:outerShdw blurRad="38100" dist="38100" dir="2700000" algn="tl">
+                    <a:srgbClr val="000000">
+                      <a:alpha val="43137"/>
+                    </a:srgbClr>
+                  </a:outerShdw>
+                </a:effectLst>
+              </a:endParaRPr>
+            </a:p>
+          </p:txBody>
+        </p:sp>
+        <p:sp>
+          <p:nvSpPr>
+            <p:cNvPr id="4" name="TextBox 3"/>
+            <p:cNvSpPr txBox="1"/>
+            <p:nvPr/>
+          </p:nvSpPr>
+          <p:spPr>
+            <a:xfrm>
+              <a:off x="3276600" y="4168914"/>
+              <a:ext cx="3733800" cy="707886"/>
+            </a:xfrm>
+            <a:prstGeom prst="rect">
+              <a:avLst/>
+            </a:prstGeom>
+            <a:noFill/>
+          </p:spPr>
+          <p:txBody>
+            <a:bodyPr wrap="square" rtlCol="0">
+              <a:spAutoFit/>
+            </a:bodyPr>
+            <a:lstStyle/>
+            <a:p>
+              <a:pPr algn="ctr"/>
+              <a:r>
+                <a:rPr lang="en-US" sz="4000" b="1" spc="-150" dirty="0" smtClean="0">
+                  <a:solidFill>
+                    <a:srgbClr val="FFFF00"/>
+                  </a:solidFill>
+                  <a:effectLst>
+                    <a:outerShdw blurRad="38100" dist="38100" dir="2700000" algn="tl">
+                      <a:srgbClr val="000000">
+                        <a:alpha val="43137"/>
+                      </a:srgbClr>
+                    </a:outerShdw>
+                  </a:effectLst>
+                </a:rPr>
+                <a:t>…Except for USB!</a:t>
+              </a:r>
+              <a:endParaRPr lang="en-US" sz="4000" b="1" spc="-150" dirty="0">
+                <a:solidFill>
+                  <a:srgbClr val="FFFF00"/>
+                </a:solidFill>
+                <a:effectLst>
+                  <a:outerShdw blurRad="38100" dist="38100" dir="2700000" algn="tl">
+                    <a:srgbClr val="000000">
+                      <a:alpha val="43137"/>
+                    </a:srgbClr>
+                  </a:outerShdw>
+                </a:effectLst>
+              </a:endParaRPr>
+            </a:p>
+          </p:txBody>
+        </p:sp>
+        <p:sp>
+          <p:nvSpPr>
+            <p:cNvPr id="5" name="Freeform 4"/>
+            <p:cNvSpPr/>
+            <p:nvPr/>
+          </p:nvSpPr>
+          <p:spPr>
+            <a:xfrm rot="896558">
+              <a:off x="3290483" y="2864976"/>
+              <a:ext cx="1591676" cy="2170580"/>
+            </a:xfrm>
+            <a:custGeom>
+              <a:avLst/>
+              <a:gdLst>
+                <a:gd name="connsiteX0" fmla="*/ 0 w 1383957"/>
+                <a:gd name="connsiteY0" fmla="*/ 732334 h 732334"/>
+                <a:gd name="connsiteX1" fmla="*/ 160638 w 1383957"/>
+                <a:gd name="connsiteY1" fmla="*/ 349275 h 732334"/>
+                <a:gd name="connsiteX2" fmla="*/ 518984 w 1383957"/>
+                <a:gd name="connsiteY2" fmla="*/ 114497 h 732334"/>
+                <a:gd name="connsiteX3" fmla="*/ 1075038 w 1383957"/>
+                <a:gd name="connsiteY3" fmla="*/ 3286 h 732334"/>
+                <a:gd name="connsiteX4" fmla="*/ 1383957 w 1383957"/>
+                <a:gd name="connsiteY4" fmla="*/ 40356 h 732334"/>
+                <a:gd name="connsiteX0" fmla="*/ 0 w 1383957"/>
+                <a:gd name="connsiteY0" fmla="*/ 729679 h 729679"/>
+                <a:gd name="connsiteX1" fmla="*/ 160638 w 1383957"/>
+                <a:gd name="connsiteY1" fmla="*/ 346620 h 729679"/>
+                <a:gd name="connsiteX2" fmla="*/ 593125 w 1383957"/>
+                <a:gd name="connsiteY2" fmla="*/ 62415 h 729679"/>
+                <a:gd name="connsiteX3" fmla="*/ 1075038 w 1383957"/>
+                <a:gd name="connsiteY3" fmla="*/ 631 h 729679"/>
+                <a:gd name="connsiteX4" fmla="*/ 1383957 w 1383957"/>
+                <a:gd name="connsiteY4" fmla="*/ 37701 h 729679"/>
+                <a:gd name="connsiteX0" fmla="*/ 0 w 1488985"/>
+                <a:gd name="connsiteY0" fmla="*/ 704139 h 704139"/>
+                <a:gd name="connsiteX1" fmla="*/ 265666 w 1488985"/>
+                <a:gd name="connsiteY1" fmla="*/ 346620 h 704139"/>
+                <a:gd name="connsiteX2" fmla="*/ 698153 w 1488985"/>
+                <a:gd name="connsiteY2" fmla="*/ 62415 h 704139"/>
+                <a:gd name="connsiteX3" fmla="*/ 1180066 w 1488985"/>
+                <a:gd name="connsiteY3" fmla="*/ 631 h 704139"/>
+                <a:gd name="connsiteX4" fmla="*/ 1488985 w 1488985"/>
+                <a:gd name="connsiteY4" fmla="*/ 37701 h 704139"/>
+                <a:gd name="connsiteX0" fmla="*/ 0 w 1488985"/>
+                <a:gd name="connsiteY0" fmla="*/ 704139 h 704139"/>
+                <a:gd name="connsiteX1" fmla="*/ 265666 w 1488985"/>
+                <a:gd name="connsiteY1" fmla="*/ 346620 h 704139"/>
+                <a:gd name="connsiteX2" fmla="*/ 698153 w 1488985"/>
+                <a:gd name="connsiteY2" fmla="*/ 62415 h 704139"/>
+                <a:gd name="connsiteX3" fmla="*/ 1180066 w 1488985"/>
+                <a:gd name="connsiteY3" fmla="*/ 631 h 704139"/>
+                <a:gd name="connsiteX4" fmla="*/ 1488985 w 1488985"/>
+                <a:gd name="connsiteY4" fmla="*/ 37701 h 704139"/>
+                <a:gd name="connsiteX0" fmla="*/ 0 w 1488985"/>
+                <a:gd name="connsiteY0" fmla="*/ 704139 h 704139"/>
+                <a:gd name="connsiteX1" fmla="*/ 265666 w 1488985"/>
+                <a:gd name="connsiteY1" fmla="*/ 346620 h 704139"/>
+                <a:gd name="connsiteX2" fmla="*/ 698153 w 1488985"/>
+                <a:gd name="connsiteY2" fmla="*/ 62415 h 704139"/>
+                <a:gd name="connsiteX3" fmla="*/ 1180066 w 1488985"/>
+                <a:gd name="connsiteY3" fmla="*/ 631 h 704139"/>
+                <a:gd name="connsiteX4" fmla="*/ 1488985 w 1488985"/>
+                <a:gd name="connsiteY4" fmla="*/ 37701 h 704139"/>
+                <a:gd name="connsiteX0" fmla="*/ 0 w 1488985"/>
+                <a:gd name="connsiteY0" fmla="*/ 737806 h 737806"/>
+                <a:gd name="connsiteX1" fmla="*/ 265666 w 1488985"/>
+                <a:gd name="connsiteY1" fmla="*/ 380287 h 737806"/>
+                <a:gd name="connsiteX2" fmla="*/ 697027 w 1488985"/>
+                <a:gd name="connsiteY2" fmla="*/ 24955 h 737806"/>
+                <a:gd name="connsiteX3" fmla="*/ 1180066 w 1488985"/>
+                <a:gd name="connsiteY3" fmla="*/ 34298 h 737806"/>
+                <a:gd name="connsiteX4" fmla="*/ 1488985 w 1488985"/>
+                <a:gd name="connsiteY4" fmla="*/ 71368 h 737806"/>
+                <a:gd name="connsiteX0" fmla="*/ 0 w 1488985"/>
+                <a:gd name="connsiteY0" fmla="*/ 747184 h 747184"/>
+                <a:gd name="connsiteX1" fmla="*/ 265666 w 1488985"/>
+                <a:gd name="connsiteY1" fmla="*/ 389665 h 747184"/>
+                <a:gd name="connsiteX2" fmla="*/ 697027 w 1488985"/>
+                <a:gd name="connsiteY2" fmla="*/ 34333 h 747184"/>
+                <a:gd name="connsiteX3" fmla="*/ 1180066 w 1488985"/>
+                <a:gd name="connsiteY3" fmla="*/ 43676 h 747184"/>
+                <a:gd name="connsiteX4" fmla="*/ 1488985 w 1488985"/>
+                <a:gd name="connsiteY4" fmla="*/ 80746 h 747184"/>
+                <a:gd name="connsiteX0" fmla="*/ 0 w 1488985"/>
+                <a:gd name="connsiteY0" fmla="*/ 760074 h 760074"/>
+                <a:gd name="connsiteX1" fmla="*/ 265666 w 1488985"/>
+                <a:gd name="connsiteY1" fmla="*/ 402555 h 760074"/>
+                <a:gd name="connsiteX2" fmla="*/ 697027 w 1488985"/>
+                <a:gd name="connsiteY2" fmla="*/ 47223 h 760074"/>
+                <a:gd name="connsiteX3" fmla="*/ 1158386 w 1488985"/>
+                <a:gd name="connsiteY3" fmla="*/ 8781 h 760074"/>
+                <a:gd name="connsiteX4" fmla="*/ 1488985 w 1488985"/>
+                <a:gd name="connsiteY4" fmla="*/ 93636 h 760074"/>
+                <a:gd name="connsiteX0" fmla="*/ 0 w 1513427"/>
+                <a:gd name="connsiteY0" fmla="*/ 757159 h 757159"/>
+                <a:gd name="connsiteX1" fmla="*/ 265666 w 1513427"/>
+                <a:gd name="connsiteY1" fmla="*/ 399640 h 757159"/>
+                <a:gd name="connsiteX2" fmla="*/ 697027 w 1513427"/>
+                <a:gd name="connsiteY2" fmla="*/ 44308 h 757159"/>
+                <a:gd name="connsiteX3" fmla="*/ 1158386 w 1513427"/>
+                <a:gd name="connsiteY3" fmla="*/ 5866 h 757159"/>
+                <a:gd name="connsiteX4" fmla="*/ 1513427 w 1513427"/>
+                <a:gd name="connsiteY4" fmla="*/ 48485 h 757159"/>
+                <a:gd name="connsiteX0" fmla="*/ 0 w 1513427"/>
+                <a:gd name="connsiteY0" fmla="*/ 757159 h 757159"/>
+                <a:gd name="connsiteX1" fmla="*/ 265666 w 1513427"/>
+                <a:gd name="connsiteY1" fmla="*/ 399640 h 757159"/>
+                <a:gd name="connsiteX2" fmla="*/ 697027 w 1513427"/>
+                <a:gd name="connsiteY2" fmla="*/ 44308 h 757159"/>
+                <a:gd name="connsiteX3" fmla="*/ 1158386 w 1513427"/>
+                <a:gd name="connsiteY3" fmla="*/ 5866 h 757159"/>
+                <a:gd name="connsiteX4" fmla="*/ 1513427 w 1513427"/>
+                <a:gd name="connsiteY4" fmla="*/ 48485 h 757159"/>
+                <a:gd name="connsiteX0" fmla="*/ 0 w 1513427"/>
+                <a:gd name="connsiteY0" fmla="*/ 754055 h 754055"/>
+                <a:gd name="connsiteX1" fmla="*/ 293993 w 1513427"/>
+                <a:gd name="connsiteY1" fmla="*/ 335406 h 754055"/>
+                <a:gd name="connsiteX2" fmla="*/ 697027 w 1513427"/>
+                <a:gd name="connsiteY2" fmla="*/ 41204 h 754055"/>
+                <a:gd name="connsiteX3" fmla="*/ 1158386 w 1513427"/>
+                <a:gd name="connsiteY3" fmla="*/ 2762 h 754055"/>
+                <a:gd name="connsiteX4" fmla="*/ 1513427 w 1513427"/>
+                <a:gd name="connsiteY4" fmla="*/ 45381 h 754055"/>
+                <a:gd name="connsiteX0" fmla="*/ 0 w 1513427"/>
+                <a:gd name="connsiteY0" fmla="*/ 755324 h 755324"/>
+                <a:gd name="connsiteX1" fmla="*/ 293993 w 1513427"/>
+                <a:gd name="connsiteY1" fmla="*/ 336675 h 755324"/>
+                <a:gd name="connsiteX2" fmla="*/ 697027 w 1513427"/>
+                <a:gd name="connsiteY2" fmla="*/ 42473 h 755324"/>
+                <a:gd name="connsiteX3" fmla="*/ 1158386 w 1513427"/>
+                <a:gd name="connsiteY3" fmla="*/ 4031 h 755324"/>
+                <a:gd name="connsiteX4" fmla="*/ 1513427 w 1513427"/>
+                <a:gd name="connsiteY4" fmla="*/ 46650 h 755324"/>
+                <a:gd name="connsiteX0" fmla="*/ 0 w 1548990"/>
+                <a:gd name="connsiteY0" fmla="*/ 755285 h 755285"/>
+                <a:gd name="connsiteX1" fmla="*/ 293993 w 1548990"/>
+                <a:gd name="connsiteY1" fmla="*/ 336636 h 755285"/>
+                <a:gd name="connsiteX2" fmla="*/ 697027 w 1548990"/>
+                <a:gd name="connsiteY2" fmla="*/ 42434 h 755285"/>
+                <a:gd name="connsiteX3" fmla="*/ 1158386 w 1548990"/>
+                <a:gd name="connsiteY3" fmla="*/ 3992 h 755285"/>
+                <a:gd name="connsiteX4" fmla="*/ 1548990 w 1548990"/>
+                <a:gd name="connsiteY4" fmla="*/ 46049 h 755285"/>
+                <a:gd name="connsiteX0" fmla="*/ 0 w 1548990"/>
+                <a:gd name="connsiteY0" fmla="*/ 755236 h 755236"/>
+                <a:gd name="connsiteX1" fmla="*/ 293993 w 1548990"/>
+                <a:gd name="connsiteY1" fmla="*/ 336587 h 755236"/>
+                <a:gd name="connsiteX2" fmla="*/ 697027 w 1548990"/>
+                <a:gd name="connsiteY2" fmla="*/ 42385 h 755236"/>
+                <a:gd name="connsiteX3" fmla="*/ 1131158 w 1548990"/>
+                <a:gd name="connsiteY3" fmla="*/ 2281 h 755236"/>
+                <a:gd name="connsiteX4" fmla="*/ 1548990 w 1548990"/>
+                <a:gd name="connsiteY4" fmla="*/ 46000 h 755236"/>
+                <a:gd name="connsiteX0" fmla="*/ 0 w 1548990"/>
+                <a:gd name="connsiteY0" fmla="*/ 733634 h 733634"/>
+                <a:gd name="connsiteX1" fmla="*/ 293993 w 1548990"/>
+                <a:gd name="connsiteY1" fmla="*/ 314985 h 733634"/>
+                <a:gd name="connsiteX2" fmla="*/ 697027 w 1548990"/>
+                <a:gd name="connsiteY2" fmla="*/ 20783 h 733634"/>
+                <a:gd name="connsiteX3" fmla="*/ 1548990 w 1548990"/>
+                <a:gd name="connsiteY3" fmla="*/ 24398 h 733634"/>
+                <a:gd name="connsiteX0" fmla="*/ 0 w 1548990"/>
+                <a:gd name="connsiteY0" fmla="*/ 744531 h 744531"/>
+                <a:gd name="connsiteX1" fmla="*/ 293993 w 1548990"/>
+                <a:gd name="connsiteY1" fmla="*/ 325882 h 744531"/>
+                <a:gd name="connsiteX2" fmla="*/ 697027 w 1548990"/>
+                <a:gd name="connsiteY2" fmla="*/ 31680 h 744531"/>
+                <a:gd name="connsiteX3" fmla="*/ 1548990 w 1548990"/>
+                <a:gd name="connsiteY3" fmla="*/ 35295 h 744531"/>
+                <a:gd name="connsiteX0" fmla="*/ 0 w 1548990"/>
+                <a:gd name="connsiteY0" fmla="*/ 763042 h 763042"/>
+                <a:gd name="connsiteX1" fmla="*/ 293993 w 1548990"/>
+                <a:gd name="connsiteY1" fmla="*/ 344393 h 763042"/>
+                <a:gd name="connsiteX2" fmla="*/ 697027 w 1548990"/>
+                <a:gd name="connsiteY2" fmla="*/ 50191 h 763042"/>
+                <a:gd name="connsiteX3" fmla="*/ 1548990 w 1548990"/>
+                <a:gd name="connsiteY3" fmla="*/ 53806 h 763042"/>
+                <a:gd name="connsiteX0" fmla="*/ 0 w 1548990"/>
+                <a:gd name="connsiteY0" fmla="*/ 763042 h 763042"/>
+                <a:gd name="connsiteX1" fmla="*/ 697027 w 1548990"/>
+                <a:gd name="connsiteY1" fmla="*/ 50191 h 763042"/>
+                <a:gd name="connsiteX2" fmla="*/ 1548990 w 1548990"/>
+                <a:gd name="connsiteY2" fmla="*/ 53806 h 763042"/>
+                <a:gd name="connsiteX0" fmla="*/ 0 w 1548990"/>
+                <a:gd name="connsiteY0" fmla="*/ 763042 h 763042"/>
+                <a:gd name="connsiteX1" fmla="*/ 697027 w 1548990"/>
+                <a:gd name="connsiteY1" fmla="*/ 50191 h 763042"/>
+                <a:gd name="connsiteX2" fmla="*/ 1548990 w 1548990"/>
+                <a:gd name="connsiteY2" fmla="*/ 53806 h 763042"/>
+                <a:gd name="connsiteX0" fmla="*/ 0 w 1548990"/>
+                <a:gd name="connsiteY0" fmla="*/ 771977 h 771977"/>
+                <a:gd name="connsiteX1" fmla="*/ 697027 w 1548990"/>
+                <a:gd name="connsiteY1" fmla="*/ 59126 h 771977"/>
+                <a:gd name="connsiteX2" fmla="*/ 1548990 w 1548990"/>
+                <a:gd name="connsiteY2" fmla="*/ 62741 h 771977"/>
+                <a:gd name="connsiteX0" fmla="*/ 10906 w 895723"/>
+                <a:gd name="connsiteY0" fmla="*/ 1542415 h 1542415"/>
+                <a:gd name="connsiteX1" fmla="*/ 43760 w 895723"/>
+                <a:gd name="connsiteY1" fmla="*/ 113984 h 1542415"/>
+                <a:gd name="connsiteX2" fmla="*/ 895723 w 895723"/>
+                <a:gd name="connsiteY2" fmla="*/ 117599 h 1542415"/>
+                <a:gd name="connsiteX0" fmla="*/ 94026 w 978843"/>
+                <a:gd name="connsiteY0" fmla="*/ 1542415 h 1542415"/>
+                <a:gd name="connsiteX1" fmla="*/ 126880 w 978843"/>
+                <a:gd name="connsiteY1" fmla="*/ 113984 h 1542415"/>
+                <a:gd name="connsiteX2" fmla="*/ 978843 w 978843"/>
+                <a:gd name="connsiteY2" fmla="*/ 117599 h 1542415"/>
+                <a:gd name="connsiteX0" fmla="*/ 72366 w 957183"/>
+                <a:gd name="connsiteY0" fmla="*/ 1545606 h 1545606"/>
+                <a:gd name="connsiteX1" fmla="*/ 105220 w 957183"/>
+                <a:gd name="connsiteY1" fmla="*/ 117175 h 1545606"/>
+                <a:gd name="connsiteX2" fmla="*/ 957183 w 957183"/>
+                <a:gd name="connsiteY2" fmla="*/ 120790 h 1545606"/>
+                <a:gd name="connsiteX0" fmla="*/ 125445 w 1530259"/>
+                <a:gd name="connsiteY0" fmla="*/ 2022626 h 2022626"/>
+                <a:gd name="connsiteX1" fmla="*/ 158299 w 1530259"/>
+                <a:gd name="connsiteY1" fmla="*/ 594195 h 2022626"/>
+                <a:gd name="connsiteX2" fmla="*/ 1530259 w 1530259"/>
+                <a:gd name="connsiteY2" fmla="*/ 3690 h 2022626"/>
+                <a:gd name="connsiteX0" fmla="*/ 125445 w 1530259"/>
+                <a:gd name="connsiteY0" fmla="*/ 2018936 h 2018936"/>
+                <a:gd name="connsiteX1" fmla="*/ 158299 w 1530259"/>
+                <a:gd name="connsiteY1" fmla="*/ 590505 h 2018936"/>
+                <a:gd name="connsiteX2" fmla="*/ 1530259 w 1530259"/>
+                <a:gd name="connsiteY2" fmla="*/ 0 h 2018936"/>
+                <a:gd name="connsiteX0" fmla="*/ 69911 w 1474725"/>
+                <a:gd name="connsiteY0" fmla="*/ 2018936 h 2018936"/>
+                <a:gd name="connsiteX1" fmla="*/ 102765 w 1474725"/>
+                <a:gd name="connsiteY1" fmla="*/ 590505 h 2018936"/>
+                <a:gd name="connsiteX2" fmla="*/ 455756 w 1474725"/>
+                <a:gd name="connsiteY2" fmla="*/ 55616 h 2018936"/>
+                <a:gd name="connsiteX3" fmla="*/ 1474725 w 1474725"/>
+                <a:gd name="connsiteY3" fmla="*/ 0 h 2018936"/>
+                <a:gd name="connsiteX0" fmla="*/ 69911 w 1474725"/>
+                <a:gd name="connsiteY0" fmla="*/ 2053971 h 2053971"/>
+                <a:gd name="connsiteX1" fmla="*/ 102765 w 1474725"/>
+                <a:gd name="connsiteY1" fmla="*/ 625540 h 2053971"/>
+                <a:gd name="connsiteX2" fmla="*/ 455756 w 1474725"/>
+                <a:gd name="connsiteY2" fmla="*/ 90651 h 2053971"/>
+                <a:gd name="connsiteX3" fmla="*/ 1474725 w 1474725"/>
+                <a:gd name="connsiteY3" fmla="*/ 35035 h 2053971"/>
+                <a:gd name="connsiteX0" fmla="*/ 69911 w 1474725"/>
+                <a:gd name="connsiteY0" fmla="*/ 2053971 h 2053971"/>
+                <a:gd name="connsiteX1" fmla="*/ 102765 w 1474725"/>
+                <a:gd name="connsiteY1" fmla="*/ 625540 h 2053971"/>
+                <a:gd name="connsiteX2" fmla="*/ 455756 w 1474725"/>
+                <a:gd name="connsiteY2" fmla="*/ 90651 h 2053971"/>
+                <a:gd name="connsiteX3" fmla="*/ 1474725 w 1474725"/>
+                <a:gd name="connsiteY3" fmla="*/ 35035 h 2053971"/>
+                <a:gd name="connsiteX0" fmla="*/ 69911 w 1474725"/>
+                <a:gd name="connsiteY0" fmla="*/ 2023542 h 2023542"/>
+                <a:gd name="connsiteX1" fmla="*/ 102765 w 1474725"/>
+                <a:gd name="connsiteY1" fmla="*/ 595111 h 2023542"/>
+                <a:gd name="connsiteX2" fmla="*/ 455756 w 1474725"/>
+                <a:gd name="connsiteY2" fmla="*/ 60222 h 2023542"/>
+                <a:gd name="connsiteX3" fmla="*/ 1474725 w 1474725"/>
+                <a:gd name="connsiteY3" fmla="*/ 4606 h 2023542"/>
+                <a:gd name="connsiteX0" fmla="*/ 68442 w 1473256"/>
+                <a:gd name="connsiteY0" fmla="*/ 2023542 h 2023542"/>
+                <a:gd name="connsiteX1" fmla="*/ 101296 w 1473256"/>
+                <a:gd name="connsiteY1" fmla="*/ 595111 h 2023542"/>
+                <a:gd name="connsiteX2" fmla="*/ 454287 w 1473256"/>
+                <a:gd name="connsiteY2" fmla="*/ 60222 h 2023542"/>
+                <a:gd name="connsiteX3" fmla="*/ 1473256 w 1473256"/>
+                <a:gd name="connsiteY3" fmla="*/ 4606 h 2023542"/>
+                <a:gd name="connsiteX0" fmla="*/ 64756 w 1469570"/>
+                <a:gd name="connsiteY0" fmla="*/ 2023542 h 2023542"/>
+                <a:gd name="connsiteX1" fmla="*/ 97610 w 1469570"/>
+                <a:gd name="connsiteY1" fmla="*/ 595111 h 2023542"/>
+                <a:gd name="connsiteX2" fmla="*/ 450601 w 1469570"/>
+                <a:gd name="connsiteY2" fmla="*/ 60222 h 2023542"/>
+                <a:gd name="connsiteX3" fmla="*/ 1469570 w 1469570"/>
+                <a:gd name="connsiteY3" fmla="*/ 4606 h 2023542"/>
+                <a:gd name="connsiteX0" fmla="*/ 74345 w 1479159"/>
+                <a:gd name="connsiteY0" fmla="*/ 2023542 h 2023542"/>
+                <a:gd name="connsiteX1" fmla="*/ 301 w 1479159"/>
+                <a:gd name="connsiteY1" fmla="*/ 1147215 h 2023542"/>
+                <a:gd name="connsiteX2" fmla="*/ 107199 w 1479159"/>
+                <a:gd name="connsiteY2" fmla="*/ 595111 h 2023542"/>
+                <a:gd name="connsiteX3" fmla="*/ 460190 w 1479159"/>
+                <a:gd name="connsiteY3" fmla="*/ 60222 h 2023542"/>
+                <a:gd name="connsiteX4" fmla="*/ 1479159 w 1479159"/>
+                <a:gd name="connsiteY4" fmla="*/ 4606 h 2023542"/>
+                <a:gd name="connsiteX0" fmla="*/ 74345 w 1479159"/>
+                <a:gd name="connsiteY0" fmla="*/ 2023542 h 2023542"/>
+                <a:gd name="connsiteX1" fmla="*/ 301 w 1479159"/>
+                <a:gd name="connsiteY1" fmla="*/ 1147215 h 2023542"/>
+                <a:gd name="connsiteX2" fmla="*/ 107199 w 1479159"/>
+                <a:gd name="connsiteY2" fmla="*/ 595111 h 2023542"/>
+                <a:gd name="connsiteX3" fmla="*/ 460190 w 1479159"/>
+                <a:gd name="connsiteY3" fmla="*/ 60222 h 2023542"/>
+                <a:gd name="connsiteX4" fmla="*/ 1479159 w 1479159"/>
+                <a:gd name="connsiteY4" fmla="*/ 4606 h 2023542"/>
+                <a:gd name="connsiteX0" fmla="*/ 74345 w 1479159"/>
+                <a:gd name="connsiteY0" fmla="*/ 2023542 h 2023542"/>
+                <a:gd name="connsiteX1" fmla="*/ 301 w 1479159"/>
+                <a:gd name="connsiteY1" fmla="*/ 1147215 h 2023542"/>
+                <a:gd name="connsiteX2" fmla="*/ 107199 w 1479159"/>
+                <a:gd name="connsiteY2" fmla="*/ 595111 h 2023542"/>
+                <a:gd name="connsiteX3" fmla="*/ 460190 w 1479159"/>
+                <a:gd name="connsiteY3" fmla="*/ 60222 h 2023542"/>
+                <a:gd name="connsiteX4" fmla="*/ 1479159 w 1479159"/>
+                <a:gd name="connsiteY4" fmla="*/ 4606 h 2023542"/>
+                <a:gd name="connsiteX0" fmla="*/ 74348 w 1479162"/>
+                <a:gd name="connsiteY0" fmla="*/ 2023542 h 2023542"/>
+                <a:gd name="connsiteX1" fmla="*/ 304 w 1479162"/>
+                <a:gd name="connsiteY1" fmla="*/ 1147215 h 2023542"/>
+                <a:gd name="connsiteX2" fmla="*/ 107202 w 1479162"/>
+                <a:gd name="connsiteY2" fmla="*/ 595111 h 2023542"/>
+                <a:gd name="connsiteX3" fmla="*/ 460193 w 1479162"/>
+                <a:gd name="connsiteY3" fmla="*/ 60222 h 2023542"/>
+                <a:gd name="connsiteX4" fmla="*/ 1479162 w 1479162"/>
+                <a:gd name="connsiteY4" fmla="*/ 4606 h 2023542"/>
+                <a:gd name="connsiteX0" fmla="*/ 77483 w 1482297"/>
+                <a:gd name="connsiteY0" fmla="*/ 2023542 h 2023542"/>
+                <a:gd name="connsiteX1" fmla="*/ 3439 w 1482297"/>
+                <a:gd name="connsiteY1" fmla="*/ 1147215 h 2023542"/>
+                <a:gd name="connsiteX2" fmla="*/ 110337 w 1482297"/>
+                <a:gd name="connsiteY2" fmla="*/ 595111 h 2023542"/>
+                <a:gd name="connsiteX3" fmla="*/ 463328 w 1482297"/>
+                <a:gd name="connsiteY3" fmla="*/ 60222 h 2023542"/>
+                <a:gd name="connsiteX4" fmla="*/ 1482297 w 1482297"/>
+                <a:gd name="connsiteY4" fmla="*/ 4606 h 2023542"/>
+                <a:gd name="connsiteX0" fmla="*/ 84256 w 1489070"/>
+                <a:gd name="connsiteY0" fmla="*/ 2023542 h 2023542"/>
+                <a:gd name="connsiteX1" fmla="*/ 10212 w 1489070"/>
+                <a:gd name="connsiteY1" fmla="*/ 1147215 h 2023542"/>
+                <a:gd name="connsiteX2" fmla="*/ 117110 w 1489070"/>
+                <a:gd name="connsiteY2" fmla="*/ 595111 h 2023542"/>
+                <a:gd name="connsiteX3" fmla="*/ 470101 w 1489070"/>
+                <a:gd name="connsiteY3" fmla="*/ 60222 h 2023542"/>
+                <a:gd name="connsiteX4" fmla="*/ 1489070 w 1489070"/>
+                <a:gd name="connsiteY4" fmla="*/ 4606 h 2023542"/>
+                <a:gd name="connsiteX0" fmla="*/ 78172 w 1482986"/>
+                <a:gd name="connsiteY0" fmla="*/ 2018936 h 2018936"/>
+                <a:gd name="connsiteX1" fmla="*/ 4128 w 1482986"/>
+                <a:gd name="connsiteY1" fmla="*/ 1142609 h 2018936"/>
+                <a:gd name="connsiteX2" fmla="*/ 124345 w 1482986"/>
+                <a:gd name="connsiteY2" fmla="*/ 506596 h 2018936"/>
+                <a:gd name="connsiteX3" fmla="*/ 464017 w 1482986"/>
+                <a:gd name="connsiteY3" fmla="*/ 55616 h 2018936"/>
+                <a:gd name="connsiteX4" fmla="*/ 1482986 w 1482986"/>
+                <a:gd name="connsiteY4" fmla="*/ 0 h 2018936"/>
+                <a:gd name="connsiteX0" fmla="*/ 78172 w 1482986"/>
+                <a:gd name="connsiteY0" fmla="*/ 2018936 h 2018936"/>
+                <a:gd name="connsiteX1" fmla="*/ 4128 w 1482986"/>
+                <a:gd name="connsiteY1" fmla="*/ 1142609 h 2018936"/>
+                <a:gd name="connsiteX2" fmla="*/ 124345 w 1482986"/>
+                <a:gd name="connsiteY2" fmla="*/ 506596 h 2018936"/>
+                <a:gd name="connsiteX3" fmla="*/ 464017 w 1482986"/>
+                <a:gd name="connsiteY3" fmla="*/ 55616 h 2018936"/>
+                <a:gd name="connsiteX4" fmla="*/ 1482986 w 1482986"/>
+                <a:gd name="connsiteY4" fmla="*/ 0 h 2018936"/>
+                <a:gd name="connsiteX0" fmla="*/ 78172 w 1482986"/>
+                <a:gd name="connsiteY0" fmla="*/ 2084874 h 2084874"/>
+                <a:gd name="connsiteX1" fmla="*/ 4128 w 1482986"/>
+                <a:gd name="connsiteY1" fmla="*/ 1208547 h 2084874"/>
+                <a:gd name="connsiteX2" fmla="*/ 124345 w 1482986"/>
+                <a:gd name="connsiteY2" fmla="*/ 572534 h 2084874"/>
+                <a:gd name="connsiteX3" fmla="*/ 527345 w 1482986"/>
+                <a:gd name="connsiteY3" fmla="*/ 24298 h 2084874"/>
+                <a:gd name="connsiteX4" fmla="*/ 1482986 w 1482986"/>
+                <a:gd name="connsiteY4" fmla="*/ 65938 h 2084874"/>
+                <a:gd name="connsiteX0" fmla="*/ 78172 w 1482986"/>
+                <a:gd name="connsiteY0" fmla="*/ 2063522 h 2063522"/>
+                <a:gd name="connsiteX1" fmla="*/ 4128 w 1482986"/>
+                <a:gd name="connsiteY1" fmla="*/ 1187195 h 2063522"/>
+                <a:gd name="connsiteX2" fmla="*/ 124345 w 1482986"/>
+                <a:gd name="connsiteY2" fmla="*/ 551182 h 2063522"/>
+                <a:gd name="connsiteX3" fmla="*/ 569582 w 1482986"/>
+                <a:gd name="connsiteY3" fmla="*/ 27388 h 2063522"/>
+                <a:gd name="connsiteX4" fmla="*/ 1482986 w 1482986"/>
+                <a:gd name="connsiteY4" fmla="*/ 44586 h 2063522"/>
+                <a:gd name="connsiteX0" fmla="*/ 78172 w 1482986"/>
+                <a:gd name="connsiteY0" fmla="*/ 2091692 h 2091692"/>
+                <a:gd name="connsiteX1" fmla="*/ 4128 w 1482986"/>
+                <a:gd name="connsiteY1" fmla="*/ 1215365 h 2091692"/>
+                <a:gd name="connsiteX2" fmla="*/ 124345 w 1482986"/>
+                <a:gd name="connsiteY2" fmla="*/ 579352 h 2091692"/>
+                <a:gd name="connsiteX3" fmla="*/ 569582 w 1482986"/>
+                <a:gd name="connsiteY3" fmla="*/ 55558 h 2091692"/>
+                <a:gd name="connsiteX4" fmla="*/ 1482986 w 1482986"/>
+                <a:gd name="connsiteY4" fmla="*/ 72756 h 2091692"/>
+                <a:gd name="connsiteX0" fmla="*/ 78172 w 1482986"/>
+                <a:gd name="connsiteY0" fmla="*/ 2056819 h 2056819"/>
+                <a:gd name="connsiteX1" fmla="*/ 4128 w 1482986"/>
+                <a:gd name="connsiteY1" fmla="*/ 1180492 h 2056819"/>
+                <a:gd name="connsiteX2" fmla="*/ 124345 w 1482986"/>
+                <a:gd name="connsiteY2" fmla="*/ 544479 h 2056819"/>
+                <a:gd name="connsiteX3" fmla="*/ 536806 w 1482986"/>
+                <a:gd name="connsiteY3" fmla="*/ 65146 h 2056819"/>
+                <a:gd name="connsiteX4" fmla="*/ 1482986 w 1482986"/>
+                <a:gd name="connsiteY4" fmla="*/ 37883 h 2056819"/>
+                <a:gd name="connsiteX0" fmla="*/ 78172 w 1482986"/>
+                <a:gd name="connsiteY0" fmla="*/ 2056819 h 2056819"/>
+                <a:gd name="connsiteX1" fmla="*/ 4128 w 1482986"/>
+                <a:gd name="connsiteY1" fmla="*/ 1180492 h 2056819"/>
+                <a:gd name="connsiteX2" fmla="*/ 124345 w 1482986"/>
+                <a:gd name="connsiteY2" fmla="*/ 544479 h 2056819"/>
+                <a:gd name="connsiteX3" fmla="*/ 536806 w 1482986"/>
+                <a:gd name="connsiteY3" fmla="*/ 65146 h 2056819"/>
+                <a:gd name="connsiteX4" fmla="*/ 1482986 w 1482986"/>
+                <a:gd name="connsiteY4" fmla="*/ 37883 h 2056819"/>
+                <a:gd name="connsiteX0" fmla="*/ 198983 w 1480386"/>
+                <a:gd name="connsiteY0" fmla="*/ 2318520 h 2318520"/>
+                <a:gd name="connsiteX1" fmla="*/ 1528 w 1480386"/>
+                <a:gd name="connsiteY1" fmla="*/ 1180492 h 2318520"/>
+                <a:gd name="connsiteX2" fmla="*/ 121745 w 1480386"/>
+                <a:gd name="connsiteY2" fmla="*/ 544479 h 2318520"/>
+                <a:gd name="connsiteX3" fmla="*/ 534206 w 1480386"/>
+                <a:gd name="connsiteY3" fmla="*/ 65146 h 2318520"/>
+                <a:gd name="connsiteX4" fmla="*/ 1480386 w 1480386"/>
+                <a:gd name="connsiteY4" fmla="*/ 37883 h 2318520"/>
+                <a:gd name="connsiteX0" fmla="*/ 198983 w 1480386"/>
+                <a:gd name="connsiteY0" fmla="*/ 2318520 h 2318520"/>
+                <a:gd name="connsiteX1" fmla="*/ 1528 w 1480386"/>
+                <a:gd name="connsiteY1" fmla="*/ 1180492 h 2318520"/>
+                <a:gd name="connsiteX2" fmla="*/ 121745 w 1480386"/>
+                <a:gd name="connsiteY2" fmla="*/ 544479 h 2318520"/>
+                <a:gd name="connsiteX3" fmla="*/ 534206 w 1480386"/>
+                <a:gd name="connsiteY3" fmla="*/ 65146 h 2318520"/>
+                <a:gd name="connsiteX4" fmla="*/ 1480386 w 1480386"/>
+                <a:gd name="connsiteY4" fmla="*/ 37883 h 2318520"/>
+                <a:gd name="connsiteX0" fmla="*/ 244320 w 1525723"/>
+                <a:gd name="connsiteY0" fmla="*/ 2318520 h 2318520"/>
+                <a:gd name="connsiteX1" fmla="*/ 1332 w 1525723"/>
+                <a:gd name="connsiteY1" fmla="*/ 1344426 h 2318520"/>
+                <a:gd name="connsiteX2" fmla="*/ 167082 w 1525723"/>
+                <a:gd name="connsiteY2" fmla="*/ 544479 h 2318520"/>
+                <a:gd name="connsiteX3" fmla="*/ 579543 w 1525723"/>
+                <a:gd name="connsiteY3" fmla="*/ 65146 h 2318520"/>
+                <a:gd name="connsiteX4" fmla="*/ 1525723 w 1525723"/>
+                <a:gd name="connsiteY4" fmla="*/ 37883 h 2318520"/>
+                <a:gd name="connsiteX0" fmla="*/ 247743 w 1529146"/>
+                <a:gd name="connsiteY0" fmla="*/ 2318520 h 2318520"/>
+                <a:gd name="connsiteX1" fmla="*/ 4755 w 1529146"/>
+                <a:gd name="connsiteY1" fmla="*/ 1344426 h 2318520"/>
+                <a:gd name="connsiteX2" fmla="*/ 170505 w 1529146"/>
+                <a:gd name="connsiteY2" fmla="*/ 544479 h 2318520"/>
+                <a:gd name="connsiteX3" fmla="*/ 582966 w 1529146"/>
+                <a:gd name="connsiteY3" fmla="*/ 65146 h 2318520"/>
+                <a:gd name="connsiteX4" fmla="*/ 1529146 w 1529146"/>
+                <a:gd name="connsiteY4" fmla="*/ 37883 h 2318520"/>
+                <a:gd name="connsiteX0" fmla="*/ 243924 w 1525327"/>
+                <a:gd name="connsiteY0" fmla="*/ 2318520 h 2318520"/>
+                <a:gd name="connsiteX1" fmla="*/ 936 w 1525327"/>
+                <a:gd name="connsiteY1" fmla="*/ 1344426 h 2318520"/>
+                <a:gd name="connsiteX2" fmla="*/ 166686 w 1525327"/>
+                <a:gd name="connsiteY2" fmla="*/ 544479 h 2318520"/>
+                <a:gd name="connsiteX3" fmla="*/ 579147 w 1525327"/>
+                <a:gd name="connsiteY3" fmla="*/ 65146 h 2318520"/>
+                <a:gd name="connsiteX4" fmla="*/ 1525327 w 1525327"/>
+                <a:gd name="connsiteY4" fmla="*/ 37883 h 2318520"/>
+                <a:gd name="connsiteX0" fmla="*/ 216481 w 1497884"/>
+                <a:gd name="connsiteY0" fmla="*/ 2318520 h 2318520"/>
+                <a:gd name="connsiteX1" fmla="*/ 1284 w 1497884"/>
+                <a:gd name="connsiteY1" fmla="*/ 1381651 h 2318520"/>
+                <a:gd name="connsiteX2" fmla="*/ 139243 w 1497884"/>
+                <a:gd name="connsiteY2" fmla="*/ 544479 h 2318520"/>
+                <a:gd name="connsiteX3" fmla="*/ 551704 w 1497884"/>
+                <a:gd name="connsiteY3" fmla="*/ 65146 h 2318520"/>
+                <a:gd name="connsiteX4" fmla="*/ 1497884 w 1497884"/>
+                <a:gd name="connsiteY4" fmla="*/ 37883 h 2318520"/>
+                <a:gd name="connsiteX0" fmla="*/ 189933 w 1471336"/>
+                <a:gd name="connsiteY0" fmla="*/ 2318520 h 2318520"/>
+                <a:gd name="connsiteX1" fmla="*/ 1964 w 1471336"/>
+                <a:gd name="connsiteY1" fmla="*/ 1383313 h 2318520"/>
+                <a:gd name="connsiteX2" fmla="*/ 112695 w 1471336"/>
+                <a:gd name="connsiteY2" fmla="*/ 544479 h 2318520"/>
+                <a:gd name="connsiteX3" fmla="*/ 525156 w 1471336"/>
+                <a:gd name="connsiteY3" fmla="*/ 65146 h 2318520"/>
+                <a:gd name="connsiteX4" fmla="*/ 1471336 w 1471336"/>
+                <a:gd name="connsiteY4" fmla="*/ 37883 h 2318520"/>
+                <a:gd name="connsiteX0" fmla="*/ 196311 w 1472167"/>
+                <a:gd name="connsiteY0" fmla="*/ 2272397 h 2272397"/>
+                <a:gd name="connsiteX1" fmla="*/ 2795 w 1472167"/>
+                <a:gd name="connsiteY1" fmla="*/ 1383313 h 2272397"/>
+                <a:gd name="connsiteX2" fmla="*/ 113526 w 1472167"/>
+                <a:gd name="connsiteY2" fmla="*/ 544479 h 2272397"/>
+                <a:gd name="connsiteX3" fmla="*/ 525987 w 1472167"/>
+                <a:gd name="connsiteY3" fmla="*/ 65146 h 2272397"/>
+                <a:gd name="connsiteX4" fmla="*/ 1472167 w 1472167"/>
+                <a:gd name="connsiteY4" fmla="*/ 37883 h 2272397"/>
+                <a:gd name="connsiteX0" fmla="*/ 194118 w 1469974"/>
+                <a:gd name="connsiteY0" fmla="*/ 2272397 h 2272397"/>
+                <a:gd name="connsiteX1" fmla="*/ 602 w 1469974"/>
+                <a:gd name="connsiteY1" fmla="*/ 1383313 h 2272397"/>
+                <a:gd name="connsiteX2" fmla="*/ 111333 w 1469974"/>
+                <a:gd name="connsiteY2" fmla="*/ 544479 h 2272397"/>
+                <a:gd name="connsiteX3" fmla="*/ 523794 w 1469974"/>
+                <a:gd name="connsiteY3" fmla="*/ 65146 h 2272397"/>
+                <a:gd name="connsiteX4" fmla="*/ 1469974 w 1469974"/>
+                <a:gd name="connsiteY4" fmla="*/ 37883 h 2272397"/>
+                <a:gd name="connsiteX0" fmla="*/ 194118 w 1587758"/>
+                <a:gd name="connsiteY0" fmla="*/ 2328447 h 2328447"/>
+                <a:gd name="connsiteX1" fmla="*/ 602 w 1587758"/>
+                <a:gd name="connsiteY1" fmla="*/ 1439363 h 2328447"/>
+                <a:gd name="connsiteX2" fmla="*/ 111333 w 1587758"/>
+                <a:gd name="connsiteY2" fmla="*/ 600529 h 2328447"/>
+                <a:gd name="connsiteX3" fmla="*/ 523794 w 1587758"/>
+                <a:gd name="connsiteY3" fmla="*/ 121196 h 2328447"/>
+                <a:gd name="connsiteX4" fmla="*/ 1587758 w 1587758"/>
+                <a:gd name="connsiteY4" fmla="*/ 0 h 2328447"/>
+                <a:gd name="connsiteX0" fmla="*/ 194118 w 1587758"/>
+                <a:gd name="connsiteY0" fmla="*/ 2334393 h 2334393"/>
+                <a:gd name="connsiteX1" fmla="*/ 602 w 1587758"/>
+                <a:gd name="connsiteY1" fmla="*/ 1445309 h 2334393"/>
+                <a:gd name="connsiteX2" fmla="*/ 111333 w 1587758"/>
+                <a:gd name="connsiteY2" fmla="*/ 606475 h 2334393"/>
+                <a:gd name="connsiteX3" fmla="*/ 523794 w 1587758"/>
+                <a:gd name="connsiteY3" fmla="*/ 127142 h 2334393"/>
+                <a:gd name="connsiteX4" fmla="*/ 1587758 w 1587758"/>
+                <a:gd name="connsiteY4" fmla="*/ 5946 h 2334393"/>
+                <a:gd name="connsiteX0" fmla="*/ 194118 w 1587758"/>
+                <a:gd name="connsiteY0" fmla="*/ 2355388 h 2355388"/>
+                <a:gd name="connsiteX1" fmla="*/ 602 w 1587758"/>
+                <a:gd name="connsiteY1" fmla="*/ 1466304 h 2355388"/>
+                <a:gd name="connsiteX2" fmla="*/ 111333 w 1587758"/>
+                <a:gd name="connsiteY2" fmla="*/ 627470 h 2355388"/>
+                <a:gd name="connsiteX3" fmla="*/ 599906 w 1587758"/>
+                <a:gd name="connsiteY3" fmla="*/ 65326 h 2355388"/>
+                <a:gd name="connsiteX4" fmla="*/ 1587758 w 1587758"/>
+                <a:gd name="connsiteY4" fmla="*/ 26941 h 2355388"/>
+                <a:gd name="connsiteX0" fmla="*/ 166565 w 1589094"/>
+                <a:gd name="connsiteY0" fmla="*/ 2383462 h 2383463"/>
+                <a:gd name="connsiteX1" fmla="*/ 1938 w 1589094"/>
+                <a:gd name="connsiteY1" fmla="*/ 1466304 h 2383463"/>
+                <a:gd name="connsiteX2" fmla="*/ 112669 w 1589094"/>
+                <a:gd name="connsiteY2" fmla="*/ 627470 h 2383463"/>
+                <a:gd name="connsiteX3" fmla="*/ 601242 w 1589094"/>
+                <a:gd name="connsiteY3" fmla="*/ 65326 h 2383463"/>
+                <a:gd name="connsiteX4" fmla="*/ 1589094 w 1589094"/>
+                <a:gd name="connsiteY4" fmla="*/ 26941 h 2383463"/>
+                <a:gd name="connsiteX0" fmla="*/ 166565 w 1589094"/>
+                <a:gd name="connsiteY0" fmla="*/ 2383462 h 2383462"/>
+                <a:gd name="connsiteX1" fmla="*/ 1938 w 1589094"/>
+                <a:gd name="connsiteY1" fmla="*/ 1466304 h 2383462"/>
+                <a:gd name="connsiteX2" fmla="*/ 112669 w 1589094"/>
+                <a:gd name="connsiteY2" fmla="*/ 627470 h 2383462"/>
+                <a:gd name="connsiteX3" fmla="*/ 601242 w 1589094"/>
+                <a:gd name="connsiteY3" fmla="*/ 65326 h 2383462"/>
+                <a:gd name="connsiteX4" fmla="*/ 1589094 w 1589094"/>
+                <a:gd name="connsiteY4" fmla="*/ 26941 h 2383462"/>
+                <a:gd name="connsiteX0" fmla="*/ 166565 w 1589094"/>
+                <a:gd name="connsiteY0" fmla="*/ 2383462 h 2383462"/>
+                <a:gd name="connsiteX1" fmla="*/ 1938 w 1589094"/>
+                <a:gd name="connsiteY1" fmla="*/ 1466304 h 2383462"/>
+                <a:gd name="connsiteX2" fmla="*/ 112669 w 1589094"/>
+                <a:gd name="connsiteY2" fmla="*/ 627470 h 2383462"/>
+                <a:gd name="connsiteX3" fmla="*/ 601242 w 1589094"/>
+                <a:gd name="connsiteY3" fmla="*/ 65326 h 2383462"/>
+                <a:gd name="connsiteX4" fmla="*/ 1589094 w 1589094"/>
+                <a:gd name="connsiteY4" fmla="*/ 26941 h 2383462"/>
+                <a:gd name="connsiteX0" fmla="*/ 166565 w 1589094"/>
+                <a:gd name="connsiteY0" fmla="*/ 2383462 h 2383462"/>
+                <a:gd name="connsiteX1" fmla="*/ 1938 w 1589094"/>
+                <a:gd name="connsiteY1" fmla="*/ 1466304 h 2383462"/>
+                <a:gd name="connsiteX2" fmla="*/ 112669 w 1589094"/>
+                <a:gd name="connsiteY2" fmla="*/ 627470 h 2383462"/>
+                <a:gd name="connsiteX3" fmla="*/ 601242 w 1589094"/>
+                <a:gd name="connsiteY3" fmla="*/ 65326 h 2383462"/>
+                <a:gd name="connsiteX4" fmla="*/ 1589094 w 1589094"/>
+                <a:gd name="connsiteY4" fmla="*/ 26941 h 2383462"/>
+                <a:gd name="connsiteX0" fmla="*/ 169147 w 1591676"/>
+                <a:gd name="connsiteY0" fmla="*/ 2383462 h 2383462"/>
+                <a:gd name="connsiteX1" fmla="*/ 4520 w 1591676"/>
+                <a:gd name="connsiteY1" fmla="*/ 1466304 h 2383462"/>
+                <a:gd name="connsiteX2" fmla="*/ 115251 w 1591676"/>
+                <a:gd name="connsiteY2" fmla="*/ 627470 h 2383462"/>
+                <a:gd name="connsiteX3" fmla="*/ 603824 w 1591676"/>
+                <a:gd name="connsiteY3" fmla="*/ 65326 h 2383462"/>
+                <a:gd name="connsiteX4" fmla="*/ 1591676 w 1591676"/>
+                <a:gd name="connsiteY4" fmla="*/ 26941 h 2383462"/>
+              </a:gdLst>
+              <a:ahLst/>
+              <a:cxnLst>
+                <a:cxn ang="0">
+                  <a:pos x="connsiteX0" y="connsiteY0"/>
+                </a:cxn>
+                <a:cxn ang="0">
+                  <a:pos x="connsiteX1" y="connsiteY1"/>
+                </a:cxn>
+                <a:cxn ang="0">
+                  <a:pos x="connsiteX2" y="connsiteY2"/>
+                </a:cxn>
+                <a:cxn ang="0">
+                  <a:pos x="connsiteX3" y="connsiteY3"/>
+                </a:cxn>
+                <a:cxn ang="0">
+                  <a:pos x="connsiteX4" y="connsiteY4"/>
+                </a:cxn>
+              </a:cxnLst>
+              <a:rect l="l" t="t" r="r" b="b"/>
+              <a:pathLst>
+                <a:path w="1591676" h="2383462">
+                  <a:moveTo>
+                    <a:pt x="169147" y="2383462"/>
+                  </a:moveTo>
+                  <a:cubicBezTo>
+                    <a:pt x="11442" y="1948409"/>
+                    <a:pt x="-12064" y="1727245"/>
+                    <a:pt x="4520" y="1466304"/>
+                  </a:cubicBezTo>
+                  <a:cubicBezTo>
+                    <a:pt x="21104" y="1205363"/>
+                    <a:pt x="15367" y="860966"/>
+                    <a:pt x="115251" y="627470"/>
+                  </a:cubicBezTo>
+                  <a:cubicBezTo>
+                    <a:pt x="215135" y="393974"/>
+                    <a:pt x="357753" y="165414"/>
+                    <a:pt x="603824" y="65326"/>
+                  </a:cubicBezTo>
+                  <a:cubicBezTo>
+                    <a:pt x="849895" y="-34762"/>
+                    <a:pt x="1297185" y="4006"/>
+                    <a:pt x="1591676" y="26941"/>
+                  </a:cubicBezTo>
+                </a:path>
+              </a:pathLst>
+            </a:custGeom>
+            <a:noFill/>
+            <a:ln w="101600">
+              <a:solidFill>
+                <a:srgbClr val="FFFF00"/>
+              </a:solidFill>
+              <a:headEnd type="triangle" w="med" len="med"/>
+              <a:tailEnd type="triangle" w="med" len="med"/>
+            </a:ln>
+            <a:effectLst>
+              <a:outerShdw blurRad="50800" dist="38100" dir="2700000" algn="tl" rotWithShape="0">
+                <a:prstClr val="black">
+                  <a:alpha val="40000"/>
+                </a:prstClr>
+              </a:outerShdw>
+            </a:effectLst>
+          </p:spPr>
+          <p:style>
+            <a:lnRef idx="2">
+              <a:schemeClr val="accent1">
+                <a:shade val="50000"/>
+              </a:schemeClr>
+            </a:lnRef>
+            <a:fillRef idx="1">
+              <a:schemeClr val="accent1"/>
+            </a:fillRef>
+            <a:effectRef idx="0">
+              <a:schemeClr val="accent1"/>
+            </a:effectRef>
+            <a:fontRef idx="minor">
+              <a:schemeClr val="lt1"/>
+            </a:fontRef>
+          </p:style>
+          <p:txBody>
+            <a:bodyPr rtlCol="0" anchor="ctr"/>
+            <a:lstStyle/>
+            <a:p>
+              <a:pPr algn="ctr"/>
+              <a:endParaRPr lang="en-US">
+                <a:solidFill>
+                  <a:srgbClr val="FF0000"/>
+                </a:solidFill>
+              </a:endParaRPr>
+            </a:p>
+          </p:txBody>
+        </p:sp>
+      </p:grpSp>
+    </p:spTree>
+    <p:extLst>
+      <p:ext uri="{BB962C8B-B14F-4D97-AF65-F5344CB8AC3E}">
+        <p14:creationId xmlns:p14="http://schemas.microsoft.com/office/powerpoint/2010/main" val="2189425355"/>
+      </p:ext>
+    </p:extLst>
+  </p:cSld>
+  <p:clrMapOvr>
+    <a:masterClrMapping/>
+  </p:clrMapOvr>
+</p:sld>
+</file>
+
+<file path=ppt/slides/slide10.xml><?xml version="1.0" encoding="utf-8"?>
+<p:sld xmlns:a="http://schemas.openxmlformats.org/drawingml/2006/main" xmlns:r="http://schemas.openxmlformats.org/officeDocument/2006/relationships" xmlns:p="http://schemas.openxmlformats.org/presentationml/2006/main">
+  <p:cSld>
+    <p:spTree>
+      <p:nvGrpSpPr>
+        <p:cNvPr id="1" name=""/>
+        <p:cNvGrpSpPr/>
+        <p:nvPr/>
+      </p:nvGrpSpPr>
+      <p:grpSpPr>
+        <a:xfrm>
+          <a:off x="0" y="0"/>
+          <a:ext cx="0" cy="0"/>
+          <a:chOff x="0" y="0"/>
+          <a:chExt cx="0" cy="0"/>
+        </a:xfrm>
+      </p:grpSpPr>
+    </p:spTree>
+    <p:extLst>
+      <p:ext uri="{BB962C8B-B14F-4D97-AF65-F5344CB8AC3E}">
+        <p14:creationId xmlns:p14="http://schemas.microsoft.com/office/powerpoint/2010/main" val="784317553"/>
+      </p:ext>
+    </p:extLst>
+  </p:cSld>
+  <p:clrMapOvr>
+    <a:masterClrMapping/>
+  </p:clrMapOvr>
+</p:sld>
+</file>
+
+<file path=ppt/slides/slide11.xml><?xml version="1.0" encoding="utf-8"?>
+<p:sld xmlns:a="http://schemas.openxmlformats.org/drawingml/2006/main" xmlns:r="http://schemas.openxmlformats.org/officeDocument/2006/relationships" xmlns:p="http://schemas.openxmlformats.org/presentationml/2006/main">
+  <p:cSld>
+    <p:spTree>
+      <p:nvGrpSpPr>
+        <p:cNvPr id="1" name=""/>
+        <p:cNvGrpSpPr/>
+        <p:nvPr/>
+      </p:nvGrpSpPr>
+      <p:grpSpPr>
+        <a:xfrm>
+          <a:off x="0" y="0"/>
+          <a:ext cx="0" cy="0"/>
+          <a:chOff x="0" y="0"/>
+          <a:chExt cx="0" cy="0"/>
+        </a:xfrm>
+      </p:grpSpPr>
+      <p:grpSp>
+        <p:nvGrpSpPr>
+          <p:cNvPr id="2" name="Group 1"/>
+          <p:cNvGrpSpPr/>
+          <p:nvPr/>
+        </p:nvGrpSpPr>
+        <p:grpSpPr>
+          <a:xfrm>
+            <a:off x="1600200" y="457200"/>
+            <a:ext cx="6400800" cy="5733143"/>
+            <a:chOff x="1143000" y="609600"/>
+            <a:chExt cx="6400800" cy="5733143"/>
+          </a:xfrm>
+        </p:grpSpPr>
+        <p:pic>
+          <p:nvPicPr>
+            <p:cNvPr id="8195" name="Picture 3"/>
             <p:cNvPicPr>
               <a:picLocks noChangeAspect="1" noChangeArrowheads="1"/>
             </p:cNvPicPr>
@@ -3105,8 +3995,8 @@
           </p:blipFill>
           <p:spPr bwMode="auto">
             <a:xfrm>
-              <a:off x="762000" y="719132"/>
-              <a:ext cx="6400800" cy="4081468"/>
+              <a:off x="1143000" y="609600"/>
+              <a:ext cx="6400800" cy="5733143"/>
             </a:xfrm>
             <a:prstGeom prst="rect">
               <a:avLst/>
@@ -3138,20 +4028,294 @@
         </p:pic>
         <p:sp>
           <p:nvSpPr>
-            <p:cNvPr id="4" name="Right Arrow 3"/>
+            <p:cNvPr id="6" name="Left Arrow 5"/>
             <p:cNvSpPr/>
             <p:nvPr/>
           </p:nvSpPr>
           <p:spPr>
-            <a:xfrm rot="3114160">
-              <a:off x="1869623" y="1889488"/>
-              <a:ext cx="1075059" cy="626958"/>
+            <a:xfrm rot="19151301">
+              <a:off x="2979480" y="934395"/>
+              <a:ext cx="1026581" cy="714650"/>
             </a:xfrm>
-            <a:prstGeom prst="rightArrow">
-              <a:avLst/>
+            <a:prstGeom prst="leftArrow">
+              <a:avLst>
+                <a:gd name="adj1" fmla="val 52789"/>
+                <a:gd name="adj2" fmla="val 59565"/>
+              </a:avLst>
             </a:prstGeom>
             <a:solidFill>
               <a:srgbClr val="FFFF00"/>
+            </a:solidFill>
+            <a:ln>
+              <a:solidFill>
+                <a:schemeClr val="tx1"/>
+              </a:solidFill>
+            </a:ln>
+          </p:spPr>
+          <p:style>
+            <a:lnRef idx="2">
+              <a:schemeClr val="accent1">
+                <a:shade val="50000"/>
+              </a:schemeClr>
+            </a:lnRef>
+            <a:fillRef idx="1">
+              <a:schemeClr val="accent1"/>
+            </a:fillRef>
+            <a:effectRef idx="0">
+              <a:schemeClr val="accent1"/>
+            </a:effectRef>
+            <a:fontRef idx="minor">
+              <a:schemeClr val="lt1"/>
+            </a:fontRef>
+          </p:style>
+          <p:txBody>
+            <a:bodyPr rtlCol="0" anchor="ctr"/>
+            <a:lstStyle/>
+            <a:p>
+              <a:pPr algn="ctr"/>
+              <a:r>
+                <a:rPr lang="en-US" sz="1200" dirty="0" smtClean="0">
+                  <a:solidFill>
+                    <a:schemeClr val="tx1"/>
+                  </a:solidFill>
+                </a:rPr>
+                <a:t>Change to Teensy</a:t>
+              </a:r>
+              <a:endParaRPr lang="en-US" sz="1200" dirty="0">
+                <a:solidFill>
+                  <a:schemeClr val="tx1"/>
+                </a:solidFill>
+              </a:endParaRPr>
+            </a:p>
+          </p:txBody>
+        </p:sp>
+        <p:sp>
+          <p:nvSpPr>
+            <p:cNvPr id="10" name="Left Arrow 9"/>
+            <p:cNvSpPr/>
+            <p:nvPr/>
+          </p:nvSpPr>
+          <p:spPr>
+            <a:xfrm rot="19151301">
+              <a:off x="1531680" y="934395"/>
+              <a:ext cx="1026581" cy="714650"/>
+            </a:xfrm>
+            <a:prstGeom prst="leftArrow">
+              <a:avLst>
+                <a:gd name="adj1" fmla="val 52789"/>
+                <a:gd name="adj2" fmla="val 59565"/>
+              </a:avLst>
+            </a:prstGeom>
+            <a:solidFill>
+              <a:srgbClr val="FFFF00"/>
+            </a:solidFill>
+            <a:ln>
+              <a:solidFill>
+                <a:schemeClr val="tx1"/>
+              </a:solidFill>
+            </a:ln>
+          </p:spPr>
+          <p:style>
+            <a:lnRef idx="2">
+              <a:schemeClr val="accent1">
+                <a:shade val="50000"/>
+              </a:schemeClr>
+            </a:lnRef>
+            <a:fillRef idx="1">
+              <a:schemeClr val="accent1"/>
+            </a:fillRef>
+            <a:effectRef idx="0">
+              <a:schemeClr val="accent1"/>
+            </a:effectRef>
+            <a:fontRef idx="minor">
+              <a:schemeClr val="lt1"/>
+            </a:fontRef>
+          </p:style>
+          <p:txBody>
+            <a:bodyPr rtlCol="0" anchor="ctr"/>
+            <a:lstStyle/>
+            <a:p>
+              <a:pPr algn="ctr"/>
+              <a:r>
+                <a:rPr lang="en-US" sz="1200" dirty="0" smtClean="0">
+                  <a:solidFill>
+                    <a:schemeClr val="tx1"/>
+                  </a:solidFill>
+                </a:rPr>
+                <a:t>Change to </a:t>
+              </a:r>
+              <a:r>
+                <a:rPr lang="en-US" sz="1200" dirty="0" smtClean="0">
+                  <a:solidFill>
+                    <a:schemeClr val="tx1"/>
+                  </a:solidFill>
+                </a:rPr>
+                <a:t>MME</a:t>
+              </a:r>
+              <a:endParaRPr lang="en-US" sz="1200" dirty="0">
+                <a:solidFill>
+                  <a:schemeClr val="tx1"/>
+                </a:solidFill>
+              </a:endParaRPr>
+            </a:p>
+          </p:txBody>
+        </p:sp>
+        <p:sp>
+          <p:nvSpPr>
+            <p:cNvPr id="11" name="Left Arrow 10"/>
+            <p:cNvSpPr/>
+            <p:nvPr/>
+          </p:nvSpPr>
+          <p:spPr>
+            <a:xfrm rot="19151301">
+              <a:off x="5061737" y="934395"/>
+              <a:ext cx="1026581" cy="714650"/>
+            </a:xfrm>
+            <a:prstGeom prst="leftArrow">
+              <a:avLst>
+                <a:gd name="adj1" fmla="val 52789"/>
+                <a:gd name="adj2" fmla="val 59565"/>
+              </a:avLst>
+            </a:prstGeom>
+            <a:solidFill>
+              <a:srgbClr val="FFFF00"/>
+            </a:solidFill>
+            <a:ln>
+              <a:solidFill>
+                <a:schemeClr val="tx1"/>
+              </a:solidFill>
+            </a:ln>
+          </p:spPr>
+          <p:style>
+            <a:lnRef idx="2">
+              <a:schemeClr val="accent1">
+                <a:shade val="50000"/>
+              </a:schemeClr>
+            </a:lnRef>
+            <a:fillRef idx="1">
+              <a:schemeClr val="accent1"/>
+            </a:fillRef>
+            <a:effectRef idx="0">
+              <a:schemeClr val="accent1"/>
+            </a:effectRef>
+            <a:fontRef idx="minor">
+              <a:schemeClr val="lt1"/>
+            </a:fontRef>
+          </p:style>
+          <p:txBody>
+            <a:bodyPr rtlCol="0" anchor="ctr"/>
+            <a:lstStyle/>
+            <a:p>
+              <a:pPr algn="ctr"/>
+              <a:r>
+                <a:rPr lang="en-US" sz="1200" dirty="0" smtClean="0">
+                  <a:solidFill>
+                    <a:schemeClr val="tx1"/>
+                  </a:solidFill>
+                </a:rPr>
+                <a:t>Change to Teensy</a:t>
+              </a:r>
+              <a:endParaRPr lang="en-US" sz="1200" dirty="0">
+                <a:solidFill>
+                  <a:schemeClr val="tx1"/>
+                </a:solidFill>
+              </a:endParaRPr>
+            </a:p>
+          </p:txBody>
+        </p:sp>
+        <p:sp>
+          <p:nvSpPr>
+            <p:cNvPr id="12" name="Left Arrow 11"/>
+            <p:cNvSpPr/>
+            <p:nvPr/>
+          </p:nvSpPr>
+          <p:spPr>
+            <a:xfrm rot="19151301">
+              <a:off x="1531681" y="5201594"/>
+              <a:ext cx="1026581" cy="714650"/>
+            </a:xfrm>
+            <a:prstGeom prst="leftArrow">
+              <a:avLst>
+                <a:gd name="adj1" fmla="val 52789"/>
+                <a:gd name="adj2" fmla="val 59565"/>
+              </a:avLst>
+            </a:prstGeom>
+            <a:solidFill>
+              <a:srgbClr val="FFFF00"/>
+            </a:solidFill>
+            <a:ln>
+              <a:solidFill>
+                <a:schemeClr val="tx1"/>
+              </a:solidFill>
+            </a:ln>
+          </p:spPr>
+          <p:style>
+            <a:lnRef idx="2">
+              <a:schemeClr val="accent1">
+                <a:shade val="50000"/>
+              </a:schemeClr>
+            </a:lnRef>
+            <a:fillRef idx="1">
+              <a:schemeClr val="accent1"/>
+            </a:fillRef>
+            <a:effectRef idx="0">
+              <a:schemeClr val="accent1"/>
+            </a:effectRef>
+            <a:fontRef idx="minor">
+              <a:schemeClr val="lt1"/>
+            </a:fontRef>
+          </p:style>
+          <p:txBody>
+            <a:bodyPr rtlCol="0" anchor="ctr"/>
+            <a:lstStyle/>
+            <a:p>
+              <a:pPr algn="ctr"/>
+              <a:r>
+                <a:rPr lang="en-US" sz="1200" dirty="0" smtClean="0">
+                  <a:solidFill>
+                    <a:schemeClr val="tx1"/>
+                  </a:solidFill>
+                </a:rPr>
+                <a:t>Change to </a:t>
+              </a:r>
+              <a:r>
+                <a:rPr lang="en-US" sz="1200" dirty="0" smtClean="0">
+                  <a:solidFill>
+                    <a:schemeClr val="tx1"/>
+                  </a:solidFill>
+                </a:rPr>
+                <a:t>44100</a:t>
+              </a:r>
+              <a:endParaRPr lang="en-US" sz="1200" dirty="0">
+                <a:solidFill>
+                  <a:schemeClr val="tx1"/>
+                </a:solidFill>
+              </a:endParaRPr>
+            </a:p>
+          </p:txBody>
+        </p:sp>
+        <p:sp>
+          <p:nvSpPr>
+            <p:cNvPr id="13" name="Left Arrow 12"/>
+            <p:cNvSpPr/>
+            <p:nvPr/>
+          </p:nvSpPr>
+          <p:spPr>
+            <a:xfrm>
+              <a:off x="5105401" y="3200400"/>
+              <a:ext cx="1933295" cy="969931"/>
+            </a:xfrm>
+            <a:prstGeom prst="leftArrow">
+              <a:avLst>
+                <a:gd name="adj1" fmla="val 65621"/>
+                <a:gd name="adj2" fmla="val 59565"/>
+              </a:avLst>
+            </a:prstGeom>
+            <a:solidFill>
+              <a:schemeClr val="accent2">
+                <a:lumMod val="40000"/>
+                <a:lumOff val="60000"/>
+              </a:schemeClr>
             </a:solidFill>
             <a:ln>
               <a:solidFill>
@@ -3186,7 +4350,7 @@
                     <a:schemeClr val="tx1"/>
                   </a:solidFill>
                 </a:rPr>
-                <a:t>Draw</a:t>
+                <a:t>From Teensy (Left)</a:t>
               </a:r>
               <a:endParaRPr lang="en-US" dirty="0">
                 <a:solidFill>
@@ -3198,20 +4362,26 @@
         </p:sp>
         <p:sp>
           <p:nvSpPr>
-            <p:cNvPr id="9" name="Right Arrow 8"/>
+            <p:cNvPr id="14" name="Left Arrow 13"/>
             <p:cNvSpPr/>
             <p:nvPr/>
           </p:nvSpPr>
           <p:spPr>
-            <a:xfrm rot="19752165">
-              <a:off x="3412239" y="1450211"/>
-              <a:ext cx="1075059" cy="626958"/>
+            <a:xfrm>
+              <a:off x="5105400" y="4267200"/>
+              <a:ext cx="1933295" cy="969931"/>
             </a:xfrm>
-            <a:prstGeom prst="rightArrow">
-              <a:avLst/>
+            <a:prstGeom prst="leftArrow">
+              <a:avLst>
+                <a:gd name="adj1" fmla="val 65621"/>
+                <a:gd name="adj2" fmla="val 59565"/>
+              </a:avLst>
             </a:prstGeom>
             <a:solidFill>
-              <a:srgbClr val="FFFF00"/>
+              <a:schemeClr val="accent2">
+                <a:lumMod val="40000"/>
+                <a:lumOff val="60000"/>
+              </a:schemeClr>
             </a:solidFill>
             <a:ln>
               <a:solidFill>
@@ -3246,7 +4416,7 @@
                     <a:schemeClr val="tx1"/>
                   </a:solidFill>
                 </a:rPr>
-                <a:t>Export</a:t>
+                <a:t>From Teensy (Right)</a:t>
               </a:r>
               <a:endParaRPr lang="en-US" dirty="0">
                 <a:solidFill>
@@ -3256,115 +4426,16 @@
             </a:p>
           </p:txBody>
         </p:sp>
-      </p:grpSp>
-    </p:spTree>
-    <p:extLst>
-      <p:ext uri="{BB962C8B-B14F-4D97-AF65-F5344CB8AC3E}">
-        <p14:creationId xmlns:p14="http://schemas.microsoft.com/office/powerpoint/2010/main" val="841670320"/>
-      </p:ext>
-    </p:extLst>
-  </p:cSld>
-  <p:clrMapOvr>
-    <a:masterClrMapping/>
-  </p:clrMapOvr>
-</p:sld>
-</file>
-
-<file path=ppt/slides/slide10.xml><?xml version="1.0" encoding="utf-8"?>
-<p:sld xmlns:a="http://schemas.openxmlformats.org/drawingml/2006/main" xmlns:r="http://schemas.openxmlformats.org/officeDocument/2006/relationships" xmlns:p="http://schemas.openxmlformats.org/presentationml/2006/main">
-  <p:cSld>
-    <p:spTree>
-      <p:nvGrpSpPr>
-        <p:cNvPr id="1" name=""/>
-        <p:cNvGrpSpPr/>
-        <p:nvPr/>
-      </p:nvGrpSpPr>
-      <p:grpSpPr>
-        <a:xfrm>
-          <a:off x="0" y="0"/>
-          <a:ext cx="0" cy="0"/>
-          <a:chOff x="0" y="0"/>
-          <a:chExt cx="0" cy="0"/>
-        </a:xfrm>
-      </p:grpSpPr>
-      <p:grpSp>
-        <p:nvGrpSpPr>
-          <p:cNvPr id="2" name="Group 1"/>
-          <p:cNvGrpSpPr/>
-          <p:nvPr/>
-        </p:nvGrpSpPr>
-        <p:grpSpPr>
-          <a:xfrm>
-            <a:off x="762000" y="331573"/>
-            <a:ext cx="7315200" cy="5916469"/>
-            <a:chOff x="762000" y="331573"/>
-            <a:chExt cx="7315200" cy="5916469"/>
-          </a:xfrm>
-        </p:grpSpPr>
-        <p:pic>
-          <p:nvPicPr>
-            <p:cNvPr id="2050" name="Picture 2"/>
-            <p:cNvPicPr>
-              <a:picLocks noChangeAspect="1" noChangeArrowheads="1"/>
-            </p:cNvPicPr>
-            <p:nvPr/>
-          </p:nvPicPr>
-          <p:blipFill>
-            <a:blip r:embed="rId2">
-              <a:extLst>
-                <a:ext uri="{28A0092B-C50C-407E-A947-70E740481C1C}">
-                  <a14:useLocalDpi xmlns:a14="http://schemas.microsoft.com/office/drawing/2010/main" val="0"/>
-                </a:ext>
-              </a:extLst>
-            </a:blip>
-            <a:srcRect/>
-            <a:stretch>
-              <a:fillRect/>
-            </a:stretch>
-          </p:blipFill>
-          <p:spPr bwMode="auto">
-            <a:xfrm>
-              <a:off x="762000" y="331573"/>
-              <a:ext cx="7315200" cy="5916469"/>
-            </a:xfrm>
-            <a:prstGeom prst="rect">
-              <a:avLst/>
-            </a:prstGeom>
-            <a:noFill/>
-            <a:ln>
-              <a:noFill/>
-            </a:ln>
-            <a:extLst>
-              <a:ext uri="{909E8E84-426E-40DD-AFC4-6F175D3DCCD1}">
-                <a14:hiddenFill xmlns:a14="http://schemas.microsoft.com/office/drawing/2010/main">
-                  <a:solidFill>
-                    <a:schemeClr val="accent1"/>
-                  </a:solidFill>
-                </a14:hiddenFill>
-              </a:ext>
-              <a:ext uri="{91240B29-F687-4F45-9708-019B960494DF}">
-                <a14:hiddenLine xmlns:a14="http://schemas.microsoft.com/office/drawing/2010/main" w="9525">
-                  <a:solidFill>
-                    <a:schemeClr val="tx1"/>
-                  </a:solidFill>
-                  <a:miter lim="800000"/>
-                  <a:headEnd/>
-                  <a:tailEnd/>
-                </a14:hiddenLine>
-              </a:ext>
-            </a:extLst>
-          </p:spPr>
-        </p:pic>
         <p:sp>
           <p:nvSpPr>
-            <p:cNvPr id="3" name="Left Arrow 2"/>
+            <p:cNvPr id="15" name="Left Arrow 14"/>
             <p:cNvSpPr/>
             <p:nvPr/>
           </p:nvSpPr>
           <p:spPr>
-            <a:xfrm rot="20582199">
-              <a:off x="6200514" y="1598479"/>
-              <a:ext cx="1699888" cy="969931"/>
+            <a:xfrm>
+              <a:off x="5105401" y="2057400"/>
+              <a:ext cx="1933295" cy="969931"/>
             </a:xfrm>
             <a:prstGeom prst="leftArrow">
               <a:avLst>
@@ -3411,73 +4482,7 @@
                     <a:schemeClr val="tx1"/>
                   </a:solidFill>
                 </a:rPr>
-                <a:t>Test Signal to Teensy</a:t>
-              </a:r>
-              <a:endParaRPr lang="en-US" dirty="0">
-                <a:solidFill>
-                  <a:schemeClr val="tx1"/>
-                </a:solidFill>
-              </a:endParaRPr>
-            </a:p>
-          </p:txBody>
-        </p:sp>
-        <p:sp>
-          <p:nvSpPr>
-            <p:cNvPr id="4" name="Left Arrow 3"/>
-            <p:cNvSpPr/>
-            <p:nvPr/>
-          </p:nvSpPr>
-          <p:spPr>
-            <a:xfrm rot="20582199">
-              <a:off x="6200514" y="2741480"/>
-              <a:ext cx="1699888" cy="969931"/>
-            </a:xfrm>
-            <a:prstGeom prst="leftArrow">
-              <a:avLst>
-                <a:gd name="adj1" fmla="val 65621"/>
-                <a:gd name="adj2" fmla="val 59565"/>
-              </a:avLst>
-            </a:prstGeom>
-            <a:solidFill>
-              <a:schemeClr val="accent2">
-                <a:lumMod val="20000"/>
-                <a:lumOff val="80000"/>
-              </a:schemeClr>
-            </a:solidFill>
-            <a:ln>
-              <a:solidFill>
-                <a:schemeClr val="tx1"/>
-              </a:solidFill>
-            </a:ln>
-          </p:spPr>
-          <p:style>
-            <a:lnRef idx="2">
-              <a:schemeClr val="accent1">
-                <a:shade val="50000"/>
-              </a:schemeClr>
-            </a:lnRef>
-            <a:fillRef idx="1">
-              <a:schemeClr val="accent1"/>
-            </a:fillRef>
-            <a:effectRef idx="0">
-              <a:schemeClr val="accent1"/>
-            </a:effectRef>
-            <a:fontRef idx="minor">
-              <a:schemeClr val="lt1"/>
-            </a:fontRef>
-          </p:style>
-          <p:txBody>
-            <a:bodyPr rtlCol="0" anchor="ctr"/>
-            <a:lstStyle/>
-            <a:p>
-              <a:pPr algn="ctr"/>
-              <a:r>
-                <a:rPr lang="en-US" dirty="0" smtClean="0">
-                  <a:solidFill>
-                    <a:schemeClr val="tx1"/>
-                  </a:solidFill>
-                </a:rPr>
-                <a:t>Audio from Teensy USB</a:t>
+                <a:t>Generate in Audacity</a:t>
               </a:r>
               <a:endParaRPr lang="en-US" dirty="0">
                 <a:solidFill>
@@ -3491,7 +4496,7 @@
     </p:spTree>
     <p:extLst>
       <p:ext uri="{BB962C8B-B14F-4D97-AF65-F5344CB8AC3E}">
-        <p14:creationId xmlns:p14="http://schemas.microsoft.com/office/powerpoint/2010/main" val="781595441"/>
+        <p14:creationId xmlns:p14="http://schemas.microsoft.com/office/powerpoint/2010/main" val="3262429850"/>
       </p:ext>
     </p:extLst>
   </p:cSld>
@@ -3501,375 +4506,7 @@
 </p:sld>
 </file>
 
-<file path=ppt/slides/slide2.xml><?xml version="1.0" encoding="utf-8"?>
-<p:sld xmlns:a="http://schemas.openxmlformats.org/drawingml/2006/main" xmlns:r="http://schemas.openxmlformats.org/officeDocument/2006/relationships" xmlns:p="http://schemas.openxmlformats.org/presentationml/2006/main">
-  <p:cSld>
-    <p:spTree>
-      <p:nvGrpSpPr>
-        <p:cNvPr id="1" name=""/>
-        <p:cNvGrpSpPr/>
-        <p:nvPr/>
-      </p:nvGrpSpPr>
-      <p:grpSpPr>
-        <a:xfrm>
-          <a:off x="0" y="0"/>
-          <a:ext cx="0" cy="0"/>
-          <a:chOff x="0" y="0"/>
-          <a:chExt cx="0" cy="0"/>
-        </a:xfrm>
-      </p:grpSpPr>
-      <p:grpSp>
-        <p:nvGrpSpPr>
-          <p:cNvPr id="5" name="Group 4"/>
-          <p:cNvGrpSpPr/>
-          <p:nvPr/>
-        </p:nvGrpSpPr>
-        <p:grpSpPr>
-          <a:xfrm>
-            <a:off x="914400" y="1"/>
-            <a:ext cx="6400800" cy="6764089"/>
-            <a:chOff x="914400" y="1"/>
-            <a:chExt cx="6400800" cy="6764089"/>
-          </a:xfrm>
-        </p:grpSpPr>
-        <p:pic>
-          <p:nvPicPr>
-            <p:cNvPr id="2051" name="Picture 3"/>
-            <p:cNvPicPr>
-              <a:picLocks noChangeAspect="1" noChangeArrowheads="1"/>
-            </p:cNvPicPr>
-            <p:nvPr/>
-          </p:nvPicPr>
-          <p:blipFill>
-            <a:blip r:embed="rId2">
-              <a:extLst>
-                <a:ext uri="{28A0092B-C50C-407E-A947-70E740481C1C}">
-                  <a14:useLocalDpi xmlns:a14="http://schemas.microsoft.com/office/drawing/2010/main" val="0"/>
-                </a:ext>
-              </a:extLst>
-            </a:blip>
-            <a:srcRect/>
-            <a:stretch>
-              <a:fillRect/>
-            </a:stretch>
-          </p:blipFill>
-          <p:spPr bwMode="auto">
-            <a:xfrm>
-              <a:off x="914400" y="1"/>
-              <a:ext cx="6400800" cy="6764089"/>
-            </a:xfrm>
-            <a:prstGeom prst="rect">
-              <a:avLst/>
-            </a:prstGeom>
-            <a:noFill/>
-            <a:ln>
-              <a:noFill/>
-            </a:ln>
-            <a:extLst>
-              <a:ext uri="{909E8E84-426E-40DD-AFC4-6F175D3DCCD1}">
-                <a14:hiddenFill xmlns:a14="http://schemas.microsoft.com/office/drawing/2010/main">
-                  <a:solidFill>
-                    <a:schemeClr val="accent1"/>
-                  </a:solidFill>
-                </a14:hiddenFill>
-              </a:ext>
-              <a:ext uri="{91240B29-F687-4F45-9708-019B960494DF}">
-                <a14:hiddenLine xmlns:a14="http://schemas.microsoft.com/office/drawing/2010/main" w="9525">
-                  <a:solidFill>
-                    <a:schemeClr val="tx1"/>
-                  </a:solidFill>
-                  <a:miter lim="800000"/>
-                  <a:headEnd/>
-                  <a:tailEnd/>
-                </a14:hiddenLine>
-              </a:ext>
-            </a:extLst>
-          </p:spPr>
-        </p:pic>
-        <p:sp>
-          <p:nvSpPr>
-            <p:cNvPr id="2" name="Right Brace 1"/>
-            <p:cNvSpPr/>
-            <p:nvPr/>
-          </p:nvSpPr>
-          <p:spPr>
-            <a:xfrm>
-              <a:off x="4953000" y="1066800"/>
-              <a:ext cx="457200" cy="1905000"/>
-            </a:xfrm>
-            <a:prstGeom prst="rightBrace">
-              <a:avLst>
-                <a:gd name="adj1" fmla="val 40765"/>
-                <a:gd name="adj2" fmla="val 50000"/>
-              </a:avLst>
-            </a:prstGeom>
-            <a:ln w="57150">
-              <a:solidFill>
-                <a:schemeClr val="tx1"/>
-              </a:solidFill>
-            </a:ln>
-          </p:spPr>
-          <p:style>
-            <a:lnRef idx="1">
-              <a:schemeClr val="accent1"/>
-            </a:lnRef>
-            <a:fillRef idx="0">
-              <a:schemeClr val="accent1"/>
-            </a:fillRef>
-            <a:effectRef idx="0">
-              <a:schemeClr val="accent1"/>
-            </a:effectRef>
-            <a:fontRef idx="minor">
-              <a:schemeClr val="tx1"/>
-            </a:fontRef>
-          </p:style>
-          <p:txBody>
-            <a:bodyPr rtlCol="0" anchor="ctr"/>
-            <a:lstStyle/>
-            <a:p>
-              <a:pPr algn="ctr"/>
-              <a:endParaRPr lang="en-US"/>
-            </a:p>
-          </p:txBody>
-        </p:sp>
-        <p:sp>
-          <p:nvSpPr>
-            <p:cNvPr id="4" name="TextBox 3"/>
-            <p:cNvSpPr txBox="1"/>
-            <p:nvPr/>
-          </p:nvSpPr>
-          <p:spPr>
-            <a:xfrm>
-              <a:off x="5550578" y="1557635"/>
-              <a:ext cx="1444626" cy="923330"/>
-            </a:xfrm>
-            <a:prstGeom prst="rect">
-              <a:avLst/>
-            </a:prstGeom>
-            <a:solidFill>
-              <a:schemeClr val="accent1">
-                <a:lumMod val="20000"/>
-                <a:lumOff val="80000"/>
-              </a:schemeClr>
-            </a:solidFill>
-          </p:spPr>
-          <p:txBody>
-            <a:bodyPr wrap="none" rtlCol="0">
-              <a:noAutofit/>
-            </a:bodyPr>
-            <a:lstStyle/>
-            <a:p>
-              <a:pPr algn="ctr"/>
-              <a:r>
-                <a:rPr lang="en-US" b="1" dirty="0" smtClean="0"/>
-                <a:t>From Teensy</a:t>
-              </a:r>
-            </a:p>
-            <a:p>
-              <a:pPr algn="ctr"/>
-              <a:r>
-                <a:rPr lang="en-US" b="1" dirty="0" smtClean="0"/>
-                <a:t>Audio Design</a:t>
-              </a:r>
-            </a:p>
-            <a:p>
-              <a:pPr algn="ctr"/>
-              <a:r>
-                <a:rPr lang="en-US" b="1" dirty="0" smtClean="0"/>
-                <a:t>GUI</a:t>
-              </a:r>
-              <a:endParaRPr lang="en-US" b="1" dirty="0"/>
-            </a:p>
-          </p:txBody>
-        </p:sp>
-        <p:sp>
-          <p:nvSpPr>
-            <p:cNvPr id="6" name="Right Brace 5"/>
-            <p:cNvSpPr/>
-            <p:nvPr/>
-          </p:nvSpPr>
-          <p:spPr>
-            <a:xfrm>
-              <a:off x="4953000" y="3124200"/>
-              <a:ext cx="457200" cy="1905000"/>
-            </a:xfrm>
-            <a:prstGeom prst="rightBrace">
-              <a:avLst>
-                <a:gd name="adj1" fmla="val 40765"/>
-                <a:gd name="adj2" fmla="val 50000"/>
-              </a:avLst>
-            </a:prstGeom>
-            <a:ln w="57150">
-              <a:solidFill>
-                <a:schemeClr val="tx1"/>
-              </a:solidFill>
-            </a:ln>
-          </p:spPr>
-          <p:style>
-            <a:lnRef idx="1">
-              <a:schemeClr val="accent1"/>
-            </a:lnRef>
-            <a:fillRef idx="0">
-              <a:schemeClr val="accent1"/>
-            </a:fillRef>
-            <a:effectRef idx="0">
-              <a:schemeClr val="accent1"/>
-            </a:effectRef>
-            <a:fontRef idx="minor">
-              <a:schemeClr val="tx1"/>
-            </a:fontRef>
-          </p:style>
-          <p:txBody>
-            <a:bodyPr rtlCol="0" anchor="ctr"/>
-            <a:lstStyle/>
-            <a:p>
-              <a:pPr algn="ctr"/>
-              <a:endParaRPr lang="en-US"/>
-            </a:p>
-          </p:txBody>
-        </p:sp>
-        <p:sp>
-          <p:nvSpPr>
-            <p:cNvPr id="7" name="TextBox 6"/>
-            <p:cNvSpPr txBox="1"/>
-            <p:nvPr/>
-          </p:nvSpPr>
-          <p:spPr>
-            <a:xfrm>
-              <a:off x="5565648" y="3615034"/>
-              <a:ext cx="1444752" cy="923544"/>
-            </a:xfrm>
-            <a:prstGeom prst="rect">
-              <a:avLst/>
-            </a:prstGeom>
-            <a:solidFill>
-              <a:schemeClr val="accent2">
-                <a:lumMod val="20000"/>
-                <a:lumOff val="80000"/>
-              </a:schemeClr>
-            </a:solidFill>
-          </p:spPr>
-          <p:txBody>
-            <a:bodyPr wrap="none" rtlCol="0" anchor="ctr" anchorCtr="0">
-              <a:noAutofit/>
-            </a:bodyPr>
-            <a:lstStyle/>
-            <a:p>
-              <a:pPr algn="ctr"/>
-              <a:r>
-                <a:rPr lang="en-US" b="1" dirty="0" smtClean="0"/>
-                <a:t>Add This</a:t>
-              </a:r>
-            </a:p>
-            <a:p>
-              <a:pPr algn="ctr"/>
-              <a:r>
-                <a:rPr lang="en-US" b="1" dirty="0" smtClean="0"/>
-                <a:t>Yourself</a:t>
-              </a:r>
-              <a:endParaRPr lang="en-US" b="1" dirty="0"/>
-            </a:p>
-          </p:txBody>
-        </p:sp>
-      </p:grpSp>
-    </p:spTree>
-    <p:extLst>
-      <p:ext uri="{BB962C8B-B14F-4D97-AF65-F5344CB8AC3E}">
-        <p14:creationId xmlns:p14="http://schemas.microsoft.com/office/powerpoint/2010/main" val="3206274435"/>
-      </p:ext>
-    </p:extLst>
-  </p:cSld>
-  <p:clrMapOvr>
-    <a:masterClrMapping/>
-  </p:clrMapOvr>
-</p:sld>
-</file>
-
-<file path=ppt/slides/slide3.xml><?xml version="1.0" encoding="utf-8"?>
-<p:sld xmlns:a="http://schemas.openxmlformats.org/drawingml/2006/main" xmlns:r="http://schemas.openxmlformats.org/officeDocument/2006/relationships" xmlns:p="http://schemas.openxmlformats.org/presentationml/2006/main">
-  <p:cSld>
-    <p:spTree>
-      <p:nvGrpSpPr>
-        <p:cNvPr id="1" name=""/>
-        <p:cNvGrpSpPr/>
-        <p:nvPr/>
-      </p:nvGrpSpPr>
-      <p:grpSpPr>
-        <a:xfrm>
-          <a:off x="0" y="0"/>
-          <a:ext cx="0" cy="0"/>
-          <a:chOff x="0" y="0"/>
-          <a:chExt cx="0" cy="0"/>
-        </a:xfrm>
-      </p:grpSpPr>
-      <p:pic>
-        <p:nvPicPr>
-          <p:cNvPr id="2050" name="Picture 2"/>
-          <p:cNvPicPr>
-            <a:picLocks noChangeAspect="1" noChangeArrowheads="1"/>
-          </p:cNvPicPr>
-          <p:nvPr/>
-        </p:nvPicPr>
-        <p:blipFill>
-          <a:blip r:embed="rId2">
-            <a:extLst>
-              <a:ext uri="{28A0092B-C50C-407E-A947-70E740481C1C}">
-                <a14:useLocalDpi xmlns:a14="http://schemas.microsoft.com/office/drawing/2010/main" val="0"/>
-              </a:ext>
-            </a:extLst>
-          </a:blip>
-          <a:srcRect/>
-          <a:stretch>
-            <a:fillRect/>
-          </a:stretch>
-        </p:blipFill>
-        <p:spPr bwMode="auto">
-          <a:xfrm>
-            <a:off x="304800" y="381000"/>
-            <a:ext cx="8353425" cy="5715000"/>
-          </a:xfrm>
-          <a:prstGeom prst="rect">
-            <a:avLst/>
-          </a:prstGeom>
-          <a:noFill/>
-          <a:ln>
-            <a:noFill/>
-          </a:ln>
-          <a:extLst>
-            <a:ext uri="{909E8E84-426E-40DD-AFC4-6F175D3DCCD1}">
-              <a14:hiddenFill xmlns:a14="http://schemas.microsoft.com/office/drawing/2010/main">
-                <a:solidFill>
-                  <a:schemeClr val="accent1"/>
-                </a:solidFill>
-              </a14:hiddenFill>
-            </a:ext>
-            <a:ext uri="{91240B29-F687-4F45-9708-019B960494DF}">
-              <a14:hiddenLine xmlns:a14="http://schemas.microsoft.com/office/drawing/2010/main" w="9525">
-                <a:solidFill>
-                  <a:schemeClr val="tx1"/>
-                </a:solidFill>
-                <a:miter lim="800000"/>
-                <a:headEnd/>
-                <a:tailEnd/>
-              </a14:hiddenLine>
-            </a:ext>
-          </a:extLst>
-        </p:spPr>
-      </p:pic>
-    </p:spTree>
-    <p:extLst>
-      <p:ext uri="{BB962C8B-B14F-4D97-AF65-F5344CB8AC3E}">
-        <p14:creationId xmlns:p14="http://schemas.microsoft.com/office/powerpoint/2010/main" val="4240556456"/>
-      </p:ext>
-    </p:extLst>
-  </p:cSld>
-  <p:clrMapOvr>
-    <a:masterClrMapping/>
-  </p:clrMapOvr>
-</p:sld>
-</file>
-
-<file path=ppt/slides/slide4.xml><?xml version="1.0" encoding="utf-8"?>
+<file path=ppt/slides/slide12.xml><?xml version="1.0" encoding="utf-8"?>
 <p:sld xmlns:a="http://schemas.openxmlformats.org/drawingml/2006/main" xmlns:r="http://schemas.openxmlformats.org/officeDocument/2006/relationships" xmlns:p="http://schemas.openxmlformats.org/presentationml/2006/main">
   <p:cSld>
     <p:spTree>
@@ -4711,7 +5348,7 @@
     </p:spTree>
     <p:extLst>
       <p:ext uri="{BB962C8B-B14F-4D97-AF65-F5344CB8AC3E}">
-        <p14:creationId xmlns:p14="http://schemas.microsoft.com/office/powerpoint/2010/main" val="3566687515"/>
+        <p14:creationId xmlns:p14="http://schemas.microsoft.com/office/powerpoint/2010/main" val="4034710565"/>
       </p:ext>
     </p:extLst>
   </p:cSld>
@@ -4721,7 +5358,7 @@
 </p:sld>
 </file>
 
-<file path=ppt/slides/slide5.xml><?xml version="1.0" encoding="utf-8"?>
+<file path=ppt/slides/slide13.xml><?xml version="1.0" encoding="utf-8"?>
 <p:sld xmlns:a="http://schemas.openxmlformats.org/drawingml/2006/main" xmlns:r="http://schemas.openxmlformats.org/officeDocument/2006/relationships" xmlns:p="http://schemas.openxmlformats.org/presentationml/2006/main">
   <p:cSld>
     <p:spTree>
@@ -4740,21 +5377,21 @@
       </p:grpSpPr>
       <p:grpSp>
         <p:nvGrpSpPr>
-          <p:cNvPr id="3" name="Group 2"/>
+          <p:cNvPr id="2" name="Group 1"/>
           <p:cNvGrpSpPr/>
           <p:nvPr/>
         </p:nvGrpSpPr>
         <p:grpSpPr>
           <a:xfrm>
-            <a:off x="838200" y="762000"/>
-            <a:ext cx="6400800" cy="4274336"/>
-            <a:chOff x="838200" y="762000"/>
-            <a:chExt cx="6400800" cy="4274336"/>
+            <a:off x="762000" y="331573"/>
+            <a:ext cx="7315200" cy="5916469"/>
+            <a:chOff x="762000" y="331573"/>
+            <a:chExt cx="7315200" cy="5916469"/>
           </a:xfrm>
         </p:grpSpPr>
         <p:pic>
           <p:nvPicPr>
-            <p:cNvPr id="1026" name="Picture 2"/>
+            <p:cNvPr id="2050" name="Picture 2"/>
             <p:cNvPicPr>
               <a:picLocks noChangeAspect="1" noChangeArrowheads="1"/>
             </p:cNvPicPr>
@@ -4775,8 +5412,8 @@
           </p:blipFill>
           <p:spPr bwMode="auto">
             <a:xfrm>
-              <a:off x="838200" y="762000"/>
-              <a:ext cx="6400800" cy="4274336"/>
+              <a:off x="762000" y="331573"/>
+              <a:ext cx="7315200" cy="5916469"/>
             </a:xfrm>
             <a:prstGeom prst="rect">
               <a:avLst/>
@@ -4808,1052 +5445,13 @@
         </p:pic>
         <p:sp>
           <p:nvSpPr>
-            <p:cNvPr id="4" name="Right Arrow 3"/>
-            <p:cNvSpPr/>
-            <p:nvPr/>
-          </p:nvSpPr>
-          <p:spPr>
-            <a:xfrm rot="3114160">
-              <a:off x="2022023" y="1965688"/>
-              <a:ext cx="1075059" cy="626958"/>
-            </a:xfrm>
-            <a:prstGeom prst="rightArrow">
-              <a:avLst/>
-            </a:prstGeom>
-            <a:solidFill>
-              <a:srgbClr val="FFFF00"/>
-            </a:solidFill>
-            <a:ln>
-              <a:solidFill>
-                <a:schemeClr val="tx1"/>
-              </a:solidFill>
-            </a:ln>
-          </p:spPr>
-          <p:style>
-            <a:lnRef idx="2">
-              <a:schemeClr val="accent1">
-                <a:shade val="50000"/>
-              </a:schemeClr>
-            </a:lnRef>
-            <a:fillRef idx="1">
-              <a:schemeClr val="accent1"/>
-            </a:fillRef>
-            <a:effectRef idx="0">
-              <a:schemeClr val="accent1"/>
-            </a:effectRef>
-            <a:fontRef idx="minor">
-              <a:schemeClr val="lt1"/>
-            </a:fontRef>
-          </p:style>
-          <p:txBody>
-            <a:bodyPr rtlCol="0" anchor="ctr"/>
-            <a:lstStyle/>
-            <a:p>
-              <a:pPr algn="ctr"/>
-              <a:r>
-                <a:rPr lang="en-US" dirty="0" smtClean="0">
-                  <a:solidFill>
-                    <a:schemeClr val="tx1"/>
-                  </a:solidFill>
-                </a:rPr>
-                <a:t>Draw</a:t>
-              </a:r>
-              <a:endParaRPr lang="en-US" dirty="0">
-                <a:solidFill>
-                  <a:schemeClr val="tx1"/>
-                </a:solidFill>
-              </a:endParaRPr>
-            </a:p>
-          </p:txBody>
-        </p:sp>
-        <p:sp>
-          <p:nvSpPr>
-            <p:cNvPr id="5" name="Right Arrow 4"/>
-            <p:cNvSpPr/>
-            <p:nvPr/>
-          </p:nvSpPr>
-          <p:spPr>
-            <a:xfrm rot="19752165">
-              <a:off x="3564639" y="1526411"/>
-              <a:ext cx="1075059" cy="626958"/>
-            </a:xfrm>
-            <a:prstGeom prst="rightArrow">
-              <a:avLst/>
-            </a:prstGeom>
-            <a:solidFill>
-              <a:srgbClr val="FFFF00"/>
-            </a:solidFill>
-            <a:ln>
-              <a:solidFill>
-                <a:schemeClr val="tx1"/>
-              </a:solidFill>
-            </a:ln>
-          </p:spPr>
-          <p:style>
-            <a:lnRef idx="2">
-              <a:schemeClr val="accent1">
-                <a:shade val="50000"/>
-              </a:schemeClr>
-            </a:lnRef>
-            <a:fillRef idx="1">
-              <a:schemeClr val="accent1"/>
-            </a:fillRef>
-            <a:effectRef idx="0">
-              <a:schemeClr val="accent1"/>
-            </a:effectRef>
-            <a:fontRef idx="minor">
-              <a:schemeClr val="lt1"/>
-            </a:fontRef>
-          </p:style>
-          <p:txBody>
-            <a:bodyPr rtlCol="0" anchor="ctr"/>
-            <a:lstStyle/>
-            <a:p>
-              <a:pPr algn="ctr"/>
-              <a:r>
-                <a:rPr lang="en-US" dirty="0" smtClean="0">
-                  <a:solidFill>
-                    <a:schemeClr val="tx1"/>
-                  </a:solidFill>
-                </a:rPr>
-                <a:t>Export</a:t>
-              </a:r>
-              <a:endParaRPr lang="en-US" dirty="0">
-                <a:solidFill>
-                  <a:schemeClr val="tx1"/>
-                </a:solidFill>
-              </a:endParaRPr>
-            </a:p>
-          </p:txBody>
-        </p:sp>
-      </p:grpSp>
-    </p:spTree>
-    <p:extLst>
-      <p:ext uri="{BB962C8B-B14F-4D97-AF65-F5344CB8AC3E}">
-        <p14:creationId xmlns:p14="http://schemas.microsoft.com/office/powerpoint/2010/main" val="1075446657"/>
-      </p:ext>
-    </p:extLst>
-  </p:cSld>
-  <p:clrMapOvr>
-    <a:masterClrMapping/>
-  </p:clrMapOvr>
-</p:sld>
-</file>
-
-<file path=ppt/slides/slide6.xml><?xml version="1.0" encoding="utf-8"?>
-<p:sld xmlns:a="http://schemas.openxmlformats.org/drawingml/2006/main" xmlns:r="http://schemas.openxmlformats.org/officeDocument/2006/relationships" xmlns:p="http://schemas.openxmlformats.org/presentationml/2006/main">
-  <p:cSld>
-    <p:spTree>
-      <p:nvGrpSpPr>
-        <p:cNvPr id="1" name=""/>
-        <p:cNvGrpSpPr/>
-        <p:nvPr/>
-      </p:nvGrpSpPr>
-      <p:grpSpPr>
-        <a:xfrm>
-          <a:off x="0" y="0"/>
-          <a:ext cx="0" cy="0"/>
-          <a:chOff x="0" y="0"/>
-          <a:chExt cx="0" cy="0"/>
-        </a:xfrm>
-      </p:grpSpPr>
-      <p:sp>
-        <p:nvSpPr>
-          <p:cNvPr id="2" name="Rectangle 1"/>
-          <p:cNvSpPr/>
-          <p:nvPr/>
-        </p:nvSpPr>
-        <p:spPr>
-          <a:xfrm>
-            <a:off x="914400" y="990600"/>
-            <a:ext cx="7086600" cy="3046988"/>
-          </a:xfrm>
-          <a:prstGeom prst="rect">
-            <a:avLst/>
-          </a:prstGeom>
-        </p:spPr>
-        <p:txBody>
-          <a:bodyPr wrap="square">
-            <a:spAutoFit/>
-          </a:bodyPr>
-          <a:lstStyle/>
-          <a:p>
-            <a:r>
-              <a:rPr lang="en-US" sz="1200" dirty="0">
-                <a:latin typeface="Courier New" panose="02070309020205020404" pitchFamily="49" charset="0"/>
-                <a:cs typeface="Courier New" panose="02070309020205020404" pitchFamily="49" charset="0"/>
-              </a:rPr>
-              <a:t>#include &lt;</a:t>
-            </a:r>
-            <a:r>
-              <a:rPr lang="en-US" sz="1200" dirty="0" err="1">
-                <a:latin typeface="Courier New" panose="02070309020205020404" pitchFamily="49" charset="0"/>
-                <a:cs typeface="Courier New" panose="02070309020205020404" pitchFamily="49" charset="0"/>
-              </a:rPr>
-              <a:t>Audio.h</a:t>
-            </a:r>
-            <a:r>
-              <a:rPr lang="en-US" sz="1200" dirty="0">
-                <a:latin typeface="Courier New" panose="02070309020205020404" pitchFamily="49" charset="0"/>
-                <a:cs typeface="Courier New" panose="02070309020205020404" pitchFamily="49" charset="0"/>
-              </a:rPr>
-              <a:t>&gt;</a:t>
-            </a:r>
-          </a:p>
-          <a:p>
-            <a:r>
-              <a:rPr lang="en-US" sz="1200" dirty="0">
-                <a:latin typeface="Courier New" panose="02070309020205020404" pitchFamily="49" charset="0"/>
-                <a:cs typeface="Courier New" panose="02070309020205020404" pitchFamily="49" charset="0"/>
-              </a:rPr>
-              <a:t>#include &lt;</a:t>
-            </a:r>
-            <a:r>
-              <a:rPr lang="en-US" sz="1200" dirty="0" err="1">
-                <a:latin typeface="Courier New" panose="02070309020205020404" pitchFamily="49" charset="0"/>
-                <a:cs typeface="Courier New" panose="02070309020205020404" pitchFamily="49" charset="0"/>
-              </a:rPr>
-              <a:t>Wire.h</a:t>
-            </a:r>
-            <a:r>
-              <a:rPr lang="en-US" sz="1200" dirty="0">
-                <a:latin typeface="Courier New" panose="02070309020205020404" pitchFamily="49" charset="0"/>
-                <a:cs typeface="Courier New" panose="02070309020205020404" pitchFamily="49" charset="0"/>
-              </a:rPr>
-              <a:t>&gt;</a:t>
-            </a:r>
-          </a:p>
-          <a:p>
-            <a:r>
-              <a:rPr lang="en-US" sz="1200" dirty="0">
-                <a:latin typeface="Courier New" panose="02070309020205020404" pitchFamily="49" charset="0"/>
-                <a:cs typeface="Courier New" panose="02070309020205020404" pitchFamily="49" charset="0"/>
-              </a:rPr>
-              <a:t>#include &lt;</a:t>
-            </a:r>
-            <a:r>
-              <a:rPr lang="en-US" sz="1200" dirty="0" err="1">
-                <a:latin typeface="Courier New" panose="02070309020205020404" pitchFamily="49" charset="0"/>
-                <a:cs typeface="Courier New" panose="02070309020205020404" pitchFamily="49" charset="0"/>
-              </a:rPr>
-              <a:t>SPI.h</a:t>
-            </a:r>
-            <a:r>
-              <a:rPr lang="en-US" sz="1200" dirty="0">
-                <a:latin typeface="Courier New" panose="02070309020205020404" pitchFamily="49" charset="0"/>
-                <a:cs typeface="Courier New" panose="02070309020205020404" pitchFamily="49" charset="0"/>
-              </a:rPr>
-              <a:t>&gt;</a:t>
-            </a:r>
-          </a:p>
-          <a:p>
-            <a:r>
-              <a:rPr lang="en-US" sz="1200" dirty="0">
-                <a:latin typeface="Courier New" panose="02070309020205020404" pitchFamily="49" charset="0"/>
-                <a:cs typeface="Courier New" panose="02070309020205020404" pitchFamily="49" charset="0"/>
-              </a:rPr>
-              <a:t>#include &lt;</a:t>
-            </a:r>
-            <a:r>
-              <a:rPr lang="en-US" sz="1200" dirty="0" err="1">
-                <a:latin typeface="Courier New" panose="02070309020205020404" pitchFamily="49" charset="0"/>
-                <a:cs typeface="Courier New" panose="02070309020205020404" pitchFamily="49" charset="0"/>
-              </a:rPr>
-              <a:t>SD.h</a:t>
-            </a:r>
-            <a:r>
-              <a:rPr lang="en-US" sz="1200" dirty="0">
-                <a:latin typeface="Courier New" panose="02070309020205020404" pitchFamily="49" charset="0"/>
-                <a:cs typeface="Courier New" panose="02070309020205020404" pitchFamily="49" charset="0"/>
-              </a:rPr>
-              <a:t>&gt;</a:t>
-            </a:r>
-          </a:p>
-          <a:p>
-            <a:r>
-              <a:rPr lang="en-US" sz="1200" dirty="0">
-                <a:latin typeface="Courier New" panose="02070309020205020404" pitchFamily="49" charset="0"/>
-                <a:cs typeface="Courier New" panose="02070309020205020404" pitchFamily="49" charset="0"/>
-              </a:rPr>
-              <a:t>#include &lt;</a:t>
-            </a:r>
-            <a:r>
-              <a:rPr lang="en-US" sz="1200" dirty="0" err="1">
-                <a:latin typeface="Courier New" panose="02070309020205020404" pitchFamily="49" charset="0"/>
-                <a:cs typeface="Courier New" panose="02070309020205020404" pitchFamily="49" charset="0"/>
-              </a:rPr>
-              <a:t>SerialFlash.h</a:t>
-            </a:r>
-            <a:r>
-              <a:rPr lang="en-US" sz="1200" dirty="0">
-                <a:latin typeface="Courier New" panose="02070309020205020404" pitchFamily="49" charset="0"/>
-                <a:cs typeface="Courier New" panose="02070309020205020404" pitchFamily="49" charset="0"/>
-              </a:rPr>
-              <a:t>&gt;</a:t>
-            </a:r>
-          </a:p>
-          <a:p>
-            <a:endParaRPr lang="en-US" sz="1200" dirty="0">
-              <a:latin typeface="Courier New" panose="02070309020205020404" pitchFamily="49" charset="0"/>
-              <a:cs typeface="Courier New" panose="02070309020205020404" pitchFamily="49" charset="0"/>
-            </a:endParaRPr>
-          </a:p>
-          <a:p>
-            <a:r>
-              <a:rPr lang="en-US" sz="1200" dirty="0">
-                <a:latin typeface="Courier New" panose="02070309020205020404" pitchFamily="49" charset="0"/>
-                <a:cs typeface="Courier New" panose="02070309020205020404" pitchFamily="49" charset="0"/>
-              </a:rPr>
-              <a:t>// </a:t>
-            </a:r>
-            <a:r>
-              <a:rPr lang="en-US" sz="1200" dirty="0" err="1">
-                <a:latin typeface="Courier New" panose="02070309020205020404" pitchFamily="49" charset="0"/>
-                <a:cs typeface="Courier New" panose="02070309020205020404" pitchFamily="49" charset="0"/>
-              </a:rPr>
-              <a:t>GUItool</a:t>
-            </a:r>
-            <a:r>
-              <a:rPr lang="en-US" sz="1200" dirty="0">
-                <a:latin typeface="Courier New" panose="02070309020205020404" pitchFamily="49" charset="0"/>
-                <a:cs typeface="Courier New" panose="02070309020205020404" pitchFamily="49" charset="0"/>
-              </a:rPr>
-              <a:t>: begin automatically generated code</a:t>
-            </a:r>
-          </a:p>
-          <a:p>
-            <a:r>
-              <a:rPr lang="en-US" sz="1200" dirty="0">
-                <a:latin typeface="Courier New" panose="02070309020205020404" pitchFamily="49" charset="0"/>
-                <a:cs typeface="Courier New" panose="02070309020205020404" pitchFamily="49" charset="0"/>
-              </a:rPr>
-              <a:t>AudioInputI2S            i2s1;           //</a:t>
-            </a:r>
-            <a:r>
-              <a:rPr lang="en-US" sz="1200" dirty="0" err="1" smtClean="0">
-                <a:latin typeface="Courier New" panose="02070309020205020404" pitchFamily="49" charset="0"/>
-                <a:cs typeface="Courier New" panose="02070309020205020404" pitchFamily="49" charset="0"/>
-              </a:rPr>
-              <a:t>xy</a:t>
-            </a:r>
-            <a:r>
-              <a:rPr lang="en-US" sz="1200" dirty="0" smtClean="0">
-                <a:latin typeface="Courier New" panose="02070309020205020404" pitchFamily="49" charset="0"/>
-                <a:cs typeface="Courier New" panose="02070309020205020404" pitchFamily="49" charset="0"/>
-              </a:rPr>
-              <a:t>=140,161</a:t>
-            </a:r>
-            <a:endParaRPr lang="en-US" sz="1200" dirty="0">
-              <a:latin typeface="Courier New" panose="02070309020205020404" pitchFamily="49" charset="0"/>
-              <a:cs typeface="Courier New" panose="02070309020205020404" pitchFamily="49" charset="0"/>
-            </a:endParaRPr>
-          </a:p>
-          <a:p>
-            <a:r>
-              <a:rPr lang="en-US" sz="1200" dirty="0" err="1">
-                <a:latin typeface="Courier New" panose="02070309020205020404" pitchFamily="49" charset="0"/>
-                <a:cs typeface="Courier New" panose="02070309020205020404" pitchFamily="49" charset="0"/>
-              </a:rPr>
-              <a:t>AudioOutputUSB</a:t>
-            </a:r>
-            <a:r>
-              <a:rPr lang="en-US" sz="1200" dirty="0">
-                <a:latin typeface="Courier New" panose="02070309020205020404" pitchFamily="49" charset="0"/>
-                <a:cs typeface="Courier New" panose="02070309020205020404" pitchFamily="49" charset="0"/>
-              </a:rPr>
-              <a:t>           usb1;           //</a:t>
-            </a:r>
-            <a:r>
-              <a:rPr lang="en-US" sz="1200" dirty="0" err="1" smtClean="0">
-                <a:latin typeface="Courier New" panose="02070309020205020404" pitchFamily="49" charset="0"/>
-                <a:cs typeface="Courier New" panose="02070309020205020404" pitchFamily="49" charset="0"/>
-              </a:rPr>
-              <a:t>xy</a:t>
-            </a:r>
-            <a:r>
-              <a:rPr lang="en-US" sz="1200" dirty="0" smtClean="0">
-                <a:latin typeface="Courier New" panose="02070309020205020404" pitchFamily="49" charset="0"/>
-                <a:cs typeface="Courier New" panose="02070309020205020404" pitchFamily="49" charset="0"/>
-              </a:rPr>
-              <a:t>=368,245</a:t>
-            </a:r>
-            <a:endParaRPr lang="en-US" sz="1200" dirty="0">
-              <a:latin typeface="Courier New" panose="02070309020205020404" pitchFamily="49" charset="0"/>
-              <a:cs typeface="Courier New" panose="02070309020205020404" pitchFamily="49" charset="0"/>
-            </a:endParaRPr>
-          </a:p>
-          <a:p>
-            <a:r>
-              <a:rPr lang="en-US" sz="1200" dirty="0">
-                <a:latin typeface="Courier New" panose="02070309020205020404" pitchFamily="49" charset="0"/>
-                <a:cs typeface="Courier New" panose="02070309020205020404" pitchFamily="49" charset="0"/>
-              </a:rPr>
-              <a:t>AudioOutputI2S           i2s2;           //</a:t>
-            </a:r>
-            <a:r>
-              <a:rPr lang="en-US" sz="1200" dirty="0" err="1" smtClean="0">
-                <a:latin typeface="Courier New" panose="02070309020205020404" pitchFamily="49" charset="0"/>
-                <a:cs typeface="Courier New" panose="02070309020205020404" pitchFamily="49" charset="0"/>
-              </a:rPr>
-              <a:t>xy</a:t>
-            </a:r>
-            <a:r>
-              <a:rPr lang="en-US" sz="1200" dirty="0" smtClean="0">
-                <a:latin typeface="Courier New" panose="02070309020205020404" pitchFamily="49" charset="0"/>
-                <a:cs typeface="Courier New" panose="02070309020205020404" pitchFamily="49" charset="0"/>
-              </a:rPr>
-              <a:t>=369,161</a:t>
-            </a:r>
-            <a:endParaRPr lang="en-US" sz="1200" dirty="0">
-              <a:latin typeface="Courier New" panose="02070309020205020404" pitchFamily="49" charset="0"/>
-              <a:cs typeface="Courier New" panose="02070309020205020404" pitchFamily="49" charset="0"/>
-            </a:endParaRPr>
-          </a:p>
-          <a:p>
-            <a:r>
-              <a:rPr lang="en-US" sz="1200" dirty="0" err="1">
-                <a:latin typeface="Courier New" panose="02070309020205020404" pitchFamily="49" charset="0"/>
-                <a:cs typeface="Courier New" panose="02070309020205020404" pitchFamily="49" charset="0"/>
-              </a:rPr>
-              <a:t>AudioConnection</a:t>
-            </a:r>
-            <a:r>
-              <a:rPr lang="en-US" sz="1200" dirty="0">
-                <a:latin typeface="Courier New" panose="02070309020205020404" pitchFamily="49" charset="0"/>
-                <a:cs typeface="Courier New" panose="02070309020205020404" pitchFamily="49" charset="0"/>
-              </a:rPr>
-              <a:t>          patchCord1(i2s1, 0, i2s2, 0);</a:t>
-            </a:r>
-          </a:p>
-          <a:p>
-            <a:r>
-              <a:rPr lang="en-US" sz="1200" dirty="0" err="1">
-                <a:latin typeface="Courier New" panose="02070309020205020404" pitchFamily="49" charset="0"/>
-                <a:cs typeface="Courier New" panose="02070309020205020404" pitchFamily="49" charset="0"/>
-              </a:rPr>
-              <a:t>AudioConnection</a:t>
-            </a:r>
-            <a:r>
-              <a:rPr lang="en-US" sz="1200" dirty="0">
-                <a:latin typeface="Courier New" panose="02070309020205020404" pitchFamily="49" charset="0"/>
-                <a:cs typeface="Courier New" panose="02070309020205020404" pitchFamily="49" charset="0"/>
-              </a:rPr>
-              <a:t>          patchCord2(i2s1, 0, usb1, 0);</a:t>
-            </a:r>
-          </a:p>
-          <a:p>
-            <a:r>
-              <a:rPr lang="en-US" sz="1200" dirty="0" err="1">
-                <a:latin typeface="Courier New" panose="02070309020205020404" pitchFamily="49" charset="0"/>
-                <a:cs typeface="Courier New" panose="02070309020205020404" pitchFamily="49" charset="0"/>
-              </a:rPr>
-              <a:t>AudioConnection</a:t>
-            </a:r>
-            <a:r>
-              <a:rPr lang="en-US" sz="1200" dirty="0">
-                <a:latin typeface="Courier New" panose="02070309020205020404" pitchFamily="49" charset="0"/>
-                <a:cs typeface="Courier New" panose="02070309020205020404" pitchFamily="49" charset="0"/>
-              </a:rPr>
-              <a:t>          patchCord3(i2s1, 1, i2s2, 1);</a:t>
-            </a:r>
-          </a:p>
-          <a:p>
-            <a:r>
-              <a:rPr lang="en-US" sz="1200" dirty="0" err="1">
-                <a:latin typeface="Courier New" panose="02070309020205020404" pitchFamily="49" charset="0"/>
-                <a:cs typeface="Courier New" panose="02070309020205020404" pitchFamily="49" charset="0"/>
-              </a:rPr>
-              <a:t>AudioConnection</a:t>
-            </a:r>
-            <a:r>
-              <a:rPr lang="en-US" sz="1200" dirty="0">
-                <a:latin typeface="Courier New" panose="02070309020205020404" pitchFamily="49" charset="0"/>
-                <a:cs typeface="Courier New" panose="02070309020205020404" pitchFamily="49" charset="0"/>
-              </a:rPr>
-              <a:t>          patchCord4(i2s1, 1, usb1, 1);</a:t>
-            </a:r>
-          </a:p>
-          <a:p>
-            <a:r>
-              <a:rPr lang="en-US" sz="1200" dirty="0">
-                <a:latin typeface="Courier New" panose="02070309020205020404" pitchFamily="49" charset="0"/>
-                <a:cs typeface="Courier New" panose="02070309020205020404" pitchFamily="49" charset="0"/>
-              </a:rPr>
-              <a:t>AudioControlSGTL5000     sgtl5000_1;     //</a:t>
-            </a:r>
-            <a:r>
-              <a:rPr lang="en-US" sz="1200" dirty="0" err="1" smtClean="0">
-                <a:latin typeface="Courier New" panose="02070309020205020404" pitchFamily="49" charset="0"/>
-                <a:cs typeface="Courier New" panose="02070309020205020404" pitchFamily="49" charset="0"/>
-              </a:rPr>
-              <a:t>xy</a:t>
-            </a:r>
-            <a:r>
-              <a:rPr lang="en-US" sz="1200" dirty="0" smtClean="0">
-                <a:latin typeface="Courier New" panose="02070309020205020404" pitchFamily="49" charset="0"/>
-                <a:cs typeface="Courier New" panose="02070309020205020404" pitchFamily="49" charset="0"/>
-              </a:rPr>
-              <a:t>=250,81</a:t>
-            </a:r>
-            <a:endParaRPr lang="en-US" sz="1200" dirty="0">
-              <a:latin typeface="Courier New" panose="02070309020205020404" pitchFamily="49" charset="0"/>
-              <a:cs typeface="Courier New" panose="02070309020205020404" pitchFamily="49" charset="0"/>
-            </a:endParaRPr>
-          </a:p>
-          <a:p>
-            <a:r>
-              <a:rPr lang="en-US" sz="1200" dirty="0">
-                <a:latin typeface="Courier New" panose="02070309020205020404" pitchFamily="49" charset="0"/>
-                <a:cs typeface="Courier New" panose="02070309020205020404" pitchFamily="49" charset="0"/>
-              </a:rPr>
-              <a:t>// </a:t>
-            </a:r>
-            <a:r>
-              <a:rPr lang="en-US" sz="1200" dirty="0" err="1">
-                <a:latin typeface="Courier New" panose="02070309020205020404" pitchFamily="49" charset="0"/>
-                <a:cs typeface="Courier New" panose="02070309020205020404" pitchFamily="49" charset="0"/>
-              </a:rPr>
-              <a:t>GUItool</a:t>
-            </a:r>
-            <a:r>
-              <a:rPr lang="en-US" sz="1200" dirty="0">
-                <a:latin typeface="Courier New" panose="02070309020205020404" pitchFamily="49" charset="0"/>
-                <a:cs typeface="Courier New" panose="02070309020205020404" pitchFamily="49" charset="0"/>
-              </a:rPr>
-              <a:t>: end automatically generated code</a:t>
-            </a:r>
-          </a:p>
-        </p:txBody>
-      </p:sp>
-    </p:spTree>
-    <p:extLst>
-      <p:ext uri="{BB962C8B-B14F-4D97-AF65-F5344CB8AC3E}">
-        <p14:creationId xmlns:p14="http://schemas.microsoft.com/office/powerpoint/2010/main" val="1236199635"/>
-      </p:ext>
-    </p:extLst>
-  </p:cSld>
-  <p:clrMapOvr>
-    <a:masterClrMapping/>
-  </p:clrMapOvr>
-</p:sld>
-</file>
-
-<file path=ppt/slides/slide7.xml><?xml version="1.0" encoding="utf-8"?>
-<p:sld xmlns:a="http://schemas.openxmlformats.org/drawingml/2006/main" xmlns:r="http://schemas.openxmlformats.org/officeDocument/2006/relationships" xmlns:p="http://schemas.openxmlformats.org/presentationml/2006/main">
-  <p:cSld>
-    <p:spTree>
-      <p:nvGrpSpPr>
-        <p:cNvPr id="1" name=""/>
-        <p:cNvGrpSpPr/>
-        <p:nvPr/>
-      </p:nvGrpSpPr>
-      <p:grpSpPr>
-        <a:xfrm>
-          <a:off x="0" y="0"/>
-          <a:ext cx="0" cy="0"/>
-          <a:chOff x="0" y="0"/>
-          <a:chExt cx="0" cy="0"/>
-        </a:xfrm>
-      </p:grpSpPr>
-      <p:grpSp>
-        <p:nvGrpSpPr>
-          <p:cNvPr id="2" name="Group 1"/>
-          <p:cNvGrpSpPr/>
-          <p:nvPr/>
-        </p:nvGrpSpPr>
-        <p:grpSpPr>
-          <a:xfrm>
-            <a:off x="1481138" y="0"/>
-            <a:ext cx="6181725" cy="7981950"/>
-            <a:chOff x="1481138" y="0"/>
-            <a:chExt cx="6181725" cy="7981950"/>
-          </a:xfrm>
-        </p:grpSpPr>
-        <p:pic>
-          <p:nvPicPr>
-            <p:cNvPr id="1026" name="Picture 2"/>
-            <p:cNvPicPr>
-              <a:picLocks noChangeAspect="1" noChangeArrowheads="1"/>
-            </p:cNvPicPr>
-            <p:nvPr/>
-          </p:nvPicPr>
-          <p:blipFill>
-            <a:blip r:embed="rId2">
-              <a:extLst>
-                <a:ext uri="{28A0092B-C50C-407E-A947-70E740481C1C}">
-                  <a14:useLocalDpi xmlns:a14="http://schemas.microsoft.com/office/drawing/2010/main" val="0"/>
-                </a:ext>
-              </a:extLst>
-            </a:blip>
-            <a:srcRect/>
-            <a:stretch>
-              <a:fillRect/>
-            </a:stretch>
-          </p:blipFill>
-          <p:spPr bwMode="auto">
-            <a:xfrm>
-              <a:off x="1481138" y="0"/>
-              <a:ext cx="6181725" cy="7981950"/>
-            </a:xfrm>
-            <a:prstGeom prst="rect">
-              <a:avLst/>
-            </a:prstGeom>
-            <a:noFill/>
-            <a:ln>
-              <a:noFill/>
-            </a:ln>
-            <a:extLst>
-              <a:ext uri="{909E8E84-426E-40DD-AFC4-6F175D3DCCD1}">
-                <a14:hiddenFill xmlns:a14="http://schemas.microsoft.com/office/drawing/2010/main">
-                  <a:solidFill>
-                    <a:schemeClr val="accent1"/>
-                  </a:solidFill>
-                </a14:hiddenFill>
-              </a:ext>
-              <a:ext uri="{91240B29-F687-4F45-9708-019B960494DF}">
-                <a14:hiddenLine xmlns:a14="http://schemas.microsoft.com/office/drawing/2010/main" w="9525">
-                  <a:solidFill>
-                    <a:schemeClr val="tx1"/>
-                  </a:solidFill>
-                  <a:miter lim="800000"/>
-                  <a:headEnd/>
-                  <a:tailEnd/>
-                </a14:hiddenLine>
-              </a:ext>
-            </a:extLst>
-          </p:spPr>
-        </p:pic>
-        <p:sp>
-          <p:nvSpPr>
-            <p:cNvPr id="3" name="Right Brace 2"/>
-            <p:cNvSpPr/>
-            <p:nvPr/>
-          </p:nvSpPr>
-          <p:spPr>
-            <a:xfrm>
-              <a:off x="5562600" y="1447799"/>
-              <a:ext cx="457200" cy="2543175"/>
-            </a:xfrm>
-            <a:prstGeom prst="rightBrace">
-              <a:avLst>
-                <a:gd name="adj1" fmla="val 40765"/>
-                <a:gd name="adj2" fmla="val 50000"/>
-              </a:avLst>
-            </a:prstGeom>
-            <a:ln w="57150">
-              <a:solidFill>
-                <a:schemeClr val="tx1"/>
-              </a:solidFill>
-            </a:ln>
-          </p:spPr>
-          <p:style>
-            <a:lnRef idx="1">
-              <a:schemeClr val="accent1"/>
-            </a:lnRef>
-            <a:fillRef idx="0">
-              <a:schemeClr val="accent1"/>
-            </a:fillRef>
-            <a:effectRef idx="0">
-              <a:schemeClr val="accent1"/>
-            </a:effectRef>
-            <a:fontRef idx="minor">
-              <a:schemeClr val="tx1"/>
-            </a:fontRef>
-          </p:style>
-          <p:txBody>
-            <a:bodyPr rtlCol="0" anchor="ctr"/>
-            <a:lstStyle/>
-            <a:p>
-              <a:pPr algn="ctr"/>
-              <a:endParaRPr lang="en-US"/>
-            </a:p>
-          </p:txBody>
-        </p:sp>
-        <p:sp>
-          <p:nvSpPr>
-            <p:cNvPr id="4" name="TextBox 3"/>
-            <p:cNvSpPr txBox="1"/>
-            <p:nvPr/>
-          </p:nvSpPr>
-          <p:spPr>
-            <a:xfrm>
-              <a:off x="6160178" y="2209800"/>
-              <a:ext cx="1444626" cy="923330"/>
-            </a:xfrm>
-            <a:prstGeom prst="rect">
-              <a:avLst/>
-            </a:prstGeom>
-            <a:solidFill>
-              <a:schemeClr val="accent1">
-                <a:lumMod val="20000"/>
-                <a:lumOff val="80000"/>
-              </a:schemeClr>
-            </a:solidFill>
-          </p:spPr>
-          <p:txBody>
-            <a:bodyPr wrap="none" rtlCol="0">
-              <a:noAutofit/>
-            </a:bodyPr>
-            <a:lstStyle/>
-            <a:p>
-              <a:pPr algn="ctr"/>
-              <a:r>
-                <a:rPr lang="en-US" b="1" dirty="0" smtClean="0"/>
-                <a:t>From Teensy</a:t>
-              </a:r>
-            </a:p>
-            <a:p>
-              <a:pPr algn="ctr"/>
-              <a:r>
-                <a:rPr lang="en-US" b="1" dirty="0" smtClean="0"/>
-                <a:t>Audio Design</a:t>
-              </a:r>
-            </a:p>
-            <a:p>
-              <a:pPr algn="ctr"/>
-              <a:r>
-                <a:rPr lang="en-US" b="1" dirty="0" smtClean="0"/>
-                <a:t>GUI</a:t>
-              </a:r>
-              <a:endParaRPr lang="en-US" b="1" dirty="0"/>
-            </a:p>
-          </p:txBody>
-        </p:sp>
-        <p:sp>
-          <p:nvSpPr>
-            <p:cNvPr id="5" name="Right Brace 4"/>
-            <p:cNvSpPr/>
-            <p:nvPr/>
-          </p:nvSpPr>
-          <p:spPr>
-            <a:xfrm>
-              <a:off x="5562600" y="4267200"/>
-              <a:ext cx="457200" cy="1905000"/>
-            </a:xfrm>
-            <a:prstGeom prst="rightBrace">
-              <a:avLst>
-                <a:gd name="adj1" fmla="val 40765"/>
-                <a:gd name="adj2" fmla="val 50000"/>
-              </a:avLst>
-            </a:prstGeom>
-            <a:ln w="57150">
-              <a:solidFill>
-                <a:schemeClr val="tx1"/>
-              </a:solidFill>
-            </a:ln>
-          </p:spPr>
-          <p:style>
-            <a:lnRef idx="1">
-              <a:schemeClr val="accent1"/>
-            </a:lnRef>
-            <a:fillRef idx="0">
-              <a:schemeClr val="accent1"/>
-            </a:fillRef>
-            <a:effectRef idx="0">
-              <a:schemeClr val="accent1"/>
-            </a:effectRef>
-            <a:fontRef idx="minor">
-              <a:schemeClr val="tx1"/>
-            </a:fontRef>
-          </p:style>
-          <p:txBody>
-            <a:bodyPr rtlCol="0" anchor="ctr"/>
-            <a:lstStyle/>
-            <a:p>
-              <a:pPr algn="ctr"/>
-              <a:endParaRPr lang="en-US"/>
-            </a:p>
-          </p:txBody>
-        </p:sp>
-        <p:sp>
-          <p:nvSpPr>
-            <p:cNvPr id="6" name="TextBox 5"/>
-            <p:cNvSpPr txBox="1"/>
-            <p:nvPr/>
-          </p:nvSpPr>
-          <p:spPr>
-            <a:xfrm>
-              <a:off x="6175248" y="4758034"/>
-              <a:ext cx="1444752" cy="923544"/>
-            </a:xfrm>
-            <a:prstGeom prst="rect">
-              <a:avLst/>
-            </a:prstGeom>
-            <a:solidFill>
-              <a:schemeClr val="accent2">
-                <a:lumMod val="20000"/>
-                <a:lumOff val="80000"/>
-              </a:schemeClr>
-            </a:solidFill>
-          </p:spPr>
-          <p:txBody>
-            <a:bodyPr wrap="none" rtlCol="0" anchor="ctr" anchorCtr="0">
-              <a:noAutofit/>
-            </a:bodyPr>
-            <a:lstStyle/>
-            <a:p>
-              <a:pPr algn="ctr"/>
-              <a:r>
-                <a:rPr lang="en-US" b="1" dirty="0" smtClean="0"/>
-                <a:t>Add This</a:t>
-              </a:r>
-            </a:p>
-            <a:p>
-              <a:pPr algn="ctr"/>
-              <a:r>
-                <a:rPr lang="en-US" b="1" dirty="0" smtClean="0"/>
-                <a:t>Yourself</a:t>
-              </a:r>
-              <a:endParaRPr lang="en-US" b="1" dirty="0"/>
-            </a:p>
-          </p:txBody>
-        </p:sp>
-      </p:grpSp>
-    </p:spTree>
-    <p:extLst>
-      <p:ext uri="{BB962C8B-B14F-4D97-AF65-F5344CB8AC3E}">
-        <p14:creationId xmlns:p14="http://schemas.microsoft.com/office/powerpoint/2010/main" val="1799156202"/>
-      </p:ext>
-    </p:extLst>
-  </p:cSld>
-  <p:clrMapOvr>
-    <a:masterClrMapping/>
-  </p:clrMapOvr>
-</p:sld>
-</file>
-
-<file path=ppt/slides/slide8.xml><?xml version="1.0" encoding="utf-8"?>
-<p:sld xmlns:a="http://schemas.openxmlformats.org/drawingml/2006/main" xmlns:r="http://schemas.openxmlformats.org/officeDocument/2006/relationships" xmlns:p="http://schemas.openxmlformats.org/presentationml/2006/main">
-  <p:cSld>
-    <p:spTree>
-      <p:nvGrpSpPr>
-        <p:cNvPr id="1" name=""/>
-        <p:cNvGrpSpPr/>
-        <p:nvPr/>
-      </p:nvGrpSpPr>
-      <p:grpSpPr>
-        <a:xfrm>
-          <a:off x="0" y="0"/>
-          <a:ext cx="0" cy="0"/>
-          <a:chOff x="0" y="0"/>
-          <a:chExt cx="0" cy="0"/>
-        </a:xfrm>
-      </p:grpSpPr>
-      <p:grpSp>
-        <p:nvGrpSpPr>
-          <p:cNvPr id="3" name="Group 2"/>
-          <p:cNvGrpSpPr/>
-          <p:nvPr/>
-        </p:nvGrpSpPr>
-        <p:grpSpPr>
-          <a:xfrm>
-            <a:off x="1066800" y="457200"/>
-            <a:ext cx="7029450" cy="5600700"/>
-            <a:chOff x="457200" y="381000"/>
-            <a:chExt cx="7029450" cy="5600700"/>
-          </a:xfrm>
-        </p:grpSpPr>
-        <p:pic>
-          <p:nvPicPr>
-            <p:cNvPr id="2051" name="Picture 3"/>
-            <p:cNvPicPr>
-              <a:picLocks noChangeAspect="1" noChangeArrowheads="1"/>
-            </p:cNvPicPr>
-            <p:nvPr/>
-          </p:nvPicPr>
-          <p:blipFill rotWithShape="1">
-            <a:blip r:embed="rId2">
-              <a:extLst>
-                <a:ext uri="{28A0092B-C50C-407E-A947-70E740481C1C}">
-                  <a14:useLocalDpi xmlns:a14="http://schemas.microsoft.com/office/drawing/2010/main" val="0"/>
-                </a:ext>
-              </a:extLst>
-            </a:blip>
-            <a:srcRect l="28875" r="25000" b="34667"/>
-            <a:stretch/>
-          </p:blipFill>
-          <p:spPr bwMode="auto">
-            <a:xfrm>
-              <a:off x="457200" y="381000"/>
-              <a:ext cx="7029450" cy="5600700"/>
-            </a:xfrm>
-            <a:prstGeom prst="rect">
-              <a:avLst/>
-            </a:prstGeom>
-            <a:noFill/>
-            <a:ln w="19050">
-              <a:solidFill>
-                <a:schemeClr val="tx1"/>
-              </a:solidFill>
-              <a:miter lim="800000"/>
-              <a:headEnd/>
-              <a:tailEnd/>
-            </a:ln>
-            <a:extLst>
-              <a:ext uri="{909E8E84-426E-40DD-AFC4-6F175D3DCCD1}">
-                <a14:hiddenFill xmlns:a14="http://schemas.microsoft.com/office/drawing/2010/main">
-                  <a:solidFill>
-                    <a:schemeClr val="accent1"/>
-                  </a:solidFill>
-                </a14:hiddenFill>
-              </a:ext>
-            </a:extLst>
-          </p:spPr>
-        </p:pic>
-        <p:sp>
-          <p:nvSpPr>
-            <p:cNvPr id="2" name="Right Arrow 1"/>
-            <p:cNvSpPr/>
-            <p:nvPr/>
-          </p:nvSpPr>
-          <p:spPr>
-            <a:xfrm rot="13500000">
-              <a:off x="6386979" y="4407153"/>
-              <a:ext cx="769189" cy="381000"/>
-            </a:xfrm>
-            <a:prstGeom prst="rightArrow">
-              <a:avLst/>
-            </a:prstGeom>
-            <a:solidFill>
-              <a:srgbClr val="FFFF00"/>
-            </a:solidFill>
-            <a:ln>
-              <a:solidFill>
-                <a:schemeClr val="tx1"/>
-              </a:solidFill>
-            </a:ln>
-          </p:spPr>
-          <p:style>
-            <a:lnRef idx="2">
-              <a:schemeClr val="accent1">
-                <a:shade val="50000"/>
-              </a:schemeClr>
-            </a:lnRef>
-            <a:fillRef idx="1">
-              <a:schemeClr val="accent1"/>
-            </a:fillRef>
-            <a:effectRef idx="0">
-              <a:schemeClr val="accent1"/>
-            </a:effectRef>
-            <a:fontRef idx="minor">
-              <a:schemeClr val="lt1"/>
-            </a:fontRef>
-          </p:style>
-          <p:txBody>
-            <a:bodyPr rtlCol="0" anchor="ctr"/>
-            <a:lstStyle/>
-            <a:p>
-              <a:pPr algn="ctr"/>
-              <a:endParaRPr lang="en-US"/>
-            </a:p>
-          </p:txBody>
-        </p:sp>
-      </p:grpSp>
-    </p:spTree>
-    <p:extLst>
-      <p:ext uri="{BB962C8B-B14F-4D97-AF65-F5344CB8AC3E}">
-        <p14:creationId xmlns:p14="http://schemas.microsoft.com/office/powerpoint/2010/main" val="1830642784"/>
-      </p:ext>
-    </p:extLst>
-  </p:cSld>
-  <p:clrMapOvr>
-    <a:masterClrMapping/>
-  </p:clrMapOvr>
-</p:sld>
-</file>
-
-<file path=ppt/slides/slide9.xml><?xml version="1.0" encoding="utf-8"?>
-<p:sld xmlns:a="http://schemas.openxmlformats.org/drawingml/2006/main" xmlns:r="http://schemas.openxmlformats.org/officeDocument/2006/relationships" xmlns:p="http://schemas.openxmlformats.org/presentationml/2006/main">
-  <p:cSld>
-    <p:spTree>
-      <p:nvGrpSpPr>
-        <p:cNvPr id="1" name=""/>
-        <p:cNvGrpSpPr/>
-        <p:nvPr/>
-      </p:nvGrpSpPr>
-      <p:grpSpPr>
-        <a:xfrm>
-          <a:off x="0" y="0"/>
-          <a:ext cx="0" cy="0"/>
-          <a:chOff x="0" y="0"/>
-          <a:chExt cx="0" cy="0"/>
-        </a:xfrm>
-      </p:grpSpPr>
-      <p:grpSp>
-        <p:nvGrpSpPr>
-          <p:cNvPr id="3" name="Group 2"/>
-          <p:cNvGrpSpPr/>
-          <p:nvPr/>
-        </p:nvGrpSpPr>
-        <p:grpSpPr>
-          <a:xfrm>
-            <a:off x="1066800" y="420130"/>
-            <a:ext cx="7315200" cy="5912424"/>
-            <a:chOff x="1066800" y="420130"/>
-            <a:chExt cx="7315200" cy="5912424"/>
-          </a:xfrm>
-        </p:grpSpPr>
-        <p:pic>
-          <p:nvPicPr>
-            <p:cNvPr id="1026" name="Picture 2"/>
-            <p:cNvPicPr>
-              <a:picLocks noChangeAspect="1" noChangeArrowheads="1"/>
-            </p:cNvPicPr>
-            <p:nvPr/>
-          </p:nvPicPr>
-          <p:blipFill rotWithShape="1">
-            <a:blip r:embed="rId2">
-              <a:extLst>
-                <a:ext uri="{28A0092B-C50C-407E-A947-70E740481C1C}">
-                  <a14:useLocalDpi xmlns:a14="http://schemas.microsoft.com/office/drawing/2010/main" val="0"/>
-                </a:ext>
-              </a:extLst>
-            </a:blip>
-            <a:srcRect l="20583" t="7111" r="22606" b="11260"/>
-            <a:stretch/>
-          </p:blipFill>
-          <p:spPr bwMode="auto">
-            <a:xfrm>
-              <a:off x="1066800" y="420130"/>
-              <a:ext cx="7315200" cy="5912424"/>
-            </a:xfrm>
-            <a:prstGeom prst="rect">
-              <a:avLst/>
-            </a:prstGeom>
-            <a:noFill/>
-            <a:ln>
-              <a:noFill/>
-            </a:ln>
-            <a:extLst>
-              <a:ext uri="{909E8E84-426E-40DD-AFC4-6F175D3DCCD1}">
-                <a14:hiddenFill xmlns:a14="http://schemas.microsoft.com/office/drawing/2010/main">
-                  <a:solidFill>
-                    <a:schemeClr val="accent1"/>
-                  </a:solidFill>
-                </a14:hiddenFill>
-              </a:ext>
-              <a:ext uri="{91240B29-F687-4F45-9708-019B960494DF}">
-                <a14:hiddenLine xmlns:a14="http://schemas.microsoft.com/office/drawing/2010/main" w="9525">
-                  <a:solidFill>
-                    <a:schemeClr val="tx1"/>
-                  </a:solidFill>
-                  <a:miter lim="800000"/>
-                  <a:headEnd/>
-                  <a:tailEnd/>
-                </a14:hiddenLine>
-              </a:ext>
-            </a:extLst>
-          </p:spPr>
-        </p:pic>
-        <p:sp>
-          <p:nvSpPr>
-            <p:cNvPr id="2" name="Left Arrow 1"/>
+            <p:cNvPr id="3" name="Left Arrow 2"/>
             <p:cNvSpPr/>
             <p:nvPr/>
           </p:nvSpPr>
           <p:spPr>
             <a:xfrm rot="20582199">
-              <a:off x="6501398" y="1598479"/>
+              <a:off x="6200514" y="1598479"/>
               <a:ext cx="1699888" cy="969931"/>
             </a:xfrm>
             <a:prstGeom prst="leftArrow">
@@ -5919,7 +5517,7 @@
           </p:nvSpPr>
           <p:spPr>
             <a:xfrm rot="20582199">
-              <a:off x="6501398" y="2741480"/>
+              <a:off x="6200514" y="2741480"/>
               <a:ext cx="1699888" cy="969931"/>
             </a:xfrm>
             <a:prstGeom prst="leftArrow">
@@ -5977,15 +5575,1370 @@
             </a:p>
           </p:txBody>
         </p:sp>
+      </p:grpSp>
+    </p:spTree>
+    <p:extLst>
+      <p:ext uri="{BB962C8B-B14F-4D97-AF65-F5344CB8AC3E}">
+        <p14:creationId xmlns:p14="http://schemas.microsoft.com/office/powerpoint/2010/main" val="781595441"/>
+      </p:ext>
+    </p:extLst>
+  </p:cSld>
+  <p:clrMapOvr>
+    <a:masterClrMapping/>
+  </p:clrMapOvr>
+</p:sld>
+</file>
+
+<file path=ppt/slides/slide2.xml><?xml version="1.0" encoding="utf-8"?>
+<p:sld xmlns:a="http://schemas.openxmlformats.org/drawingml/2006/main" xmlns:r="http://schemas.openxmlformats.org/officeDocument/2006/relationships" xmlns:p="http://schemas.openxmlformats.org/presentationml/2006/main">
+  <p:cSld>
+    <p:spTree>
+      <p:nvGrpSpPr>
+        <p:cNvPr id="1" name=""/>
+        <p:cNvGrpSpPr/>
+        <p:nvPr/>
+      </p:nvGrpSpPr>
+      <p:grpSpPr>
+        <a:xfrm>
+          <a:off x="0" y="0"/>
+          <a:ext cx="0" cy="0"/>
+          <a:chOff x="0" y="0"/>
+          <a:chExt cx="0" cy="0"/>
+        </a:xfrm>
+      </p:grpSpPr>
+      <p:pic>
+        <p:nvPicPr>
+          <p:cNvPr id="3074" name="Picture 2"/>
+          <p:cNvPicPr>
+            <a:picLocks noChangeAspect="1" noChangeArrowheads="1"/>
+          </p:cNvPicPr>
+          <p:nvPr/>
+        </p:nvPicPr>
+        <p:blipFill rotWithShape="1">
+          <a:blip r:embed="rId2">
+            <a:extLst>
+              <a:ext uri="{28A0092B-C50C-407E-A947-70E740481C1C}">
+                <a14:useLocalDpi xmlns:a14="http://schemas.microsoft.com/office/drawing/2010/main" val="0"/>
+              </a:ext>
+            </a:extLst>
+          </a:blip>
+          <a:srcRect t="7769" r="7340" b="8907"/>
+          <a:stretch/>
+        </p:blipFill>
+        <p:spPr bwMode="auto">
+          <a:xfrm>
+            <a:off x="1905000" y="1726722"/>
+            <a:ext cx="5077783" cy="3226278"/>
+          </a:xfrm>
+          <a:prstGeom prst="rect">
+            <a:avLst/>
+          </a:prstGeom>
+          <a:noFill/>
+          <a:ln>
+            <a:noFill/>
+          </a:ln>
+          <a:effectLst/>
+          <a:extLst>
+            <a:ext uri="{909E8E84-426E-40DD-AFC4-6F175D3DCCD1}">
+              <a14:hiddenFill xmlns:a14="http://schemas.microsoft.com/office/drawing/2010/main">
+                <a:solidFill>
+                  <a:schemeClr val="accent1"/>
+                </a:solidFill>
+              </a14:hiddenFill>
+            </a:ext>
+            <a:ext uri="{91240B29-F687-4F45-9708-019B960494DF}">
+              <a14:hiddenLine xmlns:a14="http://schemas.microsoft.com/office/drawing/2010/main" w="9525">
+                <a:solidFill>
+                  <a:schemeClr val="tx1"/>
+                </a:solidFill>
+                <a:miter lim="800000"/>
+                <a:headEnd/>
+                <a:tailEnd/>
+              </a14:hiddenLine>
+            </a:ext>
+            <a:ext uri="{AF507438-7753-43E0-B8FC-AC1667EBCBE1}">
+              <a14:hiddenEffects xmlns:a14="http://schemas.microsoft.com/office/drawing/2010/main">
+                <a:effectLst>
+                  <a:outerShdw dist="35921" dir="2700000" algn="ctr" rotWithShape="0">
+                    <a:schemeClr val="bg2"/>
+                  </a:outerShdw>
+                </a:effectLst>
+              </a14:hiddenEffects>
+            </a:ext>
+          </a:extLst>
+        </p:spPr>
+      </p:pic>
+    </p:spTree>
+    <p:extLst>
+      <p:ext uri="{BB962C8B-B14F-4D97-AF65-F5344CB8AC3E}">
+        <p14:creationId xmlns:p14="http://schemas.microsoft.com/office/powerpoint/2010/main" val="125460866"/>
+      </p:ext>
+    </p:extLst>
+  </p:cSld>
+  <p:clrMapOvr>
+    <a:masterClrMapping/>
+  </p:clrMapOvr>
+</p:sld>
+</file>
+
+<file path=ppt/slides/slide3.xml><?xml version="1.0" encoding="utf-8"?>
+<p:sld xmlns:a="http://schemas.openxmlformats.org/drawingml/2006/main" xmlns:r="http://schemas.openxmlformats.org/officeDocument/2006/relationships" xmlns:p="http://schemas.openxmlformats.org/presentationml/2006/main">
+  <p:cSld>
+    <p:spTree>
+      <p:nvGrpSpPr>
+        <p:cNvPr id="1" name=""/>
+        <p:cNvGrpSpPr/>
+        <p:nvPr/>
+      </p:nvGrpSpPr>
+      <p:grpSpPr>
+        <a:xfrm>
+          <a:off x="0" y="0"/>
+          <a:ext cx="0" cy="0"/>
+          <a:chOff x="0" y="0"/>
+          <a:chExt cx="0" cy="0"/>
+        </a:xfrm>
+      </p:grpSpPr>
+      <p:grpSp>
+        <p:nvGrpSpPr>
+          <p:cNvPr id="4" name="Group 3"/>
+          <p:cNvGrpSpPr/>
+          <p:nvPr/>
+        </p:nvGrpSpPr>
+        <p:grpSpPr>
+          <a:xfrm>
+            <a:off x="1066800" y="990600"/>
+            <a:ext cx="6400800" cy="4269448"/>
+            <a:chOff x="1066800" y="990600"/>
+            <a:chExt cx="6400800" cy="4269448"/>
+          </a:xfrm>
+        </p:grpSpPr>
+        <p:pic>
+          <p:nvPicPr>
+            <p:cNvPr id="4101" name="Picture 5"/>
+            <p:cNvPicPr>
+              <a:picLocks noChangeAspect="1" noChangeArrowheads="1"/>
+            </p:cNvPicPr>
+            <p:nvPr/>
+          </p:nvPicPr>
+          <p:blipFill>
+            <a:blip r:embed="rId2">
+              <a:extLst>
+                <a:ext uri="{28A0092B-C50C-407E-A947-70E740481C1C}">
+                  <a14:useLocalDpi xmlns:a14="http://schemas.microsoft.com/office/drawing/2010/main" val="0"/>
+                </a:ext>
+              </a:extLst>
+            </a:blip>
+            <a:srcRect/>
+            <a:stretch>
+              <a:fillRect/>
+            </a:stretch>
+          </p:blipFill>
+          <p:spPr bwMode="auto">
+            <a:xfrm>
+              <a:off x="1066800" y="990600"/>
+              <a:ext cx="6400800" cy="4269448"/>
+            </a:xfrm>
+            <a:prstGeom prst="rect">
+              <a:avLst/>
+            </a:prstGeom>
+            <a:noFill/>
+            <a:ln>
+              <a:noFill/>
+            </a:ln>
+            <a:extLst>
+              <a:ext uri="{909E8E84-426E-40DD-AFC4-6F175D3DCCD1}">
+                <a14:hiddenFill xmlns:a14="http://schemas.microsoft.com/office/drawing/2010/main">
+                  <a:solidFill>
+                    <a:schemeClr val="accent1"/>
+                  </a:solidFill>
+                </a14:hiddenFill>
+              </a:ext>
+              <a:ext uri="{91240B29-F687-4F45-9708-019B960494DF}">
+                <a14:hiddenLine xmlns:a14="http://schemas.microsoft.com/office/drawing/2010/main" w="9525">
+                  <a:solidFill>
+                    <a:schemeClr val="tx1"/>
+                  </a:solidFill>
+                  <a:miter lim="800000"/>
+                  <a:headEnd/>
+                  <a:tailEnd/>
+                </a14:hiddenLine>
+              </a:ext>
+            </a:extLst>
+          </p:spPr>
+        </p:pic>
         <p:sp>
           <p:nvSpPr>
-            <p:cNvPr id="6" name="Left Arrow 5"/>
+            <p:cNvPr id="6" name="Right Arrow 5"/>
             <p:cNvSpPr/>
             <p:nvPr/>
           </p:nvSpPr>
           <p:spPr>
-            <a:xfrm rot="19759751">
-              <a:off x="3418215" y="874501"/>
+            <a:xfrm rot="2107921">
+              <a:off x="1530273" y="2473621"/>
+              <a:ext cx="1075059" cy="626958"/>
+            </a:xfrm>
+            <a:prstGeom prst="rightArrow">
+              <a:avLst/>
+            </a:prstGeom>
+            <a:solidFill>
+              <a:srgbClr val="FFFF00"/>
+            </a:solidFill>
+            <a:ln>
+              <a:solidFill>
+                <a:schemeClr val="tx1"/>
+              </a:solidFill>
+            </a:ln>
+          </p:spPr>
+          <p:style>
+            <a:lnRef idx="2">
+              <a:schemeClr val="accent1">
+                <a:shade val="50000"/>
+              </a:schemeClr>
+            </a:lnRef>
+            <a:fillRef idx="1">
+              <a:schemeClr val="accent1"/>
+            </a:fillRef>
+            <a:effectRef idx="0">
+              <a:schemeClr val="accent1"/>
+            </a:effectRef>
+            <a:fontRef idx="minor">
+              <a:schemeClr val="lt1"/>
+            </a:fontRef>
+          </p:style>
+          <p:txBody>
+            <a:bodyPr rtlCol="0" anchor="ctr"/>
+            <a:lstStyle/>
+            <a:p>
+              <a:pPr algn="ctr"/>
+              <a:r>
+                <a:rPr lang="en-US" dirty="0" smtClean="0">
+                  <a:solidFill>
+                    <a:schemeClr val="tx1"/>
+                  </a:solidFill>
+                </a:rPr>
+                <a:t>Input</a:t>
+              </a:r>
+              <a:endParaRPr lang="en-US" dirty="0">
+                <a:solidFill>
+                  <a:schemeClr val="tx1"/>
+                </a:solidFill>
+              </a:endParaRPr>
+            </a:p>
+          </p:txBody>
+        </p:sp>
+        <p:sp>
+          <p:nvSpPr>
+            <p:cNvPr id="7" name="Right Arrow 6"/>
+            <p:cNvSpPr/>
+            <p:nvPr/>
+          </p:nvSpPr>
+          <p:spPr>
+            <a:xfrm rot="19492079" flipH="1">
+              <a:off x="4633668" y="2473621"/>
+              <a:ext cx="1075059" cy="626958"/>
+            </a:xfrm>
+            <a:prstGeom prst="rightArrow">
+              <a:avLst/>
+            </a:prstGeom>
+            <a:solidFill>
+              <a:srgbClr val="FFFF00"/>
+            </a:solidFill>
+            <a:ln>
+              <a:solidFill>
+                <a:schemeClr val="tx1"/>
+              </a:solidFill>
+            </a:ln>
+          </p:spPr>
+          <p:style>
+            <a:lnRef idx="2">
+              <a:schemeClr val="accent1">
+                <a:shade val="50000"/>
+              </a:schemeClr>
+            </a:lnRef>
+            <a:fillRef idx="1">
+              <a:schemeClr val="accent1"/>
+            </a:fillRef>
+            <a:effectRef idx="0">
+              <a:schemeClr val="accent1"/>
+            </a:effectRef>
+            <a:fontRef idx="minor">
+              <a:schemeClr val="lt1"/>
+            </a:fontRef>
+          </p:style>
+          <p:txBody>
+            <a:bodyPr rtlCol="0" anchor="ctr"/>
+            <a:lstStyle/>
+            <a:p>
+              <a:pPr algn="ctr"/>
+              <a:r>
+                <a:rPr lang="en-US" dirty="0" smtClean="0">
+                  <a:solidFill>
+                    <a:schemeClr val="tx1"/>
+                  </a:solidFill>
+                </a:rPr>
+                <a:t>Output</a:t>
+              </a:r>
+              <a:endParaRPr lang="en-US" dirty="0">
+                <a:solidFill>
+                  <a:schemeClr val="tx1"/>
+                </a:solidFill>
+              </a:endParaRPr>
+            </a:p>
+          </p:txBody>
+        </p:sp>
+        <p:sp>
+          <p:nvSpPr>
+            <p:cNvPr id="11" name="Right Arrow 10"/>
+            <p:cNvSpPr/>
+            <p:nvPr/>
+          </p:nvSpPr>
+          <p:spPr>
+            <a:xfrm rot="19860203">
+              <a:off x="2218182" y="3647565"/>
+              <a:ext cx="1075059" cy="626958"/>
+            </a:xfrm>
+            <a:prstGeom prst="rightArrow">
+              <a:avLst/>
+            </a:prstGeom>
+            <a:solidFill>
+              <a:srgbClr val="FFFF00"/>
+            </a:solidFill>
+            <a:ln>
+              <a:solidFill>
+                <a:schemeClr val="tx1"/>
+              </a:solidFill>
+            </a:ln>
+          </p:spPr>
+          <p:style>
+            <a:lnRef idx="2">
+              <a:schemeClr val="accent1">
+                <a:shade val="50000"/>
+              </a:schemeClr>
+            </a:lnRef>
+            <a:fillRef idx="1">
+              <a:schemeClr val="accent1"/>
+            </a:fillRef>
+            <a:effectRef idx="0">
+              <a:schemeClr val="accent1"/>
+            </a:effectRef>
+            <a:fontRef idx="minor">
+              <a:schemeClr val="lt1"/>
+            </a:fontRef>
+          </p:style>
+          <p:txBody>
+            <a:bodyPr rtlCol="0" anchor="ctr"/>
+            <a:lstStyle/>
+            <a:p>
+              <a:pPr algn="ctr"/>
+              <a:r>
+                <a:rPr lang="en-US" dirty="0" smtClean="0">
+                  <a:solidFill>
+                    <a:schemeClr val="tx1"/>
+                  </a:solidFill>
+                </a:rPr>
+                <a:t>Filter</a:t>
+              </a:r>
+              <a:endParaRPr lang="en-US" dirty="0">
+                <a:solidFill>
+                  <a:schemeClr val="tx1"/>
+                </a:solidFill>
+              </a:endParaRPr>
+            </a:p>
+          </p:txBody>
+        </p:sp>
+        <p:sp>
+          <p:nvSpPr>
+            <p:cNvPr id="3" name="TextBox 2"/>
+            <p:cNvSpPr txBox="1"/>
+            <p:nvPr/>
+          </p:nvSpPr>
+          <p:spPr>
+            <a:xfrm>
+              <a:off x="2539782" y="4431268"/>
+              <a:ext cx="2450992" cy="400110"/>
+            </a:xfrm>
+            <a:prstGeom prst="rect">
+              <a:avLst/>
+            </a:prstGeom>
+            <a:solidFill>
+              <a:srgbClr val="FF0000"/>
+            </a:solidFill>
+          </p:spPr>
+          <p:txBody>
+            <a:bodyPr wrap="none" rtlCol="0">
+              <a:spAutoFit/>
+            </a:bodyPr>
+            <a:lstStyle/>
+            <a:p>
+              <a:pPr algn="ctr"/>
+              <a:r>
+                <a:rPr lang="en-US" sz="2000" b="1" dirty="0" smtClean="0">
+                  <a:solidFill>
+                    <a:schemeClr val="bg1"/>
+                  </a:solidFill>
+                </a:rPr>
+                <a:t>(Note: Doesn’t Work)</a:t>
+              </a:r>
+              <a:endParaRPr lang="en-US" sz="2000" b="1" dirty="0">
+                <a:solidFill>
+                  <a:schemeClr val="bg1"/>
+                </a:solidFill>
+              </a:endParaRPr>
+            </a:p>
+          </p:txBody>
+        </p:sp>
+      </p:grpSp>
+    </p:spTree>
+    <p:extLst>
+      <p:ext uri="{BB962C8B-B14F-4D97-AF65-F5344CB8AC3E}">
+        <p14:creationId xmlns:p14="http://schemas.microsoft.com/office/powerpoint/2010/main" val="2377457894"/>
+      </p:ext>
+    </p:extLst>
+  </p:cSld>
+  <p:clrMapOvr>
+    <a:masterClrMapping/>
+  </p:clrMapOvr>
+</p:sld>
+</file>
+
+<file path=ppt/slides/slide4.xml><?xml version="1.0" encoding="utf-8"?>
+<p:sld xmlns:a="http://schemas.openxmlformats.org/drawingml/2006/main" xmlns:r="http://schemas.openxmlformats.org/officeDocument/2006/relationships" xmlns:p="http://schemas.openxmlformats.org/presentationml/2006/main">
+  <p:cSld>
+    <p:spTree>
+      <p:nvGrpSpPr>
+        <p:cNvPr id="1" name=""/>
+        <p:cNvGrpSpPr/>
+        <p:nvPr/>
+      </p:nvGrpSpPr>
+      <p:grpSpPr>
+        <a:xfrm>
+          <a:off x="0" y="0"/>
+          <a:ext cx="0" cy="0"/>
+          <a:chOff x="0" y="0"/>
+          <a:chExt cx="0" cy="0"/>
+        </a:xfrm>
+      </p:grpSpPr>
+      <p:grpSp>
+        <p:nvGrpSpPr>
+          <p:cNvPr id="3" name="Group 2"/>
+          <p:cNvGrpSpPr/>
+          <p:nvPr/>
+        </p:nvGrpSpPr>
+        <p:grpSpPr>
+          <a:xfrm>
+            <a:off x="1295400" y="1447800"/>
+            <a:ext cx="6400800" cy="4269448"/>
+            <a:chOff x="1295400" y="1447800"/>
+            <a:chExt cx="6400800" cy="4269448"/>
+          </a:xfrm>
+        </p:grpSpPr>
+        <p:pic>
+          <p:nvPicPr>
+            <p:cNvPr id="7170" name="Picture 2"/>
+            <p:cNvPicPr>
+              <a:picLocks noChangeAspect="1" noChangeArrowheads="1"/>
+            </p:cNvPicPr>
+            <p:nvPr/>
+          </p:nvPicPr>
+          <p:blipFill>
+            <a:blip r:embed="rId2">
+              <a:extLst>
+                <a:ext uri="{28A0092B-C50C-407E-A947-70E740481C1C}">
+                  <a14:useLocalDpi xmlns:a14="http://schemas.microsoft.com/office/drawing/2010/main" val="0"/>
+                </a:ext>
+              </a:extLst>
+            </a:blip>
+            <a:srcRect/>
+            <a:stretch>
+              <a:fillRect/>
+            </a:stretch>
+          </p:blipFill>
+          <p:spPr bwMode="auto">
+            <a:xfrm>
+              <a:off x="1295400" y="1447800"/>
+              <a:ext cx="6400800" cy="4269448"/>
+            </a:xfrm>
+            <a:prstGeom prst="rect">
+              <a:avLst/>
+            </a:prstGeom>
+            <a:noFill/>
+            <a:ln>
+              <a:noFill/>
+            </a:ln>
+            <a:extLst>
+              <a:ext uri="{909E8E84-426E-40DD-AFC4-6F175D3DCCD1}">
+                <a14:hiddenFill xmlns:a14="http://schemas.microsoft.com/office/drawing/2010/main">
+                  <a:solidFill>
+                    <a:schemeClr val="accent1"/>
+                  </a:solidFill>
+                </a14:hiddenFill>
+              </a:ext>
+              <a:ext uri="{91240B29-F687-4F45-9708-019B960494DF}">
+                <a14:hiddenLine xmlns:a14="http://schemas.microsoft.com/office/drawing/2010/main" w="9525">
+                  <a:solidFill>
+                    <a:schemeClr val="tx1"/>
+                  </a:solidFill>
+                  <a:miter lim="800000"/>
+                  <a:headEnd/>
+                  <a:tailEnd/>
+                </a14:hiddenLine>
+              </a:ext>
+            </a:extLst>
+          </p:spPr>
+        </p:pic>
+        <p:sp>
+          <p:nvSpPr>
+            <p:cNvPr id="4" name="Right Arrow 3"/>
+            <p:cNvSpPr/>
+            <p:nvPr/>
+          </p:nvSpPr>
+          <p:spPr>
+            <a:xfrm rot="1882504">
+              <a:off x="2523011" y="2644221"/>
+              <a:ext cx="1075059" cy="626958"/>
+            </a:xfrm>
+            <a:prstGeom prst="rightArrow">
+              <a:avLst/>
+            </a:prstGeom>
+            <a:solidFill>
+              <a:srgbClr val="FFFF00"/>
+            </a:solidFill>
+            <a:ln>
+              <a:solidFill>
+                <a:schemeClr val="tx1"/>
+              </a:solidFill>
+            </a:ln>
+          </p:spPr>
+          <p:style>
+            <a:lnRef idx="2">
+              <a:schemeClr val="accent1">
+                <a:shade val="50000"/>
+              </a:schemeClr>
+            </a:lnRef>
+            <a:fillRef idx="1">
+              <a:schemeClr val="accent1"/>
+            </a:fillRef>
+            <a:effectRef idx="0">
+              <a:schemeClr val="accent1"/>
+            </a:effectRef>
+            <a:fontRef idx="minor">
+              <a:schemeClr val="lt1"/>
+            </a:fontRef>
+          </p:style>
+          <p:txBody>
+            <a:bodyPr rtlCol="0" anchor="ctr"/>
+            <a:lstStyle/>
+            <a:p>
+              <a:pPr algn="ctr"/>
+              <a:r>
+                <a:rPr lang="en-US" dirty="0" smtClean="0">
+                  <a:solidFill>
+                    <a:schemeClr val="tx1"/>
+                  </a:solidFill>
+                </a:rPr>
+                <a:t>Added</a:t>
+              </a:r>
+              <a:endParaRPr lang="en-US" dirty="0">
+                <a:solidFill>
+                  <a:schemeClr val="tx1"/>
+                </a:solidFill>
+              </a:endParaRPr>
+            </a:p>
+          </p:txBody>
+        </p:sp>
+        <p:sp>
+          <p:nvSpPr>
+            <p:cNvPr id="5" name="Right Arrow 4"/>
+            <p:cNvSpPr/>
+            <p:nvPr/>
+          </p:nvSpPr>
+          <p:spPr>
+            <a:xfrm rot="18637920">
+              <a:off x="3979930" y="4489594"/>
+              <a:ext cx="1075059" cy="626958"/>
+            </a:xfrm>
+            <a:prstGeom prst="rightArrow">
+              <a:avLst/>
+            </a:prstGeom>
+            <a:solidFill>
+              <a:srgbClr val="FFFF00"/>
+            </a:solidFill>
+            <a:ln>
+              <a:solidFill>
+                <a:schemeClr val="tx1"/>
+              </a:solidFill>
+            </a:ln>
+          </p:spPr>
+          <p:style>
+            <a:lnRef idx="2">
+              <a:schemeClr val="accent1">
+                <a:shade val="50000"/>
+              </a:schemeClr>
+            </a:lnRef>
+            <a:fillRef idx="1">
+              <a:schemeClr val="accent1"/>
+            </a:fillRef>
+            <a:effectRef idx="0">
+              <a:schemeClr val="accent1"/>
+            </a:effectRef>
+            <a:fontRef idx="minor">
+              <a:schemeClr val="lt1"/>
+            </a:fontRef>
+          </p:style>
+          <p:txBody>
+            <a:bodyPr rtlCol="0" anchor="ctr"/>
+            <a:lstStyle/>
+            <a:p>
+              <a:pPr algn="ctr"/>
+              <a:r>
+                <a:rPr lang="en-US" dirty="0" smtClean="0">
+                  <a:solidFill>
+                    <a:schemeClr val="tx1"/>
+                  </a:solidFill>
+                </a:rPr>
+                <a:t>Added</a:t>
+              </a:r>
+              <a:endParaRPr lang="en-US" dirty="0">
+                <a:solidFill>
+                  <a:schemeClr val="tx1"/>
+                </a:solidFill>
+              </a:endParaRPr>
+            </a:p>
+          </p:txBody>
+        </p:sp>
+      </p:grpSp>
+    </p:spTree>
+    <p:extLst>
+      <p:ext uri="{BB962C8B-B14F-4D97-AF65-F5344CB8AC3E}">
+        <p14:creationId xmlns:p14="http://schemas.microsoft.com/office/powerpoint/2010/main" val="2065081480"/>
+      </p:ext>
+    </p:extLst>
+  </p:cSld>
+  <p:clrMapOvr>
+    <a:masterClrMapping/>
+  </p:clrMapOvr>
+</p:sld>
+</file>
+
+<file path=ppt/slides/slide5.xml><?xml version="1.0" encoding="utf-8"?>
+<p:sld xmlns:a="http://schemas.openxmlformats.org/drawingml/2006/main" xmlns:r="http://schemas.openxmlformats.org/officeDocument/2006/relationships" xmlns:p="http://schemas.openxmlformats.org/presentationml/2006/main">
+  <p:cSld>
+    <p:spTree>
+      <p:nvGrpSpPr>
+        <p:cNvPr id="1" name=""/>
+        <p:cNvGrpSpPr/>
+        <p:nvPr/>
+      </p:nvGrpSpPr>
+      <p:grpSpPr>
+        <a:xfrm>
+          <a:off x="0" y="0"/>
+          <a:ext cx="0" cy="0"/>
+          <a:chOff x="0" y="0"/>
+          <a:chExt cx="0" cy="0"/>
+        </a:xfrm>
+      </p:grpSpPr>
+      <p:grpSp>
+        <p:nvGrpSpPr>
+          <p:cNvPr id="2" name="Group 1"/>
+          <p:cNvGrpSpPr/>
+          <p:nvPr/>
+        </p:nvGrpSpPr>
+        <p:grpSpPr>
+          <a:xfrm>
+            <a:off x="1547812" y="228600"/>
+            <a:ext cx="5005514" cy="6400800"/>
+            <a:chOff x="1547812" y="0"/>
+            <a:chExt cx="5005514" cy="6400800"/>
+          </a:xfrm>
+        </p:grpSpPr>
+        <p:pic>
+          <p:nvPicPr>
+            <p:cNvPr id="9218" name="Picture 2"/>
+            <p:cNvPicPr>
+              <a:picLocks noChangeAspect="1" noChangeArrowheads="1"/>
+            </p:cNvPicPr>
+            <p:nvPr/>
+          </p:nvPicPr>
+          <p:blipFill>
+            <a:blip r:embed="rId2">
+              <a:extLst>
+                <a:ext uri="{28A0092B-C50C-407E-A947-70E740481C1C}">
+                  <a14:useLocalDpi xmlns:a14="http://schemas.microsoft.com/office/drawing/2010/main" val="0"/>
+                </a:ext>
+              </a:extLst>
+            </a:blip>
+            <a:srcRect/>
+            <a:stretch>
+              <a:fillRect/>
+            </a:stretch>
+          </p:blipFill>
+          <p:spPr bwMode="auto">
+            <a:xfrm>
+              <a:off x="1547812" y="0"/>
+              <a:ext cx="4993252" cy="6400800"/>
+            </a:xfrm>
+            <a:prstGeom prst="rect">
+              <a:avLst/>
+            </a:prstGeom>
+            <a:noFill/>
+            <a:ln>
+              <a:noFill/>
+            </a:ln>
+            <a:extLst>
+              <a:ext uri="{909E8E84-426E-40DD-AFC4-6F175D3DCCD1}">
+                <a14:hiddenFill xmlns:a14="http://schemas.microsoft.com/office/drawing/2010/main">
+                  <a:solidFill>
+                    <a:schemeClr val="accent1"/>
+                  </a:solidFill>
+                </a14:hiddenFill>
+              </a:ext>
+              <a:ext uri="{91240B29-F687-4F45-9708-019B960494DF}">
+                <a14:hiddenLine xmlns:a14="http://schemas.microsoft.com/office/drawing/2010/main" w="9525">
+                  <a:solidFill>
+                    <a:schemeClr val="tx1"/>
+                  </a:solidFill>
+                  <a:miter lim="800000"/>
+                  <a:headEnd/>
+                  <a:tailEnd/>
+                </a14:hiddenLine>
+              </a:ext>
+            </a:extLst>
+          </p:spPr>
+        </p:pic>
+        <p:sp>
+          <p:nvSpPr>
+            <p:cNvPr id="3" name="Right Brace 2"/>
+            <p:cNvSpPr/>
+            <p:nvPr/>
+          </p:nvSpPr>
+          <p:spPr>
+            <a:xfrm>
+              <a:off x="4651374" y="1066800"/>
+              <a:ext cx="457200" cy="2209800"/>
+            </a:xfrm>
+            <a:prstGeom prst="rightBrace">
+              <a:avLst>
+                <a:gd name="adj1" fmla="val 25181"/>
+                <a:gd name="adj2" fmla="val 50000"/>
+              </a:avLst>
+            </a:prstGeom>
+            <a:ln w="57150">
+              <a:solidFill>
+                <a:schemeClr val="tx1"/>
+              </a:solidFill>
+            </a:ln>
+          </p:spPr>
+          <p:style>
+            <a:lnRef idx="1">
+              <a:schemeClr val="accent1"/>
+            </a:lnRef>
+            <a:fillRef idx="0">
+              <a:schemeClr val="accent1"/>
+            </a:fillRef>
+            <a:effectRef idx="0">
+              <a:schemeClr val="accent1"/>
+            </a:effectRef>
+            <a:fontRef idx="minor">
+              <a:schemeClr val="tx1"/>
+            </a:fontRef>
+          </p:style>
+          <p:txBody>
+            <a:bodyPr rtlCol="0" anchor="ctr"/>
+            <a:lstStyle/>
+            <a:p>
+              <a:pPr algn="ctr"/>
+              <a:endParaRPr lang="en-US"/>
+            </a:p>
+          </p:txBody>
+        </p:sp>
+        <p:sp>
+          <p:nvSpPr>
+            <p:cNvPr id="4" name="TextBox 3"/>
+            <p:cNvSpPr txBox="1"/>
+            <p:nvPr/>
+          </p:nvSpPr>
+          <p:spPr>
+            <a:xfrm>
+              <a:off x="5108574" y="1667470"/>
+              <a:ext cx="1444626" cy="923330"/>
+            </a:xfrm>
+            <a:prstGeom prst="rect">
+              <a:avLst/>
+            </a:prstGeom>
+            <a:solidFill>
+              <a:schemeClr val="accent1">
+                <a:lumMod val="20000"/>
+                <a:lumOff val="80000"/>
+              </a:schemeClr>
+            </a:solidFill>
+          </p:spPr>
+          <p:txBody>
+            <a:bodyPr wrap="none" rtlCol="0">
+              <a:noAutofit/>
+            </a:bodyPr>
+            <a:lstStyle/>
+            <a:p>
+              <a:pPr algn="ctr"/>
+              <a:r>
+                <a:rPr lang="en-US" b="1" dirty="0" smtClean="0"/>
+                <a:t>From Teensy</a:t>
+              </a:r>
+            </a:p>
+            <a:p>
+              <a:pPr algn="ctr"/>
+              <a:r>
+                <a:rPr lang="en-US" b="1" dirty="0" smtClean="0"/>
+                <a:t>Audio Design</a:t>
+              </a:r>
+            </a:p>
+            <a:p>
+              <a:pPr algn="ctr"/>
+              <a:r>
+                <a:rPr lang="en-US" b="1" dirty="0" smtClean="0"/>
+                <a:t>GUI</a:t>
+              </a:r>
+              <a:endParaRPr lang="en-US" b="1" dirty="0"/>
+            </a:p>
+          </p:txBody>
+        </p:sp>
+        <p:sp>
+          <p:nvSpPr>
+            <p:cNvPr id="6" name="TextBox 5"/>
+            <p:cNvSpPr txBox="1"/>
+            <p:nvPr/>
+          </p:nvSpPr>
+          <p:spPr>
+            <a:xfrm>
+              <a:off x="5108574" y="3807767"/>
+              <a:ext cx="1444752" cy="923544"/>
+            </a:xfrm>
+            <a:prstGeom prst="rect">
+              <a:avLst/>
+            </a:prstGeom>
+            <a:solidFill>
+              <a:schemeClr val="accent2">
+                <a:lumMod val="20000"/>
+                <a:lumOff val="80000"/>
+              </a:schemeClr>
+            </a:solidFill>
+          </p:spPr>
+          <p:txBody>
+            <a:bodyPr wrap="none" rtlCol="0" anchor="ctr" anchorCtr="0">
+              <a:noAutofit/>
+            </a:bodyPr>
+            <a:lstStyle/>
+            <a:p>
+              <a:pPr algn="ctr"/>
+              <a:r>
+                <a:rPr lang="en-US" b="1" dirty="0" smtClean="0"/>
+                <a:t>Add </a:t>
+              </a:r>
+              <a:r>
+                <a:rPr lang="en-US" b="1" dirty="0" smtClean="0"/>
+                <a:t>This</a:t>
+              </a:r>
+            </a:p>
+            <a:p>
+              <a:pPr algn="ctr"/>
+              <a:r>
+                <a:rPr lang="en-US" b="1" dirty="0" smtClean="0"/>
+                <a:t>Yourself</a:t>
+              </a:r>
+              <a:endParaRPr lang="en-US" b="1" dirty="0"/>
+            </a:p>
+          </p:txBody>
+        </p:sp>
+        <p:sp>
+          <p:nvSpPr>
+            <p:cNvPr id="7" name="Right Brace 6"/>
+            <p:cNvSpPr/>
+            <p:nvPr/>
+          </p:nvSpPr>
+          <p:spPr>
+            <a:xfrm>
+              <a:off x="4651374" y="3433678"/>
+              <a:ext cx="457200" cy="1671722"/>
+            </a:xfrm>
+            <a:prstGeom prst="rightBrace">
+              <a:avLst>
+                <a:gd name="adj1" fmla="val 25181"/>
+                <a:gd name="adj2" fmla="val 50000"/>
+              </a:avLst>
+            </a:prstGeom>
+            <a:ln w="57150">
+              <a:solidFill>
+                <a:schemeClr val="tx1"/>
+              </a:solidFill>
+            </a:ln>
+          </p:spPr>
+          <p:style>
+            <a:lnRef idx="1">
+              <a:schemeClr val="accent1"/>
+            </a:lnRef>
+            <a:fillRef idx="0">
+              <a:schemeClr val="accent1"/>
+            </a:fillRef>
+            <a:effectRef idx="0">
+              <a:schemeClr val="accent1"/>
+            </a:effectRef>
+            <a:fontRef idx="minor">
+              <a:schemeClr val="tx1"/>
+            </a:fontRef>
+          </p:style>
+          <p:txBody>
+            <a:bodyPr rtlCol="0" anchor="ctr"/>
+            <a:lstStyle/>
+            <a:p>
+              <a:pPr algn="ctr"/>
+              <a:endParaRPr lang="en-US"/>
+            </a:p>
+          </p:txBody>
+        </p:sp>
+      </p:grpSp>
+    </p:spTree>
+    <p:extLst>
+      <p:ext uri="{BB962C8B-B14F-4D97-AF65-F5344CB8AC3E}">
+        <p14:creationId xmlns:p14="http://schemas.microsoft.com/office/powerpoint/2010/main" val="125765334"/>
+      </p:ext>
+    </p:extLst>
+  </p:cSld>
+  <p:clrMapOvr>
+    <a:masterClrMapping/>
+  </p:clrMapOvr>
+</p:sld>
+</file>
+
+<file path=ppt/slides/slide6.xml><?xml version="1.0" encoding="utf-8"?>
+<p:sld xmlns:a="http://schemas.openxmlformats.org/drawingml/2006/main" xmlns:r="http://schemas.openxmlformats.org/officeDocument/2006/relationships" xmlns:p="http://schemas.openxmlformats.org/presentationml/2006/main">
+  <p:cSld>
+    <p:spTree>
+      <p:nvGrpSpPr>
+        <p:cNvPr id="1" name=""/>
+        <p:cNvGrpSpPr/>
+        <p:nvPr/>
+      </p:nvGrpSpPr>
+      <p:grpSpPr>
+        <a:xfrm>
+          <a:off x="0" y="0"/>
+          <a:ext cx="0" cy="0"/>
+          <a:chOff x="0" y="0"/>
+          <a:chExt cx="0" cy="0"/>
+        </a:xfrm>
+      </p:grpSpPr>
+      <p:grpSp>
+        <p:nvGrpSpPr>
+          <p:cNvPr id="2" name="Group 1"/>
+          <p:cNvGrpSpPr/>
+          <p:nvPr/>
+        </p:nvGrpSpPr>
+        <p:grpSpPr>
+          <a:xfrm>
+            <a:off x="1294410" y="178130"/>
+            <a:ext cx="5797827" cy="6400800"/>
+            <a:chOff x="1294410" y="178130"/>
+            <a:chExt cx="5797827" cy="6400800"/>
+          </a:xfrm>
+        </p:grpSpPr>
+        <p:pic>
+          <p:nvPicPr>
+            <p:cNvPr id="10242" name="Picture 2"/>
+            <p:cNvPicPr>
+              <a:picLocks noChangeAspect="1" noChangeArrowheads="1"/>
+            </p:cNvPicPr>
+            <p:nvPr/>
+          </p:nvPicPr>
+          <p:blipFill rotWithShape="1">
+            <a:blip r:embed="rId2">
+              <a:extLst>
+                <a:ext uri="{28A0092B-C50C-407E-A947-70E740481C1C}">
+                  <a14:useLocalDpi xmlns:a14="http://schemas.microsoft.com/office/drawing/2010/main" val="0"/>
+                </a:ext>
+              </a:extLst>
+            </a:blip>
+            <a:srcRect l="37552" t="2032" r="16405" b="7601"/>
+            <a:stretch/>
+          </p:blipFill>
+          <p:spPr bwMode="auto">
+            <a:xfrm>
+              <a:off x="1294410" y="178130"/>
+              <a:ext cx="5797827" cy="6400800"/>
+            </a:xfrm>
+            <a:prstGeom prst="rect">
+              <a:avLst/>
+            </a:prstGeom>
+            <a:noFill/>
+            <a:ln>
+              <a:noFill/>
+            </a:ln>
+            <a:extLst>
+              <a:ext uri="{909E8E84-426E-40DD-AFC4-6F175D3DCCD1}">
+                <a14:hiddenFill xmlns:a14="http://schemas.microsoft.com/office/drawing/2010/main">
+                  <a:solidFill>
+                    <a:schemeClr val="accent1"/>
+                  </a:solidFill>
+                </a14:hiddenFill>
+              </a:ext>
+              <a:ext uri="{91240B29-F687-4F45-9708-019B960494DF}">
+                <a14:hiddenLine xmlns:a14="http://schemas.microsoft.com/office/drawing/2010/main" w="9525">
+                  <a:solidFill>
+                    <a:schemeClr val="tx1"/>
+                  </a:solidFill>
+                  <a:miter lim="800000"/>
+                  <a:headEnd/>
+                  <a:tailEnd/>
+                </a14:hiddenLine>
+              </a:ext>
+            </a:extLst>
+          </p:spPr>
+        </p:pic>
+        <p:sp>
+          <p:nvSpPr>
+            <p:cNvPr id="3" name="Right Arrow 2"/>
+            <p:cNvSpPr/>
+            <p:nvPr/>
+          </p:nvSpPr>
+          <p:spPr>
+            <a:xfrm rot="13500000">
+              <a:off x="5584659" y="3517646"/>
+              <a:ext cx="769189" cy="381000"/>
+            </a:xfrm>
+            <a:prstGeom prst="rightArrow">
+              <a:avLst/>
+            </a:prstGeom>
+            <a:solidFill>
+              <a:srgbClr val="FFFF00"/>
+            </a:solidFill>
+            <a:ln>
+              <a:solidFill>
+                <a:schemeClr val="tx1"/>
+              </a:solidFill>
+            </a:ln>
+          </p:spPr>
+          <p:style>
+            <a:lnRef idx="2">
+              <a:schemeClr val="accent1">
+                <a:shade val="50000"/>
+              </a:schemeClr>
+            </a:lnRef>
+            <a:fillRef idx="1">
+              <a:schemeClr val="accent1"/>
+            </a:fillRef>
+            <a:effectRef idx="0">
+              <a:schemeClr val="accent1"/>
+            </a:effectRef>
+            <a:fontRef idx="minor">
+              <a:schemeClr val="lt1"/>
+            </a:fontRef>
+          </p:style>
+          <p:txBody>
+            <a:bodyPr rtlCol="0" anchor="ctr"/>
+            <a:lstStyle/>
+            <a:p>
+              <a:pPr algn="ctr"/>
+              <a:endParaRPr lang="en-US"/>
+            </a:p>
+          </p:txBody>
+        </p:sp>
+      </p:grpSp>
+    </p:spTree>
+    <p:extLst>
+      <p:ext uri="{BB962C8B-B14F-4D97-AF65-F5344CB8AC3E}">
+        <p14:creationId xmlns:p14="http://schemas.microsoft.com/office/powerpoint/2010/main" val="2525866463"/>
+      </p:ext>
+    </p:extLst>
+  </p:cSld>
+  <p:clrMapOvr>
+    <a:masterClrMapping/>
+  </p:clrMapOvr>
+</p:sld>
+</file>
+
+<file path=ppt/slides/slide7.xml><?xml version="1.0" encoding="utf-8"?>
+<p:sld xmlns:a="http://schemas.openxmlformats.org/drawingml/2006/main" xmlns:r="http://schemas.openxmlformats.org/officeDocument/2006/relationships" xmlns:p="http://schemas.openxmlformats.org/presentationml/2006/main">
+  <p:cSld>
+    <p:spTree>
+      <p:nvGrpSpPr>
+        <p:cNvPr id="1" name=""/>
+        <p:cNvGrpSpPr/>
+        <p:nvPr/>
+      </p:nvGrpSpPr>
+      <p:grpSpPr>
+        <a:xfrm>
+          <a:off x="0" y="0"/>
+          <a:ext cx="0" cy="0"/>
+          <a:chOff x="0" y="0"/>
+          <a:chExt cx="0" cy="0"/>
+        </a:xfrm>
+      </p:grpSpPr>
+      <p:grpSp>
+        <p:nvGrpSpPr>
+          <p:cNvPr id="3" name="Group 2"/>
+          <p:cNvGrpSpPr/>
+          <p:nvPr/>
+        </p:nvGrpSpPr>
+        <p:grpSpPr>
+          <a:xfrm>
+            <a:off x="1970088" y="1693863"/>
+            <a:ext cx="5202237" cy="3470275"/>
+            <a:chOff x="1970088" y="1693863"/>
+            <a:chExt cx="5202237" cy="3470275"/>
+          </a:xfrm>
+        </p:grpSpPr>
+        <p:pic>
+          <p:nvPicPr>
+            <p:cNvPr id="12290" name="Picture 2" descr="C:\Users\wea\Desktop\2016-10-24 Teensy USB Audio\IMG_6836.JPG"/>
+            <p:cNvPicPr>
+              <a:picLocks noChangeAspect="1" noChangeArrowheads="1"/>
+            </p:cNvPicPr>
+            <p:nvPr/>
+          </p:nvPicPr>
+          <p:blipFill>
+            <a:blip r:embed="rId2">
+              <a:extLst>
+                <a:ext uri="{28A0092B-C50C-407E-A947-70E740481C1C}">
+                  <a14:useLocalDpi xmlns:a14="http://schemas.microsoft.com/office/drawing/2010/main" val="0"/>
+                </a:ext>
+              </a:extLst>
+            </a:blip>
+            <a:srcRect/>
+            <a:stretch>
+              <a:fillRect/>
+            </a:stretch>
+          </p:blipFill>
+          <p:spPr bwMode="auto">
+            <a:xfrm>
+              <a:off x="1970088" y="1693863"/>
+              <a:ext cx="5202237" cy="3470275"/>
+            </a:xfrm>
+            <a:prstGeom prst="rect">
+              <a:avLst/>
+            </a:prstGeom>
+            <a:noFill/>
+            <a:extLst>
+              <a:ext uri="{909E8E84-426E-40DD-AFC4-6F175D3DCCD1}">
+                <a14:hiddenFill xmlns:a14="http://schemas.microsoft.com/office/drawing/2010/main">
+                  <a:solidFill>
+                    <a:srgbClr val="FFFFFF"/>
+                  </a:solidFill>
+                </a14:hiddenFill>
+              </a:ext>
+            </a:extLst>
+          </p:spPr>
+        </p:pic>
+        <p:sp>
+          <p:nvSpPr>
+            <p:cNvPr id="2" name="TextBox 1"/>
+            <p:cNvSpPr txBox="1"/>
+            <p:nvPr/>
+          </p:nvSpPr>
+          <p:spPr>
+            <a:xfrm>
+              <a:off x="4495800" y="1752600"/>
+              <a:ext cx="2514600" cy="954107"/>
+            </a:xfrm>
+            <a:prstGeom prst="rect">
+              <a:avLst/>
+            </a:prstGeom>
+            <a:noFill/>
+          </p:spPr>
+          <p:txBody>
+            <a:bodyPr wrap="square" rtlCol="0">
+              <a:spAutoFit/>
+            </a:bodyPr>
+            <a:lstStyle/>
+            <a:p>
+              <a:pPr algn="ctr"/>
+              <a:r>
+                <a:rPr lang="en-US" sz="2800" b="1" spc="-150" dirty="0" smtClean="0">
+                  <a:solidFill>
+                    <a:srgbClr val="FFFF00"/>
+                  </a:solidFill>
+                  <a:effectLst>
+                    <a:outerShdw blurRad="38100" dist="38100" dir="2700000" algn="tl">
+                      <a:srgbClr val="000000">
+                        <a:alpha val="43137"/>
+                      </a:srgbClr>
+                    </a:outerShdw>
+                  </a:effectLst>
+                </a:rPr>
+                <a:t>When Configured for USB Audio…</a:t>
+              </a:r>
+              <a:endParaRPr lang="en-US" sz="2800" b="1" spc="-150" dirty="0">
+                <a:solidFill>
+                  <a:srgbClr val="FFFF00"/>
+                </a:solidFill>
+                <a:effectLst>
+                  <a:outerShdw blurRad="38100" dist="38100" dir="2700000" algn="tl">
+                    <a:srgbClr val="000000">
+                      <a:alpha val="43137"/>
+                    </a:srgbClr>
+                  </a:outerShdw>
+                </a:effectLst>
+              </a:endParaRPr>
+            </a:p>
+          </p:txBody>
+        </p:sp>
+        <p:sp>
+          <p:nvSpPr>
+            <p:cNvPr id="4" name="TextBox 3"/>
+            <p:cNvSpPr txBox="1"/>
+            <p:nvPr/>
+          </p:nvSpPr>
+          <p:spPr>
+            <a:xfrm>
+              <a:off x="1981200" y="4191000"/>
+              <a:ext cx="2362200" cy="954107"/>
+            </a:xfrm>
+            <a:prstGeom prst="rect">
+              <a:avLst/>
+            </a:prstGeom>
+            <a:noFill/>
+          </p:spPr>
+          <p:txBody>
+            <a:bodyPr wrap="square" rtlCol="0">
+              <a:spAutoFit/>
+            </a:bodyPr>
+            <a:lstStyle/>
+            <a:p>
+              <a:pPr algn="ctr"/>
+              <a:r>
+                <a:rPr lang="en-US" sz="2800" b="1" spc="-150" dirty="0" smtClean="0">
+                  <a:solidFill>
+                    <a:srgbClr val="FFFF00"/>
+                  </a:solidFill>
+                  <a:effectLst>
+                    <a:outerShdw blurRad="38100" dist="38100" dir="2700000" algn="tl">
+                      <a:srgbClr val="000000">
+                        <a:alpha val="43137"/>
+                      </a:srgbClr>
+                    </a:outerShdw>
+                  </a:effectLst>
+                </a:rPr>
+                <a:t>Press the Button to Re-Program</a:t>
+              </a:r>
+              <a:endParaRPr lang="en-US" sz="2800" b="1" spc="-150" dirty="0">
+                <a:solidFill>
+                  <a:srgbClr val="FFFF00"/>
+                </a:solidFill>
+                <a:effectLst>
+                  <a:outerShdw blurRad="38100" dist="38100" dir="2700000" algn="tl">
+                    <a:srgbClr val="000000">
+                      <a:alpha val="43137"/>
+                    </a:srgbClr>
+                  </a:outerShdw>
+                </a:effectLst>
+              </a:endParaRPr>
+            </a:p>
+          </p:txBody>
+        </p:sp>
+      </p:grpSp>
+    </p:spTree>
+    <p:extLst>
+      <p:ext uri="{BB962C8B-B14F-4D97-AF65-F5344CB8AC3E}">
+        <p14:creationId xmlns:p14="http://schemas.microsoft.com/office/powerpoint/2010/main" val="406567845"/>
+      </p:ext>
+    </p:extLst>
+  </p:cSld>
+  <p:clrMapOvr>
+    <a:masterClrMapping/>
+  </p:clrMapOvr>
+</p:sld>
+</file>
+
+<file path=ppt/slides/slide8.xml><?xml version="1.0" encoding="utf-8"?>
+<p:sld xmlns:a="http://schemas.openxmlformats.org/drawingml/2006/main" xmlns:r="http://schemas.openxmlformats.org/officeDocument/2006/relationships" xmlns:p="http://schemas.openxmlformats.org/presentationml/2006/main">
+  <p:cSld>
+    <p:spTree>
+      <p:nvGrpSpPr>
+        <p:cNvPr id="1" name=""/>
+        <p:cNvGrpSpPr/>
+        <p:nvPr/>
+      </p:nvGrpSpPr>
+      <p:grpSpPr>
+        <a:xfrm>
+          <a:off x="0" y="0"/>
+          <a:ext cx="0" cy="0"/>
+          <a:chOff x="0" y="0"/>
+          <a:chExt cx="0" cy="0"/>
+        </a:xfrm>
+      </p:grpSpPr>
+      <p:grpSp>
+        <p:nvGrpSpPr>
+          <p:cNvPr id="11" name="Group 10"/>
+          <p:cNvGrpSpPr/>
+          <p:nvPr/>
+        </p:nvGrpSpPr>
+        <p:grpSpPr>
+          <a:xfrm>
+            <a:off x="1447800" y="809559"/>
+            <a:ext cx="6400800" cy="4143441"/>
+            <a:chOff x="1600200" y="381000"/>
+            <a:chExt cx="6400800" cy="4143441"/>
+          </a:xfrm>
+        </p:grpSpPr>
+        <p:pic>
+          <p:nvPicPr>
+            <p:cNvPr id="11266" name="Picture 2"/>
+            <p:cNvPicPr>
+              <a:picLocks noChangeAspect="1" noChangeArrowheads="1"/>
+            </p:cNvPicPr>
+            <p:nvPr/>
+          </p:nvPicPr>
+          <p:blipFill>
+            <a:blip r:embed="rId2">
+              <a:extLst>
+                <a:ext uri="{28A0092B-C50C-407E-A947-70E740481C1C}">
+                  <a14:useLocalDpi xmlns:a14="http://schemas.microsoft.com/office/drawing/2010/main" val="0"/>
+                </a:ext>
+              </a:extLst>
+            </a:blip>
+            <a:srcRect/>
+            <a:stretch>
+              <a:fillRect/>
+            </a:stretch>
+          </p:blipFill>
+          <p:spPr bwMode="auto">
+            <a:xfrm>
+              <a:off x="1600200" y="381000"/>
+              <a:ext cx="6400800" cy="4143441"/>
+            </a:xfrm>
+            <a:prstGeom prst="rect">
+              <a:avLst/>
+            </a:prstGeom>
+            <a:noFill/>
+            <a:ln>
+              <a:noFill/>
+            </a:ln>
+            <a:extLst>
+              <a:ext uri="{909E8E84-426E-40DD-AFC4-6F175D3DCCD1}">
+                <a14:hiddenFill xmlns:a14="http://schemas.microsoft.com/office/drawing/2010/main">
+                  <a:solidFill>
+                    <a:schemeClr val="accent1"/>
+                  </a:solidFill>
+                </a14:hiddenFill>
+              </a:ext>
+              <a:ext uri="{91240B29-F687-4F45-9708-019B960494DF}">
+                <a14:hiddenLine xmlns:a14="http://schemas.microsoft.com/office/drawing/2010/main" w="9525">
+                  <a:solidFill>
+                    <a:schemeClr val="tx1"/>
+                  </a:solidFill>
+                  <a:miter lim="800000"/>
+                  <a:headEnd/>
+                  <a:tailEnd/>
+                </a14:hiddenLine>
+              </a:ext>
+            </a:extLst>
+          </p:spPr>
+        </p:pic>
+        <p:sp>
+          <p:nvSpPr>
+            <p:cNvPr id="2" name="Left Arrow 1"/>
+            <p:cNvSpPr/>
+            <p:nvPr/>
+          </p:nvSpPr>
+          <p:spPr>
+            <a:xfrm rot="18313948">
+              <a:off x="3427494" y="617470"/>
               <a:ext cx="1026581" cy="714650"/>
             </a:xfrm>
             <a:prstGeom prst="leftArrow">
@@ -6047,8 +7000,8 @@
             <p:nvPr/>
           </p:nvSpPr>
           <p:spPr>
-            <a:xfrm rot="19759751">
-              <a:off x="1786870" y="5164847"/>
+            <a:xfrm rot="18313948">
+              <a:off x="4287309" y="617469"/>
               <a:ext cx="1026581" cy="714650"/>
             </a:xfrm>
             <a:prstGeom prst="leftArrow">
@@ -6093,7 +7046,15 @@
                     <a:schemeClr val="tx1"/>
                   </a:solidFill>
                 </a:rPr>
-                <a:t>Change to 44100</a:t>
+                <a:t>Change to </a:t>
+              </a:r>
+              <a:r>
+                <a:rPr lang="en-US" sz="1200" dirty="0" smtClean="0">
+                  <a:solidFill>
+                    <a:schemeClr val="tx1"/>
+                  </a:solidFill>
+                </a:rPr>
+                <a:t>Stereo</a:t>
               </a:r>
               <a:endParaRPr lang="en-US" sz="1200" dirty="0">
                 <a:solidFill>
@@ -6110,8 +7071,8 @@
             <p:nvPr/>
           </p:nvSpPr>
           <p:spPr>
-            <a:xfrm rot="19759751">
-              <a:off x="1634471" y="874501"/>
+            <a:xfrm rot="18313948">
+              <a:off x="5713493" y="617470"/>
               <a:ext cx="1026581" cy="714650"/>
             </a:xfrm>
             <a:prstGeom prst="leftArrow">
@@ -6156,7 +7117,7 @@
                     <a:schemeClr val="tx1"/>
                   </a:solidFill>
                 </a:rPr>
-                <a:t>Change to MME</a:t>
+                <a:t>Change to Teensy</a:t>
               </a:r>
               <a:endParaRPr lang="en-US" sz="1200" dirty="0">
                 <a:solidFill>
@@ -6166,11 +7127,638 @@
             </a:p>
           </p:txBody>
         </p:sp>
+        <p:sp>
+          <p:nvSpPr>
+            <p:cNvPr id="9" name="Left Arrow 8"/>
+            <p:cNvSpPr/>
+            <p:nvPr/>
+          </p:nvSpPr>
+          <p:spPr>
+            <a:xfrm rot="18313948">
+              <a:off x="2251525" y="617470"/>
+              <a:ext cx="1026581" cy="714650"/>
+            </a:xfrm>
+            <a:prstGeom prst="leftArrow">
+              <a:avLst>
+                <a:gd name="adj1" fmla="val 52789"/>
+                <a:gd name="adj2" fmla="val 59565"/>
+              </a:avLst>
+            </a:prstGeom>
+            <a:solidFill>
+              <a:srgbClr val="FFFF00"/>
+            </a:solidFill>
+            <a:ln>
+              <a:solidFill>
+                <a:schemeClr val="tx1"/>
+              </a:solidFill>
+            </a:ln>
+          </p:spPr>
+          <p:style>
+            <a:lnRef idx="2">
+              <a:schemeClr val="accent1">
+                <a:shade val="50000"/>
+              </a:schemeClr>
+            </a:lnRef>
+            <a:fillRef idx="1">
+              <a:schemeClr val="accent1"/>
+            </a:fillRef>
+            <a:effectRef idx="0">
+              <a:schemeClr val="accent1"/>
+            </a:effectRef>
+            <a:fontRef idx="minor">
+              <a:schemeClr val="lt1"/>
+            </a:fontRef>
+          </p:style>
+          <p:txBody>
+            <a:bodyPr rtlCol="0" anchor="ctr"/>
+            <a:lstStyle/>
+            <a:p>
+              <a:pPr algn="ctr"/>
+              <a:r>
+                <a:rPr lang="en-US" sz="1200" dirty="0" smtClean="0">
+                  <a:solidFill>
+                    <a:schemeClr val="tx1"/>
+                  </a:solidFill>
+                </a:rPr>
+                <a:t>Change to </a:t>
+              </a:r>
+              <a:r>
+                <a:rPr lang="en-US" sz="1200" dirty="0" smtClean="0">
+                  <a:solidFill>
+                    <a:schemeClr val="tx1"/>
+                  </a:solidFill>
+                </a:rPr>
+                <a:t>MME</a:t>
+              </a:r>
+              <a:endParaRPr lang="en-US" sz="1200" dirty="0">
+                <a:solidFill>
+                  <a:schemeClr val="tx1"/>
+                </a:solidFill>
+              </a:endParaRPr>
+            </a:p>
+          </p:txBody>
+        </p:sp>
+        <p:sp>
+          <p:nvSpPr>
+            <p:cNvPr id="10" name="Left Arrow 9"/>
+            <p:cNvSpPr/>
+            <p:nvPr/>
+          </p:nvSpPr>
+          <p:spPr>
+            <a:xfrm rot="18313948">
+              <a:off x="1979694" y="3284470"/>
+              <a:ext cx="1026581" cy="714650"/>
+            </a:xfrm>
+            <a:prstGeom prst="leftArrow">
+              <a:avLst>
+                <a:gd name="adj1" fmla="val 52789"/>
+                <a:gd name="adj2" fmla="val 59565"/>
+              </a:avLst>
+            </a:prstGeom>
+            <a:solidFill>
+              <a:srgbClr val="FFFF00"/>
+            </a:solidFill>
+            <a:ln>
+              <a:solidFill>
+                <a:schemeClr val="tx1"/>
+              </a:solidFill>
+            </a:ln>
+          </p:spPr>
+          <p:style>
+            <a:lnRef idx="2">
+              <a:schemeClr val="accent1">
+                <a:shade val="50000"/>
+              </a:schemeClr>
+            </a:lnRef>
+            <a:fillRef idx="1">
+              <a:schemeClr val="accent1"/>
+            </a:fillRef>
+            <a:effectRef idx="0">
+              <a:schemeClr val="accent1"/>
+            </a:effectRef>
+            <a:fontRef idx="minor">
+              <a:schemeClr val="lt1"/>
+            </a:fontRef>
+          </p:style>
+          <p:txBody>
+            <a:bodyPr rtlCol="0" anchor="ctr"/>
+            <a:lstStyle/>
+            <a:p>
+              <a:pPr algn="ctr"/>
+              <a:r>
+                <a:rPr lang="en-US" sz="1200" dirty="0" smtClean="0">
+                  <a:solidFill>
+                    <a:schemeClr val="tx1"/>
+                  </a:solidFill>
+                </a:rPr>
+                <a:t>Change to </a:t>
+              </a:r>
+              <a:r>
+                <a:rPr lang="en-US" sz="1200" dirty="0" smtClean="0">
+                  <a:solidFill>
+                    <a:schemeClr val="tx1"/>
+                  </a:solidFill>
+                </a:rPr>
+                <a:t>44100</a:t>
+              </a:r>
+              <a:endParaRPr lang="en-US" sz="1200" dirty="0">
+                <a:solidFill>
+                  <a:schemeClr val="tx1"/>
+                </a:solidFill>
+              </a:endParaRPr>
+            </a:p>
+          </p:txBody>
+        </p:sp>
+        <p:sp>
+          <p:nvSpPr>
+            <p:cNvPr id="6" name="TextBox 5"/>
+            <p:cNvSpPr txBox="1"/>
+            <p:nvPr/>
+          </p:nvSpPr>
+          <p:spPr>
+            <a:xfrm>
+              <a:off x="2225139" y="1981200"/>
+              <a:ext cx="5242461" cy="830997"/>
+            </a:xfrm>
+            <a:prstGeom prst="rect">
+              <a:avLst/>
+            </a:prstGeom>
+            <a:noFill/>
+          </p:spPr>
+          <p:txBody>
+            <a:bodyPr wrap="none" rtlCol="0">
+              <a:spAutoFit/>
+            </a:bodyPr>
+            <a:lstStyle/>
+            <a:p>
+              <a:pPr algn="ctr"/>
+              <a:r>
+                <a:rPr lang="en-US" sz="2400" b="1" dirty="0" smtClean="0">
+                  <a:solidFill>
+                    <a:srgbClr val="FFFF00"/>
+                  </a:solidFill>
+                  <a:effectLst>
+                    <a:outerShdw blurRad="38100" dist="38100" dir="2700000" algn="tl">
+                      <a:srgbClr val="000000">
+                        <a:alpha val="43137"/>
+                      </a:srgbClr>
+                    </a:outerShdw>
+                  </a:effectLst>
+                </a:rPr>
+                <a:t>Configuring Audacity (in Windows 7)</a:t>
+              </a:r>
+            </a:p>
+            <a:p>
+              <a:pPr algn="ctr"/>
+              <a:r>
+                <a:rPr lang="en-US" sz="2400" b="1" dirty="0" smtClean="0">
+                  <a:solidFill>
+                    <a:srgbClr val="FFFF00"/>
+                  </a:solidFill>
+                  <a:effectLst>
+                    <a:outerShdw blurRad="38100" dist="38100" dir="2700000" algn="tl">
+                      <a:srgbClr val="000000">
+                        <a:alpha val="43137"/>
+                      </a:srgbClr>
+                    </a:outerShdw>
+                  </a:effectLst>
+                </a:rPr>
+                <a:t>To Send and Get Teensy Audio over USB</a:t>
+              </a:r>
+              <a:endParaRPr lang="en-US" sz="2400" b="1" dirty="0">
+                <a:solidFill>
+                  <a:srgbClr val="FFFF00"/>
+                </a:solidFill>
+                <a:effectLst>
+                  <a:outerShdw blurRad="38100" dist="38100" dir="2700000" algn="tl">
+                    <a:srgbClr val="000000">
+                      <a:alpha val="43137"/>
+                    </a:srgbClr>
+                  </a:outerShdw>
+                </a:effectLst>
+              </a:endParaRPr>
+            </a:p>
+          </p:txBody>
+        </p:sp>
       </p:grpSp>
     </p:spTree>
     <p:extLst>
       <p:ext uri="{BB962C8B-B14F-4D97-AF65-F5344CB8AC3E}">
-        <p14:creationId xmlns:p14="http://schemas.microsoft.com/office/powerpoint/2010/main" val="4050055539"/>
+        <p14:creationId xmlns:p14="http://schemas.microsoft.com/office/powerpoint/2010/main" val="1877899158"/>
+      </p:ext>
+    </p:extLst>
+  </p:cSld>
+  <p:clrMapOvr>
+    <a:masterClrMapping/>
+  </p:clrMapOvr>
+</p:sld>
+</file>
+
+<file path=ppt/slides/slide9.xml><?xml version="1.0" encoding="utf-8"?>
+<p:sld xmlns:a="http://schemas.openxmlformats.org/drawingml/2006/main" xmlns:r="http://schemas.openxmlformats.org/officeDocument/2006/relationships" xmlns:p="http://schemas.openxmlformats.org/presentationml/2006/main">
+  <p:cSld>
+    <p:spTree>
+      <p:nvGrpSpPr>
+        <p:cNvPr id="1" name=""/>
+        <p:cNvGrpSpPr/>
+        <p:nvPr/>
+      </p:nvGrpSpPr>
+      <p:grpSpPr>
+        <a:xfrm>
+          <a:off x="0" y="0"/>
+          <a:ext cx="0" cy="0"/>
+          <a:chOff x="0" y="0"/>
+          <a:chExt cx="0" cy="0"/>
+        </a:xfrm>
+      </p:grpSpPr>
+      <p:grpSp>
+        <p:nvGrpSpPr>
+          <p:cNvPr id="3" name="Group 2"/>
+          <p:cNvGrpSpPr/>
+          <p:nvPr/>
+        </p:nvGrpSpPr>
+        <p:grpSpPr>
+          <a:xfrm>
+            <a:off x="1228725" y="782493"/>
+            <a:ext cx="6400800" cy="4996467"/>
+            <a:chOff x="447675" y="209551"/>
+            <a:chExt cx="6400800" cy="4996467"/>
+          </a:xfrm>
+        </p:grpSpPr>
+        <p:pic>
+          <p:nvPicPr>
+            <p:cNvPr id="5122" name="Picture 2"/>
+            <p:cNvPicPr>
+              <a:picLocks noChangeAspect="1" noChangeArrowheads="1"/>
+            </p:cNvPicPr>
+            <p:nvPr/>
+          </p:nvPicPr>
+          <p:blipFill>
+            <a:blip r:embed="rId2">
+              <a:extLst>
+                <a:ext uri="{28A0092B-C50C-407E-A947-70E740481C1C}">
+                  <a14:useLocalDpi xmlns:a14="http://schemas.microsoft.com/office/drawing/2010/main" val="0"/>
+                </a:ext>
+              </a:extLst>
+            </a:blip>
+            <a:srcRect/>
+            <a:stretch>
+              <a:fillRect/>
+            </a:stretch>
+          </p:blipFill>
+          <p:spPr bwMode="auto">
+            <a:xfrm>
+              <a:off x="447675" y="209551"/>
+              <a:ext cx="6400800" cy="4996467"/>
+            </a:xfrm>
+            <a:prstGeom prst="rect">
+              <a:avLst/>
+            </a:prstGeom>
+            <a:noFill/>
+            <a:ln>
+              <a:noFill/>
+            </a:ln>
+            <a:extLst>
+              <a:ext uri="{909E8E84-426E-40DD-AFC4-6F175D3DCCD1}">
+                <a14:hiddenFill xmlns:a14="http://schemas.microsoft.com/office/drawing/2010/main">
+                  <a:solidFill>
+                    <a:schemeClr val="accent1"/>
+                  </a:solidFill>
+                </a14:hiddenFill>
+              </a:ext>
+              <a:ext uri="{91240B29-F687-4F45-9708-019B960494DF}">
+                <a14:hiddenLine xmlns:a14="http://schemas.microsoft.com/office/drawing/2010/main" w="9525">
+                  <a:solidFill>
+                    <a:schemeClr val="tx1"/>
+                  </a:solidFill>
+                  <a:miter lim="800000"/>
+                  <a:headEnd/>
+                  <a:tailEnd/>
+                </a14:hiddenLine>
+              </a:ext>
+            </a:extLst>
+          </p:spPr>
+        </p:pic>
+        <p:sp>
+          <p:nvSpPr>
+            <p:cNvPr id="2" name="TextBox 1"/>
+            <p:cNvSpPr txBox="1"/>
+            <p:nvPr/>
+          </p:nvSpPr>
+          <p:spPr>
+            <a:xfrm>
+              <a:off x="1444256" y="1624618"/>
+              <a:ext cx="4160874" cy="400110"/>
+            </a:xfrm>
+            <a:prstGeom prst="rect">
+              <a:avLst/>
+            </a:prstGeom>
+            <a:noFill/>
+          </p:spPr>
+          <p:txBody>
+            <a:bodyPr wrap="square" rtlCol="0">
+              <a:spAutoFit/>
+            </a:bodyPr>
+            <a:lstStyle/>
+            <a:p>
+              <a:r>
+                <a:rPr lang="en-US" sz="2000" b="1" dirty="0" smtClean="0">
+                  <a:solidFill>
+                    <a:srgbClr val="FFFF00"/>
+                  </a:solidFill>
+                  <a:effectLst>
+                    <a:outerShdw blurRad="38100" dist="38100" dir="2700000" algn="tl">
+                      <a:srgbClr val="000000">
+                        <a:alpha val="43137"/>
+                      </a:srgbClr>
+                    </a:outerShdw>
+                  </a:effectLst>
+                </a:rPr>
+                <a:t>Generated in Audacity:</a:t>
+              </a:r>
+              <a:endParaRPr lang="en-US" sz="2000" b="1" dirty="0">
+                <a:solidFill>
+                  <a:srgbClr val="FFFF00"/>
+                </a:solidFill>
+                <a:effectLst>
+                  <a:outerShdw blurRad="38100" dist="38100" dir="2700000" algn="tl">
+                    <a:srgbClr val="000000">
+                      <a:alpha val="43137"/>
+                    </a:srgbClr>
+                  </a:outerShdw>
+                </a:effectLst>
+              </a:endParaRPr>
+            </a:p>
+          </p:txBody>
+        </p:sp>
+        <p:sp>
+          <p:nvSpPr>
+            <p:cNvPr id="4" name="TextBox 3"/>
+            <p:cNvSpPr txBox="1"/>
+            <p:nvPr/>
+          </p:nvSpPr>
+          <p:spPr>
+            <a:xfrm>
+              <a:off x="1444256" y="2647890"/>
+              <a:ext cx="4263656" cy="400110"/>
+            </a:xfrm>
+            <a:prstGeom prst="rect">
+              <a:avLst/>
+            </a:prstGeom>
+            <a:noFill/>
+          </p:spPr>
+          <p:txBody>
+            <a:bodyPr wrap="square" rtlCol="0">
+              <a:spAutoFit/>
+            </a:bodyPr>
+            <a:lstStyle/>
+            <a:p>
+              <a:r>
+                <a:rPr lang="en-US" sz="2000" b="1" dirty="0" smtClean="0">
+                  <a:solidFill>
+                    <a:srgbClr val="FFFF00"/>
+                  </a:solidFill>
+                  <a:effectLst>
+                    <a:outerShdw blurRad="38100" dist="38100" dir="2700000" algn="tl">
+                      <a:srgbClr val="000000">
+                        <a:alpha val="43137"/>
+                      </a:srgbClr>
+                    </a:outerShdw>
+                  </a:effectLst>
+                </a:rPr>
+                <a:t>From Teensy:</a:t>
+              </a:r>
+              <a:endParaRPr lang="en-US" sz="2000" b="1" dirty="0">
+                <a:solidFill>
+                  <a:srgbClr val="FFFF00"/>
+                </a:solidFill>
+                <a:effectLst>
+                  <a:outerShdw blurRad="38100" dist="38100" dir="2700000" algn="tl">
+                    <a:srgbClr val="000000">
+                      <a:alpha val="43137"/>
+                    </a:srgbClr>
+                  </a:outerShdw>
+                </a:effectLst>
+              </a:endParaRPr>
+            </a:p>
+          </p:txBody>
+        </p:sp>
+        <p:sp>
+          <p:nvSpPr>
+            <p:cNvPr id="5" name="TextBox 4"/>
+            <p:cNvSpPr txBox="1"/>
+            <p:nvPr/>
+          </p:nvSpPr>
+          <p:spPr>
+            <a:xfrm>
+              <a:off x="1444256" y="3562290"/>
+              <a:ext cx="5185144" cy="400110"/>
+            </a:xfrm>
+            <a:prstGeom prst="rect">
+              <a:avLst/>
+            </a:prstGeom>
+            <a:noFill/>
+          </p:spPr>
+          <p:txBody>
+            <a:bodyPr wrap="square" rtlCol="0">
+              <a:spAutoFit/>
+            </a:bodyPr>
+            <a:lstStyle/>
+            <a:p>
+              <a:r>
+                <a:rPr lang="en-US" sz="2000" b="1" dirty="0" smtClean="0">
+                  <a:solidFill>
+                    <a:srgbClr val="FFFF00"/>
+                  </a:solidFill>
+                  <a:effectLst>
+                    <a:outerShdw blurRad="38100" dist="38100" dir="2700000" algn="tl">
+                      <a:srgbClr val="000000">
+                        <a:alpha val="43137"/>
+                      </a:srgbClr>
+                    </a:outerShdw>
+                  </a:effectLst>
+                </a:rPr>
+                <a:t>From Teensy:</a:t>
+              </a:r>
+              <a:endParaRPr lang="en-US" sz="2000" b="1" dirty="0">
+                <a:solidFill>
+                  <a:srgbClr val="FFFF00"/>
+                </a:solidFill>
+                <a:effectLst>
+                  <a:outerShdw blurRad="38100" dist="38100" dir="2700000" algn="tl">
+                    <a:srgbClr val="000000">
+                      <a:alpha val="43137"/>
+                    </a:srgbClr>
+                  </a:outerShdw>
+                </a:effectLst>
+              </a:endParaRPr>
+            </a:p>
+          </p:txBody>
+        </p:sp>
+        <p:sp>
+          <p:nvSpPr>
+            <p:cNvPr id="6" name="TextBox 5"/>
+            <p:cNvSpPr txBox="1"/>
+            <p:nvPr/>
+          </p:nvSpPr>
+          <p:spPr>
+            <a:xfrm>
+              <a:off x="3372293" y="2190690"/>
+              <a:ext cx="3104707" cy="400110"/>
+            </a:xfrm>
+            <a:prstGeom prst="rect">
+              <a:avLst/>
+            </a:prstGeom>
+            <a:noFill/>
+          </p:spPr>
+          <p:txBody>
+            <a:bodyPr wrap="square" rtlCol="0">
+              <a:spAutoFit/>
+            </a:bodyPr>
+            <a:lstStyle/>
+            <a:p>
+              <a:pPr algn="r"/>
+              <a:r>
+                <a:rPr lang="en-US" sz="2000" b="1" dirty="0" smtClean="0">
+                  <a:solidFill>
+                    <a:srgbClr val="FFFF00"/>
+                  </a:solidFill>
+                  <a:effectLst>
+                    <a:outerShdw blurRad="38100" dist="38100" dir="2700000" algn="tl">
+                      <a:srgbClr val="000000">
+                        <a:alpha val="43137"/>
+                      </a:srgbClr>
+                    </a:outerShdw>
+                  </a:effectLst>
+                </a:rPr>
+                <a:t>Original Signal</a:t>
+              </a:r>
+              <a:endParaRPr lang="en-US" sz="2000" b="1" dirty="0">
+                <a:solidFill>
+                  <a:srgbClr val="FFFF00"/>
+                </a:solidFill>
+                <a:effectLst>
+                  <a:outerShdw blurRad="38100" dist="38100" dir="2700000" algn="tl">
+                    <a:srgbClr val="000000">
+                      <a:alpha val="43137"/>
+                    </a:srgbClr>
+                  </a:outerShdw>
+                </a:effectLst>
+              </a:endParaRPr>
+            </a:p>
+          </p:txBody>
+        </p:sp>
+        <p:sp>
+          <p:nvSpPr>
+            <p:cNvPr id="7" name="TextBox 6"/>
+            <p:cNvSpPr txBox="1"/>
+            <p:nvPr/>
+          </p:nvSpPr>
+          <p:spPr>
+            <a:xfrm>
+              <a:off x="3372293" y="3105090"/>
+              <a:ext cx="3104707" cy="400110"/>
+            </a:xfrm>
+            <a:prstGeom prst="rect">
+              <a:avLst/>
+            </a:prstGeom>
+            <a:noFill/>
+          </p:spPr>
+          <p:txBody>
+            <a:bodyPr wrap="square" rtlCol="0">
+              <a:spAutoFit/>
+            </a:bodyPr>
+            <a:lstStyle/>
+            <a:p>
+              <a:pPr algn="r"/>
+              <a:r>
+                <a:rPr lang="en-US" sz="2000" b="1" dirty="0" smtClean="0">
+                  <a:solidFill>
+                    <a:srgbClr val="FFFF00"/>
+                  </a:solidFill>
+                  <a:effectLst>
+                    <a:outerShdw blurRad="38100" dist="38100" dir="2700000" algn="tl">
+                      <a:srgbClr val="000000">
+                        <a:alpha val="43137"/>
+                      </a:srgbClr>
+                    </a:outerShdw>
+                  </a:effectLst>
+                </a:rPr>
+                <a:t>Not Effected</a:t>
+              </a:r>
+              <a:endParaRPr lang="en-US" sz="2000" b="1" dirty="0">
+                <a:solidFill>
+                  <a:srgbClr val="FFFF00"/>
+                </a:solidFill>
+                <a:effectLst>
+                  <a:outerShdw blurRad="38100" dist="38100" dir="2700000" algn="tl">
+                    <a:srgbClr val="000000">
+                      <a:alpha val="43137"/>
+                    </a:srgbClr>
+                  </a:outerShdw>
+                </a:effectLst>
+              </a:endParaRPr>
+            </a:p>
+          </p:txBody>
+        </p:sp>
+        <p:sp>
+          <p:nvSpPr>
+            <p:cNvPr id="8" name="TextBox 7"/>
+            <p:cNvSpPr txBox="1"/>
+            <p:nvPr/>
+          </p:nvSpPr>
+          <p:spPr>
+            <a:xfrm>
+              <a:off x="3372293" y="4019490"/>
+              <a:ext cx="3104707" cy="400110"/>
+            </a:xfrm>
+            <a:prstGeom prst="rect">
+              <a:avLst/>
+            </a:prstGeom>
+            <a:noFill/>
+          </p:spPr>
+          <p:txBody>
+            <a:bodyPr wrap="square" rtlCol="0">
+              <a:spAutoFit/>
+            </a:bodyPr>
+            <a:lstStyle/>
+            <a:p>
+              <a:pPr algn="r"/>
+              <a:r>
+                <a:rPr lang="en-US" sz="2000" b="1" dirty="0" smtClean="0">
+                  <a:solidFill>
+                    <a:srgbClr val="FFFF00"/>
+                  </a:solidFill>
+                  <a:effectLst>
+                    <a:outerShdw blurRad="38100" dist="38100" dir="2700000" algn="tl">
+                      <a:srgbClr val="000000">
+                        <a:alpha val="43137"/>
+                      </a:srgbClr>
+                    </a:outerShdw>
+                  </a:effectLst>
+                </a:rPr>
+                <a:t>Low-Pass Filtered</a:t>
+              </a:r>
+              <a:endParaRPr lang="en-US" sz="2000" b="1" dirty="0">
+                <a:solidFill>
+                  <a:srgbClr val="FFFF00"/>
+                </a:solidFill>
+                <a:effectLst>
+                  <a:outerShdw blurRad="38100" dist="38100" dir="2700000" algn="tl">
+                    <a:srgbClr val="000000">
+                      <a:alpha val="43137"/>
+                    </a:srgbClr>
+                  </a:outerShdw>
+                </a:effectLst>
+              </a:endParaRPr>
+            </a:p>
+          </p:txBody>
+        </p:sp>
+      </p:grpSp>
+    </p:spTree>
+    <p:extLst>
+      <p:ext uri="{BB962C8B-B14F-4D97-AF65-F5344CB8AC3E}">
+        <p14:creationId xmlns:p14="http://schemas.microsoft.com/office/powerpoint/2010/main" val="1263521780"/>
       </p:ext>
     </p:extLst>
   </p:cSld>

--- a/2016-10-24 Teensy Audio USB/Figures for Blog/Figures.pptx
+++ b/2016-10-24 Teensy Audio USB/Figures for Blog/Figures.pptx
@@ -301,7 +301,7 @@
             <a:fld id="{1D8BD707-D9CF-40AE-B4C6-C98DA3205C09}" type="datetimeFigureOut">
               <a:rPr lang="en-US" smtClean="0"/>
               <a:pPr/>
-              <a:t>10/24/2016</a:t>
+              <a:t>10/25/2016</a:t>
             </a:fld>
             <a:endParaRPr lang="en-US"/>
           </a:p>
@@ -468,7 +468,7 @@
             <a:fld id="{1D8BD707-D9CF-40AE-B4C6-C98DA3205C09}" type="datetimeFigureOut">
               <a:rPr lang="en-US" smtClean="0"/>
               <a:pPr/>
-              <a:t>10/24/2016</a:t>
+              <a:t>10/25/2016</a:t>
             </a:fld>
             <a:endParaRPr lang="en-US"/>
           </a:p>
@@ -645,7 +645,7 @@
             <a:fld id="{1D8BD707-D9CF-40AE-B4C6-C98DA3205C09}" type="datetimeFigureOut">
               <a:rPr lang="en-US" smtClean="0"/>
               <a:pPr/>
-              <a:t>10/24/2016</a:t>
+              <a:t>10/25/2016</a:t>
             </a:fld>
             <a:endParaRPr lang="en-US"/>
           </a:p>
@@ -812,7 +812,7 @@
             <a:fld id="{1D8BD707-D9CF-40AE-B4C6-C98DA3205C09}" type="datetimeFigureOut">
               <a:rPr lang="en-US" smtClean="0"/>
               <a:pPr/>
-              <a:t>10/24/2016</a:t>
+              <a:t>10/25/2016</a:t>
             </a:fld>
             <a:endParaRPr lang="en-US"/>
           </a:p>
@@ -1055,7 +1055,7 @@
             <a:fld id="{1D8BD707-D9CF-40AE-B4C6-C98DA3205C09}" type="datetimeFigureOut">
               <a:rPr lang="en-US" smtClean="0"/>
               <a:pPr/>
-              <a:t>10/24/2016</a:t>
+              <a:t>10/25/2016</a:t>
             </a:fld>
             <a:endParaRPr lang="en-US"/>
           </a:p>
@@ -1340,7 +1340,7 @@
             <a:fld id="{1D8BD707-D9CF-40AE-B4C6-C98DA3205C09}" type="datetimeFigureOut">
               <a:rPr lang="en-US" smtClean="0"/>
               <a:pPr/>
-              <a:t>10/24/2016</a:t>
+              <a:t>10/25/2016</a:t>
             </a:fld>
             <a:endParaRPr lang="en-US"/>
           </a:p>
@@ -1759,7 +1759,7 @@
             <a:fld id="{1D8BD707-D9CF-40AE-B4C6-C98DA3205C09}" type="datetimeFigureOut">
               <a:rPr lang="en-US" smtClean="0"/>
               <a:pPr/>
-              <a:t>10/24/2016</a:t>
+              <a:t>10/25/2016</a:t>
             </a:fld>
             <a:endParaRPr lang="en-US"/>
           </a:p>
@@ -1874,7 +1874,7 @@
             <a:fld id="{1D8BD707-D9CF-40AE-B4C6-C98DA3205C09}" type="datetimeFigureOut">
               <a:rPr lang="en-US" smtClean="0"/>
               <a:pPr/>
-              <a:t>10/24/2016</a:t>
+              <a:t>10/25/2016</a:t>
             </a:fld>
             <a:endParaRPr lang="en-US"/>
           </a:p>
@@ -1966,7 +1966,7 @@
             <a:fld id="{1D8BD707-D9CF-40AE-B4C6-C98DA3205C09}" type="datetimeFigureOut">
               <a:rPr lang="en-US" smtClean="0"/>
               <a:pPr/>
-              <a:t>10/24/2016</a:t>
+              <a:t>10/25/2016</a:t>
             </a:fld>
             <a:endParaRPr lang="en-US"/>
           </a:p>
@@ -2240,7 +2240,7 @@
             <a:fld id="{1D8BD707-D9CF-40AE-B4C6-C98DA3205C09}" type="datetimeFigureOut">
               <a:rPr lang="en-US" smtClean="0"/>
               <a:pPr/>
-              <a:t>10/24/2016</a:t>
+              <a:t>10/25/2016</a:t>
             </a:fld>
             <a:endParaRPr lang="en-US"/>
           </a:p>
@@ -2490,7 +2490,7 @@
             <a:fld id="{1D8BD707-D9CF-40AE-B4C6-C98DA3205C09}" type="datetimeFigureOut">
               <a:rPr lang="en-US" smtClean="0"/>
               <a:pPr/>
-              <a:t>10/24/2016</a:t>
+              <a:t>10/25/2016</a:t>
             </a:fld>
             <a:endParaRPr lang="en-US"/>
           </a:p>
@@ -2700,7 +2700,7 @@
             <a:fld id="{1D8BD707-D9CF-40AE-B4C6-C98DA3205C09}" type="datetimeFigureOut">
               <a:rPr lang="en-US" smtClean="0"/>
               <a:pPr/>
-              <a:t>10/24/2016</a:t>
+              <a:t>10/25/2016</a:t>
             </a:fld>
             <a:endParaRPr lang="en-US"/>
           </a:p>
@@ -4142,15 +4142,7 @@
                     <a:schemeClr val="tx1"/>
                   </a:solidFill>
                 </a:rPr>
-                <a:t>Change to </a:t>
-              </a:r>
-              <a:r>
-                <a:rPr lang="en-US" sz="1200" dirty="0" smtClean="0">
-                  <a:solidFill>
-                    <a:schemeClr val="tx1"/>
-                  </a:solidFill>
-                </a:rPr>
-                <a:t>MME</a:t>
+                <a:t>Change to MME</a:t>
               </a:r>
               <a:endParaRPr lang="en-US" sz="1200" dirty="0">
                 <a:solidFill>
@@ -4276,15 +4268,7 @@
                     <a:schemeClr val="tx1"/>
                   </a:solidFill>
                 </a:rPr>
-                <a:t>Change to </a:t>
-              </a:r>
-              <a:r>
-                <a:rPr lang="en-US" sz="1200" dirty="0" smtClean="0">
-                  <a:solidFill>
-                    <a:schemeClr val="tx1"/>
-                  </a:solidFill>
-                </a:rPr>
-                <a:t>44100</a:t>
+                <a:t>Change to 44100</a:t>
               </a:r>
               <a:endParaRPr lang="en-US" sz="1200" dirty="0">
                 <a:solidFill>
@@ -6431,11 +6415,7 @@
               <a:pPr algn="ctr"/>
               <a:r>
                 <a:rPr lang="en-US" b="1" dirty="0" smtClean="0"/>
-                <a:t>Add </a:t>
-              </a:r>
-              <a:r>
-                <a:rPr lang="en-US" b="1" dirty="0" smtClean="0"/>
-                <a:t>This</a:t>
+                <a:t>Add This</a:t>
               </a:r>
             </a:p>
             <a:p>
@@ -7046,15 +7026,7 @@
                     <a:schemeClr val="tx1"/>
                   </a:solidFill>
                 </a:rPr>
-                <a:t>Change to </a:t>
-              </a:r>
-              <a:r>
-                <a:rPr lang="en-US" sz="1200" dirty="0" smtClean="0">
-                  <a:solidFill>
-                    <a:schemeClr val="tx1"/>
-                  </a:solidFill>
-                </a:rPr>
-                <a:t>Stereo</a:t>
+                <a:t>Change to Stereo</a:t>
               </a:r>
               <a:endParaRPr lang="en-US" sz="1200" dirty="0">
                 <a:solidFill>
@@ -7180,15 +7152,7 @@
                     <a:schemeClr val="tx1"/>
                   </a:solidFill>
                 </a:rPr>
-                <a:t>Change to </a:t>
-              </a:r>
-              <a:r>
-                <a:rPr lang="en-US" sz="1200" dirty="0" smtClean="0">
-                  <a:solidFill>
-                    <a:schemeClr val="tx1"/>
-                  </a:solidFill>
-                </a:rPr>
-                <a:t>MME</a:t>
+                <a:t>Change to MME</a:t>
               </a:r>
               <a:endParaRPr lang="en-US" sz="1200" dirty="0">
                 <a:solidFill>
@@ -7251,15 +7215,7 @@
                     <a:schemeClr val="tx1"/>
                   </a:solidFill>
                 </a:rPr>
-                <a:t>Change to </a:t>
-              </a:r>
-              <a:r>
-                <a:rPr lang="en-US" sz="1200" dirty="0" smtClean="0">
-                  <a:solidFill>
-                    <a:schemeClr val="tx1"/>
-                  </a:solidFill>
-                </a:rPr>
-                <a:t>44100</a:t>
+                <a:t>Change to 44100</a:t>
               </a:r>
               <a:endParaRPr lang="en-US" sz="1200" dirty="0">
                 <a:solidFill>
@@ -7526,7 +7482,22 @@
                     </a:outerShdw>
                   </a:effectLst>
                 </a:rPr>
-                <a:t>From Teensy:</a:t>
+                <a:t>From Teensy</a:t>
+              </a:r>
+              <a:r>
+                <a:rPr lang="en-US" sz="2000" b="1" dirty="0" smtClean="0">
+                  <a:solidFill>
+                    <a:srgbClr val="FFFF00"/>
+                  </a:solidFill>
+                  <a:effectLst>
+                    <a:outerShdw blurRad="38100" dist="38100" dir="2700000" algn="tl">
+                      <a:srgbClr val="000000">
+                        <a:alpha val="43137"/>
+                      </a:srgbClr>
+                    </a:outerShdw>
+                  </a:effectLst>
+                </a:rPr>
+                <a:t>: Left</a:t>
               </a:r>
               <a:endParaRPr lang="en-US" sz="2000" b="1" dirty="0">
                 <a:solidFill>
@@ -7578,7 +7549,22 @@
                     </a:outerShdw>
                   </a:effectLst>
                 </a:rPr>
-                <a:t>From Teensy:</a:t>
+                <a:t>From Teensy</a:t>
+              </a:r>
+              <a:r>
+                <a:rPr lang="en-US" sz="2000" b="1" dirty="0" smtClean="0">
+                  <a:solidFill>
+                    <a:srgbClr val="FFFF00"/>
+                  </a:solidFill>
+                  <a:effectLst>
+                    <a:outerShdw blurRad="38100" dist="38100" dir="2700000" algn="tl">
+                      <a:srgbClr val="000000">
+                        <a:alpha val="43137"/>
+                      </a:srgbClr>
+                    </a:outerShdw>
+                  </a:effectLst>
+                </a:rPr>
+                <a:t>: Right</a:t>
               </a:r>
               <a:endParaRPr lang="en-US" sz="2000" b="1" dirty="0">
                 <a:solidFill>
@@ -7684,7 +7670,7 @@
                     </a:outerShdw>
                   </a:effectLst>
                 </a:rPr>
-                <a:t>Not Effected</a:t>
+                <a:t>Unaltered Signal</a:t>
               </a:r>
               <a:endParaRPr lang="en-US" sz="2000" b="1" dirty="0">
                 <a:solidFill>
